--- a/3_SI/Traum/referat/Präsentation1.pptx
+++ b/3_SI/Traum/referat/Präsentation1.pptx
@@ -118,6 +118,11 @@
             <a:srgbClr val="A4A3A4"/>
           </p15:clr>
         </p15:guide>
+        <p15:guide id="3" pos="2865" userDrawn="1">
+          <p15:clr>
+            <a:srgbClr val="A4A3A4"/>
+          </p15:clr>
+        </p15:guide>
       </p15:sldGuideLst>
     </p:ext>
   </p:extLst>
@@ -1675,7 +1680,7 @@
         <a:lstStyle/>
         <a:p>
           <a:r>
-            <a:rPr lang="de-DE" sz="1400" b="1" dirty="0">
+            <a:rPr lang="de-DE" sz="1600" b="1" dirty="0">
               <a:latin typeface="Arial" panose="020B0604020202020204" pitchFamily="34" charset="0"/>
               <a:cs typeface="Arial" panose="020B0604020202020204" pitchFamily="34" charset="0"/>
             </a:rPr>
@@ -1691,7 +1696,7 @@
         <a:bodyPr/>
         <a:lstStyle/>
         <a:p>
-          <a:endParaRPr lang="de-DE" sz="1400">
+          <a:endParaRPr lang="de-DE" sz="1600">
             <a:latin typeface="Arial" panose="020B0604020202020204" pitchFamily="34" charset="0"/>
             <a:cs typeface="Arial" panose="020B0604020202020204" pitchFamily="34" charset="0"/>
           </a:endParaRPr>
@@ -1770,7 +1775,7 @@
         <a:lstStyle/>
         <a:p>
           <a:r>
-            <a:rPr lang="de-DE" sz="1400" b="1" kern="1200" dirty="0">
+            <a:rPr lang="de-DE" sz="1600" b="1" kern="1200" dirty="0">
               <a:solidFill>
                 <a:prstClr val="black"/>
               </a:solidFill>
@@ -1790,7 +1795,7 @@
         <a:bodyPr/>
         <a:lstStyle/>
         <a:p>
-          <a:endParaRPr lang="de-DE" sz="1400">
+          <a:endParaRPr lang="de-DE" sz="1600">
             <a:latin typeface="Arial" panose="020B0604020202020204" pitchFamily="34" charset="0"/>
             <a:cs typeface="Arial" panose="020B0604020202020204" pitchFamily="34" charset="0"/>
           </a:endParaRPr>
@@ -1819,7 +1824,7 @@
         <a:lstStyle/>
         <a:p>
           <a:r>
-            <a:rPr lang="de-DE" sz="1800" b="1" dirty="0">
+            <a:rPr lang="de-DE" sz="1600" b="1" dirty="0">
               <a:latin typeface="Arial" panose="020B0604020202020204" pitchFamily="34" charset="0"/>
               <a:cs typeface="Arial" panose="020B0604020202020204" pitchFamily="34" charset="0"/>
             </a:rPr>
@@ -1880,7 +1885,7 @@
         <a:bodyPr/>
         <a:lstStyle/>
         <a:p>
-          <a:endParaRPr lang="de-DE">
+          <a:endParaRPr lang="de-DE" sz="1600">
             <a:latin typeface="Arial" panose="020B0604020202020204" pitchFamily="34" charset="0"/>
             <a:cs typeface="Arial" panose="020B0604020202020204" pitchFamily="34" charset="0"/>
           </a:endParaRPr>
@@ -1925,7 +1930,7 @@
         <a:bodyPr/>
         <a:lstStyle/>
         <a:p>
-          <a:endParaRPr lang="de-DE">
+          <a:endParaRPr lang="de-DE" sz="1600">
             <a:latin typeface="Arial" panose="020B0604020202020204" pitchFamily="34" charset="0"/>
             <a:cs typeface="Arial" panose="020B0604020202020204" pitchFamily="34" charset="0"/>
           </a:endParaRPr>
@@ -1970,7 +1975,7 @@
         <a:bodyPr/>
         <a:lstStyle/>
         <a:p>
-          <a:endParaRPr lang="de-DE">
+          <a:endParaRPr lang="de-DE" sz="1600">
             <a:latin typeface="Arial" panose="020B0604020202020204" pitchFamily="34" charset="0"/>
             <a:cs typeface="Arial" panose="020B0604020202020204" pitchFamily="34" charset="0"/>
           </a:endParaRPr>
@@ -2015,7 +2020,7 @@
         <a:bodyPr/>
         <a:lstStyle/>
         <a:p>
-          <a:endParaRPr lang="de-DE">
+          <a:endParaRPr lang="de-DE" sz="1600">
             <a:latin typeface="Arial" panose="020B0604020202020204" pitchFamily="34" charset="0"/>
             <a:cs typeface="Arial" panose="020B0604020202020204" pitchFamily="34" charset="0"/>
           </a:endParaRPr>
@@ -2060,7 +2065,7 @@
         <a:bodyPr/>
         <a:lstStyle/>
         <a:p>
-          <a:endParaRPr lang="de-DE">
+          <a:endParaRPr lang="de-DE" sz="1600">
             <a:latin typeface="Arial" panose="020B0604020202020204" pitchFamily="34" charset="0"/>
             <a:cs typeface="Arial" panose="020B0604020202020204" pitchFamily="34" charset="0"/>
           </a:endParaRPr>
@@ -2105,7 +2110,7 @@
         <a:bodyPr/>
         <a:lstStyle/>
         <a:p>
-          <a:endParaRPr lang="de-DE">
+          <a:endParaRPr lang="de-DE" sz="1600">
             <a:latin typeface="Arial" panose="020B0604020202020204" pitchFamily="34" charset="0"/>
             <a:cs typeface="Arial" panose="020B0604020202020204" pitchFamily="34" charset="0"/>
           </a:endParaRPr>
@@ -2150,7 +2155,7 @@
         <a:bodyPr/>
         <a:lstStyle/>
         <a:p>
-          <a:endParaRPr lang="de-DE">
+          <a:endParaRPr lang="de-DE" sz="1600">
             <a:latin typeface="Arial" panose="020B0604020202020204" pitchFamily="34" charset="0"/>
             <a:cs typeface="Arial" panose="020B0604020202020204" pitchFamily="34" charset="0"/>
           </a:endParaRPr>
@@ -2195,7 +2200,7 @@
         <a:bodyPr/>
         <a:lstStyle/>
         <a:p>
-          <a:endParaRPr lang="de-DE">
+          <a:endParaRPr lang="de-DE" sz="1600">
             <a:latin typeface="Arial" panose="020B0604020202020204" pitchFamily="34" charset="0"/>
             <a:cs typeface="Arial" panose="020B0604020202020204" pitchFamily="34" charset="0"/>
           </a:endParaRPr>
@@ -2240,7 +2245,7 @@
         <a:bodyPr/>
         <a:lstStyle/>
         <a:p>
-          <a:endParaRPr lang="de-DE">
+          <a:endParaRPr lang="de-DE" sz="1600">
             <a:latin typeface="Arial" panose="020B0604020202020204" pitchFamily="34" charset="0"/>
             <a:cs typeface="Arial" panose="020B0604020202020204" pitchFamily="34" charset="0"/>
           </a:endParaRPr>
@@ -2285,7 +2290,7 @@
         <a:bodyPr/>
         <a:lstStyle/>
         <a:p>
-          <a:endParaRPr lang="de-DE">
+          <a:endParaRPr lang="de-DE" sz="1600">
             <a:latin typeface="Arial" panose="020B0604020202020204" pitchFamily="34" charset="0"/>
             <a:cs typeface="Arial" panose="020B0604020202020204" pitchFamily="34" charset="0"/>
           </a:endParaRPr>
@@ -2330,7 +2335,7 @@
         <a:bodyPr/>
         <a:lstStyle/>
         <a:p>
-          <a:endParaRPr lang="de-DE">
+          <a:endParaRPr lang="de-DE" sz="1600">
             <a:latin typeface="Arial" panose="020B0604020202020204" pitchFamily="34" charset="0"/>
             <a:cs typeface="Arial" panose="020B0604020202020204" pitchFamily="34" charset="0"/>
           </a:endParaRPr>
@@ -2348,6 +2353,306 @@
             <a:latin typeface="Arial" panose="020B0604020202020204" pitchFamily="34" charset="0"/>
             <a:cs typeface="Arial" panose="020B0604020202020204" pitchFamily="34" charset="0"/>
           </a:endParaRPr>
+        </a:p>
+      </dgm:t>
+    </dgm:pt>
+    <dgm:pt modelId="{1B4BD5F3-4957-E74F-8ADC-DBA70B3CAC8F}">
+      <dgm:prSet custT="1"/>
+      <dgm:spPr>
+        <a:gradFill rotWithShape="0">
+          <a:gsLst>
+            <a:gs pos="0">
+              <a:srgbClr val="FFC000">
+                <a:hueOff val="0"/>
+                <a:satOff val="0"/>
+                <a:lumOff val="0"/>
+                <a:alphaOff val="0"/>
+                <a:lumMod val="110000"/>
+                <a:satMod val="105000"/>
+                <a:tint val="67000"/>
+              </a:srgbClr>
+            </a:gs>
+            <a:gs pos="50000">
+              <a:srgbClr val="FFC000">
+                <a:hueOff val="0"/>
+                <a:satOff val="0"/>
+                <a:lumOff val="0"/>
+                <a:alphaOff val="0"/>
+                <a:lumMod val="105000"/>
+                <a:satMod val="103000"/>
+                <a:tint val="73000"/>
+              </a:srgbClr>
+            </a:gs>
+            <a:gs pos="100000">
+              <a:srgbClr val="FFC000">
+                <a:hueOff val="0"/>
+                <a:satOff val="0"/>
+                <a:lumOff val="0"/>
+                <a:alphaOff val="0"/>
+                <a:lumMod val="105000"/>
+                <a:satMod val="109000"/>
+                <a:tint val="81000"/>
+              </a:srgbClr>
+            </a:gs>
+          </a:gsLst>
+          <a:lin ang="5400000" scaled="0"/>
+        </a:gradFill>
+        <a:ln>
+          <a:noFill/>
+        </a:ln>
+        <a:effectLst/>
+        <a:scene3d>
+          <a:camera prst="orthographicFront"/>
+          <a:lightRig rig="flat" dir="t"/>
+        </a:scene3d>
+        <a:sp3d prstMaterial="dkEdge">
+          <a:bevelT w="8200" h="38100"/>
+        </a:sp3d>
+      </dgm:spPr>
+      <dgm:t>
+        <a:bodyPr spcFirstLastPara="0" vert="horz" wrap="square" lIns="11430" tIns="11430" rIns="11430" bIns="11430" numCol="1" spcCol="1270" anchor="ctr" anchorCtr="0"/>
+        <a:lstStyle/>
+        <a:p>
+          <a:r>
+            <a:rPr lang="de-DE" sz="1600" b="1" kern="1200" dirty="0">
+              <a:solidFill>
+                <a:prstClr val="black"/>
+              </a:solidFill>
+              <a:latin typeface="Arial" panose="020B0604020202020204" pitchFamily="34" charset="0"/>
+              <a:ea typeface="+mn-ea"/>
+              <a:cs typeface="Arial" panose="020B0604020202020204" pitchFamily="34" charset="0"/>
+            </a:rPr>
+            <a:t>Subjektivität</a:t>
+          </a:r>
+        </a:p>
+      </dgm:t>
+    </dgm:pt>
+    <dgm:pt modelId="{DF4F13FC-CD21-E149-8283-EDCECCDC8B38}" type="parTrans" cxnId="{2144D5E4-3D2E-7E40-AD74-B8B658F82B61}">
+      <dgm:prSet/>
+      <dgm:spPr/>
+      <dgm:t>
+        <a:bodyPr/>
+        <a:lstStyle/>
+        <a:p>
+          <a:endParaRPr lang="de-DE"/>
+        </a:p>
+      </dgm:t>
+    </dgm:pt>
+    <dgm:pt modelId="{284DB64C-DE15-0844-85DC-5D6981C0966F}" type="sibTrans" cxnId="{2144D5E4-3D2E-7E40-AD74-B8B658F82B61}">
+      <dgm:prSet/>
+      <dgm:spPr/>
+      <dgm:t>
+        <a:bodyPr/>
+        <a:lstStyle/>
+        <a:p>
+          <a:endParaRPr lang="de-DE"/>
+        </a:p>
+      </dgm:t>
+    </dgm:pt>
+    <dgm:pt modelId="{8D165ADE-DC09-9B41-91B6-416A9697699A}">
+      <dgm:prSet custT="1"/>
+      <dgm:spPr>
+        <a:gradFill rotWithShape="0">
+          <a:gsLst>
+            <a:gs pos="0">
+              <a:srgbClr val="70AD47">
+                <a:hueOff val="0"/>
+                <a:satOff val="0"/>
+                <a:lumOff val="0"/>
+                <a:alphaOff val="0"/>
+                <a:lumMod val="110000"/>
+                <a:satMod val="105000"/>
+                <a:tint val="67000"/>
+              </a:srgbClr>
+            </a:gs>
+            <a:gs pos="50000">
+              <a:srgbClr val="70AD47">
+                <a:hueOff val="0"/>
+                <a:satOff val="0"/>
+                <a:lumOff val="0"/>
+                <a:alphaOff val="0"/>
+                <a:lumMod val="105000"/>
+                <a:satMod val="103000"/>
+                <a:tint val="73000"/>
+              </a:srgbClr>
+            </a:gs>
+            <a:gs pos="100000">
+              <a:srgbClr val="70AD47">
+                <a:hueOff val="0"/>
+                <a:satOff val="0"/>
+                <a:lumOff val="0"/>
+                <a:alphaOff val="0"/>
+                <a:lumMod val="105000"/>
+                <a:satMod val="109000"/>
+                <a:tint val="81000"/>
+              </a:srgbClr>
+            </a:gs>
+          </a:gsLst>
+          <a:lin ang="5400000" scaled="0"/>
+        </a:gradFill>
+        <a:ln>
+          <a:noFill/>
+        </a:ln>
+        <a:effectLst/>
+        <a:scene3d>
+          <a:camera prst="orthographicFront"/>
+          <a:lightRig rig="flat" dir="t"/>
+        </a:scene3d>
+        <a:sp3d prstMaterial="dkEdge">
+          <a:bevelT w="8200" h="38100"/>
+        </a:sp3d>
+      </dgm:spPr>
+      <dgm:t>
+        <a:bodyPr spcFirstLastPara="0" vert="horz" wrap="square" lIns="8890" tIns="8890" rIns="8890" bIns="8890" numCol="1" spcCol="1270" anchor="ctr" anchorCtr="0"/>
+        <a:lstStyle/>
+        <a:p>
+          <a:r>
+            <a:rPr lang="de-DE" sz="1600" b="1" kern="1200" dirty="0">
+              <a:solidFill>
+                <a:prstClr val="black"/>
+              </a:solidFill>
+              <a:latin typeface="Arial" panose="020B0604020202020204" pitchFamily="34" charset="0"/>
+              <a:ea typeface="+mn-ea"/>
+              <a:cs typeface="Arial" panose="020B0604020202020204" pitchFamily="34" charset="0"/>
+            </a:rPr>
+            <a:t>Subjekt-verankerung</a:t>
+          </a:r>
+        </a:p>
+      </dgm:t>
+    </dgm:pt>
+    <dgm:pt modelId="{04DF8E93-ACCC-664C-A4E7-D7C2B2D7917E}" type="parTrans" cxnId="{6EA044F2-4F3F-4A49-91E9-864504D81C09}">
+      <dgm:prSet/>
+      <dgm:spPr/>
+      <dgm:t>
+        <a:bodyPr/>
+        <a:lstStyle/>
+        <a:p>
+          <a:endParaRPr lang="de-DE" sz="1600"/>
+        </a:p>
+      </dgm:t>
+    </dgm:pt>
+    <dgm:pt modelId="{043BAD26-2654-CF4A-AF31-9CC222E41E27}" type="sibTrans" cxnId="{6EA044F2-4F3F-4A49-91E9-864504D81C09}">
+      <dgm:prSet/>
+      <dgm:spPr/>
+      <dgm:t>
+        <a:bodyPr/>
+        <a:lstStyle/>
+        <a:p>
+          <a:endParaRPr lang="de-DE"/>
+        </a:p>
+      </dgm:t>
+    </dgm:pt>
+    <dgm:pt modelId="{E88F7A02-2F7B-8042-AA4F-F9CBDD4D03C3}">
+      <dgm:prSet custT="1"/>
+      <dgm:spPr>
+        <a:gradFill rotWithShape="0">
+          <a:gsLst>
+            <a:gs pos="0">
+              <a:srgbClr val="70AD47">
+                <a:hueOff val="0"/>
+                <a:satOff val="0"/>
+                <a:lumOff val="0"/>
+                <a:alphaOff val="0"/>
+                <a:lumMod val="110000"/>
+                <a:satMod val="105000"/>
+                <a:tint val="67000"/>
+              </a:srgbClr>
+            </a:gs>
+            <a:gs pos="50000">
+              <a:srgbClr val="70AD47">
+                <a:hueOff val="0"/>
+                <a:satOff val="0"/>
+                <a:lumOff val="0"/>
+                <a:alphaOff val="0"/>
+                <a:lumMod val="105000"/>
+                <a:satMod val="103000"/>
+                <a:tint val="73000"/>
+              </a:srgbClr>
+            </a:gs>
+            <a:gs pos="100000">
+              <a:srgbClr val="70AD47">
+                <a:hueOff val="0"/>
+                <a:satOff val="0"/>
+                <a:lumOff val="0"/>
+                <a:alphaOff val="0"/>
+                <a:lumMod val="105000"/>
+                <a:satMod val="109000"/>
+                <a:tint val="81000"/>
+              </a:srgbClr>
+            </a:gs>
+          </a:gsLst>
+          <a:lin ang="5400000" scaled="0"/>
+        </a:gradFill>
+        <a:ln>
+          <a:noFill/>
+        </a:ln>
+        <a:effectLst/>
+        <a:scene3d>
+          <a:camera prst="orthographicFront"/>
+          <a:lightRig rig="flat" dir="t"/>
+        </a:scene3d>
+        <a:sp3d prstMaterial="dkEdge">
+          <a:bevelT w="8200" h="38100"/>
+        </a:sp3d>
+      </dgm:spPr>
+      <dgm:t>
+        <a:bodyPr spcFirstLastPara="0" vert="horz" wrap="square" lIns="8890" tIns="8890" rIns="8890" bIns="8890" numCol="1" spcCol="1270" anchor="ctr" anchorCtr="0"/>
+        <a:lstStyle/>
+        <a:p>
+          <a:r>
+            <a:rPr lang="de-DE" sz="1600" b="1" kern="1200" dirty="0">
+              <a:solidFill>
+                <a:prstClr val="black"/>
+              </a:solidFill>
+              <a:latin typeface="Arial" panose="020B0604020202020204" pitchFamily="34" charset="0"/>
+              <a:ea typeface="+mn-ea"/>
+              <a:cs typeface="Arial" panose="020B0604020202020204" pitchFamily="34" charset="0"/>
+            </a:rPr>
+            <a:t>Subjektive/ </a:t>
+          </a:r>
+          <a:br>
+            <a:rPr lang="de-DE" sz="1600" b="1" kern="1200" dirty="0">
+              <a:solidFill>
+                <a:prstClr val="black"/>
+              </a:solidFill>
+              <a:latin typeface="Arial" panose="020B0604020202020204" pitchFamily="34" charset="0"/>
+              <a:ea typeface="+mn-ea"/>
+              <a:cs typeface="Arial" panose="020B0604020202020204" pitchFamily="34" charset="0"/>
+            </a:rPr>
+          </a:br>
+          <a:r>
+            <a:rPr lang="de-DE" sz="1600" b="1" kern="1200" dirty="0">
+              <a:solidFill>
+                <a:prstClr val="black"/>
+              </a:solidFill>
+              <a:latin typeface="Arial" panose="020B0604020202020204" pitchFamily="34" charset="0"/>
+              <a:ea typeface="+mn-ea"/>
+              <a:cs typeface="Arial" panose="020B0604020202020204" pitchFamily="34" charset="0"/>
+            </a:rPr>
+            <a:t>nicht-subjektive Bilder</a:t>
+          </a:r>
+        </a:p>
+      </dgm:t>
+    </dgm:pt>
+    <dgm:pt modelId="{EAB146CC-1BC3-B049-8615-E8B0BC78F8FA}" type="parTrans" cxnId="{6D6AAE35-6F58-5A44-80F7-61FEA6B5D937}">
+      <dgm:prSet/>
+      <dgm:spPr/>
+      <dgm:t>
+        <a:bodyPr/>
+        <a:lstStyle/>
+        <a:p>
+          <a:endParaRPr lang="de-DE" sz="1600"/>
+        </a:p>
+      </dgm:t>
+    </dgm:pt>
+    <dgm:pt modelId="{9742C711-F761-FC4B-B9CF-DB895B305ACE}" type="sibTrans" cxnId="{6D6AAE35-6F58-5A44-80F7-61FEA6B5D937}">
+      <dgm:prSet/>
+      <dgm:spPr/>
+      <dgm:t>
+        <a:bodyPr/>
+        <a:lstStyle/>
+        <a:p>
+          <a:endParaRPr lang="de-DE"/>
         </a:p>
       </dgm:t>
     </dgm:pt>
@@ -2377,7 +2682,7 @@
       <dgm:spPr/>
     </dgm:pt>
     <dgm:pt modelId="{7236530C-031F-A646-B765-238BFD85EAD9}" type="pres">
-      <dgm:prSet presAssocID="{E242A800-866C-7848-BF11-0BEB485C9930}" presName="rootText1" presStyleLbl="node0" presStyleIdx="0" presStyleCnt="1" custScaleX="221282">
+      <dgm:prSet presAssocID="{E242A800-866C-7848-BF11-0BEB485C9930}" presName="rootText1" presStyleLbl="node0" presStyleIdx="0" presStyleCnt="2" custScaleX="225454" custScaleY="152678" custLinFactX="-85948" custLinFactNeighborX="-100000">
         <dgm:presLayoutVars>
           <dgm:chPref val="3"/>
         </dgm:presLayoutVars>
@@ -2392,260 +2697,8 @@
       <dgm:prSet presAssocID="{E242A800-866C-7848-BF11-0BEB485C9930}" presName="hierChild2" presStyleCnt="0"/>
       <dgm:spPr/>
     </dgm:pt>
-    <dgm:pt modelId="{883F1820-B7A9-8F4F-94CA-DBB8F4B79172}" type="pres">
-      <dgm:prSet presAssocID="{CE131144-CC07-7A4F-B295-A61CF5D5A161}" presName="Name37" presStyleLbl="parChTrans1D2" presStyleIdx="0" presStyleCnt="2"/>
-      <dgm:spPr/>
-    </dgm:pt>
-    <dgm:pt modelId="{0A630CD4-F36E-FC41-B8F9-3B263F71C01A}" type="pres">
-      <dgm:prSet presAssocID="{097ABB0C-32DF-334E-B15E-D6B51ED1FA3F}" presName="hierRoot2" presStyleCnt="0">
-        <dgm:presLayoutVars>
-          <dgm:hierBranch val="init"/>
-        </dgm:presLayoutVars>
-      </dgm:prSet>
-      <dgm:spPr/>
-    </dgm:pt>
-    <dgm:pt modelId="{DCD21D18-50EE-2541-92A4-02EF0C9D5157}" type="pres">
-      <dgm:prSet presAssocID="{097ABB0C-32DF-334E-B15E-D6B51ED1FA3F}" presName="rootComposite" presStyleCnt="0"/>
-      <dgm:spPr/>
-    </dgm:pt>
-    <dgm:pt modelId="{C63C7FD8-4C0C-9847-ACFF-47F5FFC243E0}" type="pres">
-      <dgm:prSet presAssocID="{097ABB0C-32DF-334E-B15E-D6B51ED1FA3F}" presName="rootText" presStyleLbl="node2" presStyleIdx="0" presStyleCnt="2" custScaleX="150679" custScaleY="136033">
-        <dgm:presLayoutVars>
-          <dgm:chPref val="3"/>
-        </dgm:presLayoutVars>
-      </dgm:prSet>
-      <dgm:spPr/>
-    </dgm:pt>
-    <dgm:pt modelId="{05DA74A9-7A3F-A14B-BC51-B3BAE1CD534A}" type="pres">
-      <dgm:prSet presAssocID="{097ABB0C-32DF-334E-B15E-D6B51ED1FA3F}" presName="rootConnector" presStyleLbl="node2" presStyleIdx="0" presStyleCnt="2"/>
-      <dgm:spPr/>
-    </dgm:pt>
-    <dgm:pt modelId="{53663856-EE64-BB40-B942-2E04BA86C2B0}" type="pres">
-      <dgm:prSet presAssocID="{097ABB0C-32DF-334E-B15E-D6B51ED1FA3F}" presName="hierChild4" presStyleCnt="0"/>
-      <dgm:spPr/>
-    </dgm:pt>
-    <dgm:pt modelId="{F9C6C315-1F37-7046-ACC1-3DD470954181}" type="pres">
-      <dgm:prSet presAssocID="{F2845FC0-59E3-3843-96F2-30DF51A3384C}" presName="Name37" presStyleLbl="parChTrans1D3" presStyleIdx="0" presStyleCnt="11"/>
-      <dgm:spPr/>
-    </dgm:pt>
-    <dgm:pt modelId="{0F62957D-46FE-AE41-BA2D-2C1993EDF539}" type="pres">
-      <dgm:prSet presAssocID="{771210E1-9D81-0840-9A29-AE940CD1EBEA}" presName="hierRoot2" presStyleCnt="0">
-        <dgm:presLayoutVars>
-          <dgm:hierBranch val="init"/>
-        </dgm:presLayoutVars>
-      </dgm:prSet>
-      <dgm:spPr/>
-    </dgm:pt>
-    <dgm:pt modelId="{1DB2E54E-E135-E845-A27B-55DDDB15E8ED}" type="pres">
-      <dgm:prSet presAssocID="{771210E1-9D81-0840-9A29-AE940CD1EBEA}" presName="rootComposite" presStyleCnt="0"/>
-      <dgm:spPr/>
-    </dgm:pt>
-    <dgm:pt modelId="{37D27F89-E199-EF44-BC0F-394F022C3C2B}" type="pres">
-      <dgm:prSet presAssocID="{771210E1-9D81-0840-9A29-AE940CD1EBEA}" presName="rootText" presStyleLbl="node3" presStyleIdx="0" presStyleCnt="11" custScaleX="124000">
-        <dgm:presLayoutVars>
-          <dgm:chPref val="3"/>
-        </dgm:presLayoutVars>
-      </dgm:prSet>
-      <dgm:spPr/>
-    </dgm:pt>
-    <dgm:pt modelId="{20D606F3-C323-104F-ACF0-C665430DE0D6}" type="pres">
-      <dgm:prSet presAssocID="{771210E1-9D81-0840-9A29-AE940CD1EBEA}" presName="rootConnector" presStyleLbl="node3" presStyleIdx="0" presStyleCnt="11"/>
-      <dgm:spPr/>
-    </dgm:pt>
-    <dgm:pt modelId="{EE513D31-218E-3249-A30C-7C2B67B3FD3D}" type="pres">
-      <dgm:prSet presAssocID="{771210E1-9D81-0840-9A29-AE940CD1EBEA}" presName="hierChild4" presStyleCnt="0"/>
-      <dgm:spPr/>
-    </dgm:pt>
-    <dgm:pt modelId="{519525A0-9EB3-F24F-BF71-B5C2763AAAEF}" type="pres">
-      <dgm:prSet presAssocID="{771210E1-9D81-0840-9A29-AE940CD1EBEA}" presName="hierChild5" presStyleCnt="0"/>
-      <dgm:spPr/>
-    </dgm:pt>
-    <dgm:pt modelId="{0F5B204C-C44F-4642-965A-6EFC712B54D9}" type="pres">
-      <dgm:prSet presAssocID="{7227067A-BA46-F849-8716-3EB41346DB55}" presName="Name37" presStyleLbl="parChTrans1D3" presStyleIdx="1" presStyleCnt="11"/>
-      <dgm:spPr/>
-    </dgm:pt>
-    <dgm:pt modelId="{3D9F6A61-DE66-644B-97E9-D0344A4E783D}" type="pres">
-      <dgm:prSet presAssocID="{5B9ECFE9-8F3A-F14B-87F1-1AA316330BC6}" presName="hierRoot2" presStyleCnt="0">
-        <dgm:presLayoutVars>
-          <dgm:hierBranch val="init"/>
-        </dgm:presLayoutVars>
-      </dgm:prSet>
-      <dgm:spPr/>
-    </dgm:pt>
-    <dgm:pt modelId="{CFB0FBF5-5141-414E-9DA0-BA5EB661B851}" type="pres">
-      <dgm:prSet presAssocID="{5B9ECFE9-8F3A-F14B-87F1-1AA316330BC6}" presName="rootComposite" presStyleCnt="0"/>
-      <dgm:spPr/>
-    </dgm:pt>
-    <dgm:pt modelId="{EB464B47-F91C-CA45-937C-E0D8FAC578A6}" type="pres">
-      <dgm:prSet presAssocID="{5B9ECFE9-8F3A-F14B-87F1-1AA316330BC6}" presName="rootText" presStyleLbl="node3" presStyleIdx="1" presStyleCnt="11" custScaleX="124000">
-        <dgm:presLayoutVars>
-          <dgm:chPref val="3"/>
-        </dgm:presLayoutVars>
-      </dgm:prSet>
-      <dgm:spPr/>
-    </dgm:pt>
-    <dgm:pt modelId="{78BD7D2D-8C67-474F-AE9A-6DDB957D4A9D}" type="pres">
-      <dgm:prSet presAssocID="{5B9ECFE9-8F3A-F14B-87F1-1AA316330BC6}" presName="rootConnector" presStyleLbl="node3" presStyleIdx="1" presStyleCnt="11"/>
-      <dgm:spPr/>
-    </dgm:pt>
-    <dgm:pt modelId="{5EB3550B-47B2-5A44-9060-8F2582D25B50}" type="pres">
-      <dgm:prSet presAssocID="{5B9ECFE9-8F3A-F14B-87F1-1AA316330BC6}" presName="hierChild4" presStyleCnt="0"/>
-      <dgm:spPr/>
-    </dgm:pt>
-    <dgm:pt modelId="{8E05153C-EC66-E345-A05B-7D4735DDC0C7}" type="pres">
-      <dgm:prSet presAssocID="{5B9ECFE9-8F3A-F14B-87F1-1AA316330BC6}" presName="hierChild5" presStyleCnt="0"/>
-      <dgm:spPr/>
-    </dgm:pt>
-    <dgm:pt modelId="{A2782A32-7328-5346-B835-8B6879245F49}" type="pres">
-      <dgm:prSet presAssocID="{2E1AD2A4-F72E-1E46-ACFF-C1F76514AC0F}" presName="Name37" presStyleLbl="parChTrans1D3" presStyleIdx="2" presStyleCnt="11"/>
-      <dgm:spPr/>
-    </dgm:pt>
-    <dgm:pt modelId="{D3BF9476-9BCB-D244-BCB1-0471CA2B690A}" type="pres">
-      <dgm:prSet presAssocID="{1419F0E6-6B7A-1548-BFD0-F3F411828659}" presName="hierRoot2" presStyleCnt="0">
-        <dgm:presLayoutVars>
-          <dgm:hierBranch val="init"/>
-        </dgm:presLayoutVars>
-      </dgm:prSet>
-      <dgm:spPr/>
-    </dgm:pt>
-    <dgm:pt modelId="{2E8E8C4A-AE5A-A14E-8ADB-30CA0DCE4AB3}" type="pres">
-      <dgm:prSet presAssocID="{1419F0E6-6B7A-1548-BFD0-F3F411828659}" presName="rootComposite" presStyleCnt="0"/>
-      <dgm:spPr/>
-    </dgm:pt>
-    <dgm:pt modelId="{D4FCB0AE-9F1D-E248-AC58-FAA8077D7A4B}" type="pres">
-      <dgm:prSet presAssocID="{1419F0E6-6B7A-1548-BFD0-F3F411828659}" presName="rootText" presStyleLbl="node3" presStyleIdx="2" presStyleCnt="11" custScaleX="124000">
-        <dgm:presLayoutVars>
-          <dgm:chPref val="3"/>
-        </dgm:presLayoutVars>
-      </dgm:prSet>
-      <dgm:spPr/>
-    </dgm:pt>
-    <dgm:pt modelId="{935E4407-12D8-4F47-9C32-F34F51494898}" type="pres">
-      <dgm:prSet presAssocID="{1419F0E6-6B7A-1548-BFD0-F3F411828659}" presName="rootConnector" presStyleLbl="node3" presStyleIdx="2" presStyleCnt="11"/>
-      <dgm:spPr/>
-    </dgm:pt>
-    <dgm:pt modelId="{4E801BE9-CBD3-5049-9CAF-AF6167105155}" type="pres">
-      <dgm:prSet presAssocID="{1419F0E6-6B7A-1548-BFD0-F3F411828659}" presName="hierChild4" presStyleCnt="0"/>
-      <dgm:spPr/>
-    </dgm:pt>
-    <dgm:pt modelId="{48B3E264-195F-A546-B6CD-0DE6BB2479FF}" type="pres">
-      <dgm:prSet presAssocID="{1419F0E6-6B7A-1548-BFD0-F3F411828659}" presName="hierChild5" presStyleCnt="0"/>
-      <dgm:spPr/>
-    </dgm:pt>
-    <dgm:pt modelId="{C1B6EDB7-D720-2644-8C07-4147BC4ACD93}" type="pres">
-      <dgm:prSet presAssocID="{BAEFEA85-2301-374B-B1D2-0864AB7879E0}" presName="Name37" presStyleLbl="parChTrans1D3" presStyleIdx="3" presStyleCnt="11"/>
-      <dgm:spPr/>
-    </dgm:pt>
-    <dgm:pt modelId="{C2A39503-DB05-2542-AFA3-37780D496010}" type="pres">
-      <dgm:prSet presAssocID="{CEEC244E-700C-5649-9C60-429F80937442}" presName="hierRoot2" presStyleCnt="0">
-        <dgm:presLayoutVars>
-          <dgm:hierBranch val="init"/>
-        </dgm:presLayoutVars>
-      </dgm:prSet>
-      <dgm:spPr/>
-    </dgm:pt>
-    <dgm:pt modelId="{5982FD71-E182-7748-8224-46821B0F3617}" type="pres">
-      <dgm:prSet presAssocID="{CEEC244E-700C-5649-9C60-429F80937442}" presName="rootComposite" presStyleCnt="0"/>
-      <dgm:spPr/>
-    </dgm:pt>
-    <dgm:pt modelId="{28100B96-B724-C145-B80B-822CE678A450}" type="pres">
-      <dgm:prSet presAssocID="{CEEC244E-700C-5649-9C60-429F80937442}" presName="rootText" presStyleLbl="node3" presStyleIdx="3" presStyleCnt="11" custScaleX="124000">
-        <dgm:presLayoutVars>
-          <dgm:chPref val="3"/>
-        </dgm:presLayoutVars>
-      </dgm:prSet>
-      <dgm:spPr/>
-    </dgm:pt>
-    <dgm:pt modelId="{0F2C3DB6-43FE-FA48-81AD-1E4BB7F75D4D}" type="pres">
-      <dgm:prSet presAssocID="{CEEC244E-700C-5649-9C60-429F80937442}" presName="rootConnector" presStyleLbl="node3" presStyleIdx="3" presStyleCnt="11"/>
-      <dgm:spPr/>
-    </dgm:pt>
-    <dgm:pt modelId="{162E0791-ECBB-6443-A1BD-D22FA4A7CB32}" type="pres">
-      <dgm:prSet presAssocID="{CEEC244E-700C-5649-9C60-429F80937442}" presName="hierChild4" presStyleCnt="0"/>
-      <dgm:spPr/>
-    </dgm:pt>
-    <dgm:pt modelId="{E51CA5F8-A1C1-E246-87C8-2BABE9F17298}" type="pres">
-      <dgm:prSet presAssocID="{CEEC244E-700C-5649-9C60-429F80937442}" presName="hierChild5" presStyleCnt="0"/>
-      <dgm:spPr/>
-    </dgm:pt>
-    <dgm:pt modelId="{255E142F-DF3A-DC4D-AC0F-1A71756C224F}" type="pres">
-      <dgm:prSet presAssocID="{1BE3F9E8-E65F-5848-8BEA-65829DFEA9DC}" presName="Name37" presStyleLbl="parChTrans1D3" presStyleIdx="4" presStyleCnt="11"/>
-      <dgm:spPr/>
-    </dgm:pt>
-    <dgm:pt modelId="{A5DA0CE0-DDF7-844C-A30C-08A77AC9909F}" type="pres">
-      <dgm:prSet presAssocID="{A7AFC4DF-172E-F34A-866F-A9388C504ABB}" presName="hierRoot2" presStyleCnt="0">
-        <dgm:presLayoutVars>
-          <dgm:hierBranch val="init"/>
-        </dgm:presLayoutVars>
-      </dgm:prSet>
-      <dgm:spPr/>
-    </dgm:pt>
-    <dgm:pt modelId="{B8B24F90-C3BD-9F41-8E2B-54020B2F7A14}" type="pres">
-      <dgm:prSet presAssocID="{A7AFC4DF-172E-F34A-866F-A9388C504ABB}" presName="rootComposite" presStyleCnt="0"/>
-      <dgm:spPr/>
-    </dgm:pt>
-    <dgm:pt modelId="{AF83F2F5-89E5-1D4B-9406-F5FD04735725}" type="pres">
-      <dgm:prSet presAssocID="{A7AFC4DF-172E-F34A-866F-A9388C504ABB}" presName="rootText" presStyleLbl="node3" presStyleIdx="4" presStyleCnt="11" custScaleX="124000">
-        <dgm:presLayoutVars>
-          <dgm:chPref val="3"/>
-        </dgm:presLayoutVars>
-      </dgm:prSet>
-      <dgm:spPr/>
-    </dgm:pt>
-    <dgm:pt modelId="{B6F9B4F7-DF85-F74E-A425-78EAED82C7EC}" type="pres">
-      <dgm:prSet presAssocID="{A7AFC4DF-172E-F34A-866F-A9388C504ABB}" presName="rootConnector" presStyleLbl="node3" presStyleIdx="4" presStyleCnt="11"/>
-      <dgm:spPr/>
-    </dgm:pt>
-    <dgm:pt modelId="{91C573FB-7E0C-424D-95E1-DD8F09FFA875}" type="pres">
-      <dgm:prSet presAssocID="{A7AFC4DF-172E-F34A-866F-A9388C504ABB}" presName="hierChild4" presStyleCnt="0"/>
-      <dgm:spPr/>
-    </dgm:pt>
-    <dgm:pt modelId="{51FA7689-D2A2-B148-A374-786787F4231F}" type="pres">
-      <dgm:prSet presAssocID="{A7AFC4DF-172E-F34A-866F-A9388C504ABB}" presName="hierChild5" presStyleCnt="0"/>
-      <dgm:spPr/>
-    </dgm:pt>
-    <dgm:pt modelId="{20A5F349-07CE-554C-BFD9-47C8E7B205AB}" type="pres">
-      <dgm:prSet presAssocID="{468F3D91-48A7-AB4C-A2DD-CF3B2DD77F94}" presName="Name37" presStyleLbl="parChTrans1D3" presStyleIdx="5" presStyleCnt="11"/>
-      <dgm:spPr/>
-    </dgm:pt>
-    <dgm:pt modelId="{79DF9188-E8D6-9845-80C0-67E5DDBC4A47}" type="pres">
-      <dgm:prSet presAssocID="{A35FBE03-3123-FB48-B698-C44BC77ADB80}" presName="hierRoot2" presStyleCnt="0">
-        <dgm:presLayoutVars>
-          <dgm:hierBranch val="init"/>
-        </dgm:presLayoutVars>
-      </dgm:prSet>
-      <dgm:spPr/>
-    </dgm:pt>
-    <dgm:pt modelId="{518C7F71-0A40-C443-B9C7-C3DB382A41B6}" type="pres">
-      <dgm:prSet presAssocID="{A35FBE03-3123-FB48-B698-C44BC77ADB80}" presName="rootComposite" presStyleCnt="0"/>
-      <dgm:spPr/>
-    </dgm:pt>
-    <dgm:pt modelId="{2B158AD7-86CB-C24B-9DC2-2EC862AC1434}" type="pres">
-      <dgm:prSet presAssocID="{A35FBE03-3123-FB48-B698-C44BC77ADB80}" presName="rootText" presStyleLbl="node3" presStyleIdx="5" presStyleCnt="11" custScaleX="124000">
-        <dgm:presLayoutVars>
-          <dgm:chPref val="3"/>
-        </dgm:presLayoutVars>
-      </dgm:prSet>
-      <dgm:spPr/>
-    </dgm:pt>
-    <dgm:pt modelId="{220C9580-6E52-C342-90CC-1109425B4436}" type="pres">
-      <dgm:prSet presAssocID="{A35FBE03-3123-FB48-B698-C44BC77ADB80}" presName="rootConnector" presStyleLbl="node3" presStyleIdx="5" presStyleCnt="11"/>
-      <dgm:spPr/>
-    </dgm:pt>
-    <dgm:pt modelId="{B41C52D3-B443-234A-9140-67A5FB0CFC19}" type="pres">
-      <dgm:prSet presAssocID="{A35FBE03-3123-FB48-B698-C44BC77ADB80}" presName="hierChild4" presStyleCnt="0"/>
-      <dgm:spPr/>
-    </dgm:pt>
-    <dgm:pt modelId="{5CEB384A-6D8D-0D42-9000-B3BE72EBD446}" type="pres">
-      <dgm:prSet presAssocID="{A35FBE03-3123-FB48-B698-C44BC77ADB80}" presName="hierChild5" presStyleCnt="0"/>
-      <dgm:spPr/>
-    </dgm:pt>
-    <dgm:pt modelId="{E21FBAF6-DEA4-6546-B633-07F1F0BAFB90}" type="pres">
-      <dgm:prSet presAssocID="{097ABB0C-32DF-334E-B15E-D6B51ED1FA3F}" presName="hierChild5" presStyleCnt="0"/>
-      <dgm:spPr/>
-    </dgm:pt>
     <dgm:pt modelId="{DF37C078-244C-B24F-BD95-00F1A0CE5188}" type="pres">
-      <dgm:prSet presAssocID="{441ACF21-1EBC-8045-B1BD-38B10A95D28A}" presName="Name37" presStyleLbl="parChTrans1D2" presStyleIdx="1" presStyleCnt="2"/>
+      <dgm:prSet presAssocID="{441ACF21-1EBC-8045-B1BD-38B10A95D28A}" presName="Name37" presStyleLbl="parChTrans1D2" presStyleIdx="0" presStyleCnt="4"/>
       <dgm:spPr/>
     </dgm:pt>
     <dgm:pt modelId="{64360E83-9D49-9840-B326-0579FD913ED9}" type="pres">
@@ -2661,7 +2714,7 @@
       <dgm:spPr/>
     </dgm:pt>
     <dgm:pt modelId="{16FAA5BA-5629-0747-816D-E9060D4B0A47}" type="pres">
-      <dgm:prSet presAssocID="{175CB2EF-271B-3041-A3D2-5D150D2A22DB}" presName="rootText" presStyleLbl="node2" presStyleIdx="1" presStyleCnt="2" custScaleX="150679" custScaleY="141285">
+      <dgm:prSet presAssocID="{175CB2EF-271B-3041-A3D2-5D150D2A22DB}" presName="rootText" presStyleLbl="node2" presStyleIdx="0" presStyleCnt="4" custScaleX="150303" custScaleY="150303" custLinFactX="-100000" custLinFactNeighborX="-188540">
         <dgm:presLayoutVars>
           <dgm:chPref val="3"/>
         </dgm:presLayoutVars>
@@ -2677,7 +2730,7 @@
       </dgm:spPr>
     </dgm:pt>
     <dgm:pt modelId="{5A1DE1B5-FC5E-2E48-A111-55C1557AB385}" type="pres">
-      <dgm:prSet presAssocID="{175CB2EF-271B-3041-A3D2-5D150D2A22DB}" presName="rootConnector" presStyleLbl="node2" presStyleIdx="1" presStyleCnt="2"/>
+      <dgm:prSet presAssocID="{175CB2EF-271B-3041-A3D2-5D150D2A22DB}" presName="rootConnector" presStyleLbl="node2" presStyleIdx="0" presStyleCnt="4"/>
       <dgm:spPr/>
     </dgm:pt>
     <dgm:pt modelId="{6BB4E5C3-BDFC-B54C-8D4B-8DB2EB312BD1}" type="pres">
@@ -2685,7 +2738,7 @@
       <dgm:spPr/>
     </dgm:pt>
     <dgm:pt modelId="{1AA1AABD-A9FB-034F-9C59-6119DEC8A22D}" type="pres">
-      <dgm:prSet presAssocID="{AD4261C5-6D22-974D-B3A0-F658E5E5DFF1}" presName="Name37" presStyleLbl="parChTrans1D3" presStyleIdx="6" presStyleCnt="11"/>
+      <dgm:prSet presAssocID="{AD4261C5-6D22-974D-B3A0-F658E5E5DFF1}" presName="Name37" presStyleLbl="parChTrans1D3" presStyleIdx="0" presStyleCnt="11"/>
       <dgm:spPr/>
     </dgm:pt>
     <dgm:pt modelId="{B82939D7-5142-5842-B117-C1EA04DF530B}" type="pres">
@@ -2701,7 +2754,7 @@
       <dgm:spPr/>
     </dgm:pt>
     <dgm:pt modelId="{0EA78171-C799-AB4B-AFEC-14A9AFE5ACA9}" type="pres">
-      <dgm:prSet presAssocID="{53F1A8D2-469E-6340-9FA7-C441F64B5D85}" presName="rootText" presStyleLbl="node3" presStyleIdx="6" presStyleCnt="11" custScaleX="124000">
+      <dgm:prSet presAssocID="{53F1A8D2-469E-6340-9FA7-C441F64B5D85}" presName="rootText" presStyleLbl="node3" presStyleIdx="0" presStyleCnt="11" custScaleX="124000" custLinFactX="-100000" custLinFactNeighborX="-148465">
         <dgm:presLayoutVars>
           <dgm:chPref val="3"/>
         </dgm:presLayoutVars>
@@ -2709,7 +2762,7 @@
       <dgm:spPr/>
     </dgm:pt>
     <dgm:pt modelId="{221D7F76-5481-BA46-B8AF-B5FCBEFFFF3A}" type="pres">
-      <dgm:prSet presAssocID="{53F1A8D2-469E-6340-9FA7-C441F64B5D85}" presName="rootConnector" presStyleLbl="node3" presStyleIdx="6" presStyleCnt="11"/>
+      <dgm:prSet presAssocID="{53F1A8D2-469E-6340-9FA7-C441F64B5D85}" presName="rootConnector" presStyleLbl="node3" presStyleIdx="0" presStyleCnt="11"/>
       <dgm:spPr/>
     </dgm:pt>
     <dgm:pt modelId="{0893D5BC-886E-AF41-8B27-C1459803F735}" type="pres">
@@ -2721,7 +2774,7 @@
       <dgm:spPr/>
     </dgm:pt>
     <dgm:pt modelId="{28F0CEC8-D286-914E-B9FF-C3AECAAEFBA5}" type="pres">
-      <dgm:prSet presAssocID="{6DB99A58-B60A-BB46-904F-DEC4166A40A8}" presName="Name37" presStyleLbl="parChTrans1D3" presStyleIdx="7" presStyleCnt="11"/>
+      <dgm:prSet presAssocID="{6DB99A58-B60A-BB46-904F-DEC4166A40A8}" presName="Name37" presStyleLbl="parChTrans1D3" presStyleIdx="1" presStyleCnt="11"/>
       <dgm:spPr/>
     </dgm:pt>
     <dgm:pt modelId="{1EEF6B47-6DFF-9944-9599-52EA0D61A918}" type="pres">
@@ -2737,7 +2790,7 @@
       <dgm:spPr/>
     </dgm:pt>
     <dgm:pt modelId="{183398DA-EF91-6849-9B4F-8C318453C08E}" type="pres">
-      <dgm:prSet presAssocID="{8817CFF6-42FB-3940-9932-5D1377ED2958}" presName="rootText" presStyleLbl="node3" presStyleIdx="7" presStyleCnt="11" custScaleX="124000">
+      <dgm:prSet presAssocID="{8817CFF6-42FB-3940-9932-5D1377ED2958}" presName="rootText" presStyleLbl="node3" presStyleIdx="1" presStyleCnt="11" custScaleX="124000" custLinFactX="-100000" custLinFactNeighborX="-148465">
         <dgm:presLayoutVars>
           <dgm:chPref val="3"/>
         </dgm:presLayoutVars>
@@ -2745,7 +2798,7 @@
       <dgm:spPr/>
     </dgm:pt>
     <dgm:pt modelId="{7C3BD3DF-A67C-3E4B-B33B-1130AD86EF2A}" type="pres">
-      <dgm:prSet presAssocID="{8817CFF6-42FB-3940-9932-5D1377ED2958}" presName="rootConnector" presStyleLbl="node3" presStyleIdx="7" presStyleCnt="11"/>
+      <dgm:prSet presAssocID="{8817CFF6-42FB-3940-9932-5D1377ED2958}" presName="rootConnector" presStyleLbl="node3" presStyleIdx="1" presStyleCnt="11"/>
       <dgm:spPr/>
     </dgm:pt>
     <dgm:pt modelId="{5CEAE03D-93E5-C34F-935F-A2183CA3C6DB}" type="pres">
@@ -2757,7 +2810,7 @@
       <dgm:spPr/>
     </dgm:pt>
     <dgm:pt modelId="{A7F73046-636D-5A44-81D2-9BD464EEAF9A}" type="pres">
-      <dgm:prSet presAssocID="{113F9AAA-E21E-7F42-80B4-3451FFB7AEAE}" presName="Name37" presStyleLbl="parChTrans1D3" presStyleIdx="8" presStyleCnt="11"/>
+      <dgm:prSet presAssocID="{113F9AAA-E21E-7F42-80B4-3451FFB7AEAE}" presName="Name37" presStyleLbl="parChTrans1D3" presStyleIdx="2" presStyleCnt="11"/>
       <dgm:spPr/>
     </dgm:pt>
     <dgm:pt modelId="{F9BE95F7-BC17-5848-860C-B47459A23633}" type="pres">
@@ -2773,7 +2826,7 @@
       <dgm:spPr/>
     </dgm:pt>
     <dgm:pt modelId="{AE262B21-9D41-3245-AA83-3F088C761499}" type="pres">
-      <dgm:prSet presAssocID="{1EB02F3E-C189-1645-9902-04E4E3207BCB}" presName="rootText" presStyleLbl="node3" presStyleIdx="8" presStyleCnt="11" custScaleX="124000">
+      <dgm:prSet presAssocID="{1EB02F3E-C189-1645-9902-04E4E3207BCB}" presName="rootText" presStyleLbl="node3" presStyleIdx="2" presStyleCnt="11" custScaleX="124000" custLinFactX="-100000" custLinFactNeighborX="-148465">
         <dgm:presLayoutVars>
           <dgm:chPref val="3"/>
         </dgm:presLayoutVars>
@@ -2781,7 +2834,7 @@
       <dgm:spPr/>
     </dgm:pt>
     <dgm:pt modelId="{DEFC4483-6635-D04D-AB8C-3DFE2495ACD1}" type="pres">
-      <dgm:prSet presAssocID="{1EB02F3E-C189-1645-9902-04E4E3207BCB}" presName="rootConnector" presStyleLbl="node3" presStyleIdx="8" presStyleCnt="11"/>
+      <dgm:prSet presAssocID="{1EB02F3E-C189-1645-9902-04E4E3207BCB}" presName="rootConnector" presStyleLbl="node3" presStyleIdx="2" presStyleCnt="11"/>
       <dgm:spPr/>
     </dgm:pt>
     <dgm:pt modelId="{04C609B6-7123-C740-B88B-89C6AF7C5761}" type="pres">
@@ -2793,7 +2846,7 @@
       <dgm:spPr/>
     </dgm:pt>
     <dgm:pt modelId="{CD911A48-64B1-9A45-A0C5-F8E8E8EE1FD7}" type="pres">
-      <dgm:prSet presAssocID="{19BC369B-40EA-244A-AD4F-1CF5C541286F}" presName="Name37" presStyleLbl="parChTrans1D3" presStyleIdx="9" presStyleCnt="11"/>
+      <dgm:prSet presAssocID="{19BC369B-40EA-244A-AD4F-1CF5C541286F}" presName="Name37" presStyleLbl="parChTrans1D3" presStyleIdx="3" presStyleCnt="11"/>
       <dgm:spPr/>
     </dgm:pt>
     <dgm:pt modelId="{DE0CB7E1-8E20-6E4C-8DB3-F55C13CF93C8}" type="pres">
@@ -2809,7 +2862,7 @@
       <dgm:spPr/>
     </dgm:pt>
     <dgm:pt modelId="{65044682-1F28-6F4C-9A56-685F852E4608}" type="pres">
-      <dgm:prSet presAssocID="{CDE86310-471F-534D-B762-AA6C794F36F9}" presName="rootText" presStyleLbl="node3" presStyleIdx="9" presStyleCnt="11" custScaleX="124000">
+      <dgm:prSet presAssocID="{CDE86310-471F-534D-B762-AA6C794F36F9}" presName="rootText" presStyleLbl="node3" presStyleIdx="3" presStyleCnt="11" custScaleX="124000" custLinFactX="-100000" custLinFactNeighborX="-148465">
         <dgm:presLayoutVars>
           <dgm:chPref val="3"/>
         </dgm:presLayoutVars>
@@ -2817,7 +2870,7 @@
       <dgm:spPr/>
     </dgm:pt>
     <dgm:pt modelId="{2D828B84-D27B-8A43-9142-CAE6492BE92F}" type="pres">
-      <dgm:prSet presAssocID="{CDE86310-471F-534D-B762-AA6C794F36F9}" presName="rootConnector" presStyleLbl="node3" presStyleIdx="9" presStyleCnt="11"/>
+      <dgm:prSet presAssocID="{CDE86310-471F-534D-B762-AA6C794F36F9}" presName="rootConnector" presStyleLbl="node3" presStyleIdx="3" presStyleCnt="11"/>
       <dgm:spPr/>
     </dgm:pt>
     <dgm:pt modelId="{C6D3EA2B-383F-144E-98A6-2D2E99423B59}" type="pres">
@@ -2829,7 +2882,7 @@
       <dgm:spPr/>
     </dgm:pt>
     <dgm:pt modelId="{052E6EEA-9F62-7D48-8938-56B22931578F}" type="pres">
-      <dgm:prSet presAssocID="{1F554856-447B-494D-BC86-74B871819517}" presName="Name37" presStyleLbl="parChTrans1D3" presStyleIdx="10" presStyleCnt="11"/>
+      <dgm:prSet presAssocID="{1F554856-447B-494D-BC86-74B871819517}" presName="Name37" presStyleLbl="parChTrans1D3" presStyleIdx="4" presStyleCnt="11"/>
       <dgm:spPr/>
     </dgm:pt>
     <dgm:pt modelId="{F18E0D75-95BC-9649-B186-F2BB966A4496}" type="pres">
@@ -2845,7 +2898,7 @@
       <dgm:spPr/>
     </dgm:pt>
     <dgm:pt modelId="{0995C08A-5D82-954A-A733-41DB3EDB32FC}" type="pres">
-      <dgm:prSet presAssocID="{620C09DF-4A03-7C40-B6F2-C02A927F5EEF}" presName="rootText" presStyleLbl="node3" presStyleIdx="10" presStyleCnt="11" custScaleX="124000">
+      <dgm:prSet presAssocID="{620C09DF-4A03-7C40-B6F2-C02A927F5EEF}" presName="rootText" presStyleLbl="node3" presStyleIdx="4" presStyleCnt="11" custScaleX="124000" custLinFactX="-100000" custLinFactNeighborX="-148465">
         <dgm:presLayoutVars>
           <dgm:chPref val="3"/>
         </dgm:presLayoutVars>
@@ -2853,7 +2906,7 @@
       <dgm:spPr/>
     </dgm:pt>
     <dgm:pt modelId="{84F6E821-DB2B-6E42-A6A1-AC5CA4FF1656}" type="pres">
-      <dgm:prSet presAssocID="{620C09DF-4A03-7C40-B6F2-C02A927F5EEF}" presName="rootConnector" presStyleLbl="node3" presStyleIdx="10" presStyleCnt="11"/>
+      <dgm:prSet presAssocID="{620C09DF-4A03-7C40-B6F2-C02A927F5EEF}" presName="rootConnector" presStyleLbl="node3" presStyleIdx="4" presStyleCnt="11"/>
       <dgm:spPr/>
     </dgm:pt>
     <dgm:pt modelId="{7F8C0503-011B-A64B-8506-35E34C2949ED}" type="pres">
@@ -2868,165 +2921,576 @@
       <dgm:prSet presAssocID="{175CB2EF-271B-3041-A3D2-5D150D2A22DB}" presName="hierChild5" presStyleCnt="0"/>
       <dgm:spPr/>
     </dgm:pt>
+    <dgm:pt modelId="{883F1820-B7A9-8F4F-94CA-DBB8F4B79172}" type="pres">
+      <dgm:prSet presAssocID="{CE131144-CC07-7A4F-B295-A61CF5D5A161}" presName="Name37" presStyleLbl="parChTrans1D2" presStyleIdx="1" presStyleCnt="4"/>
+      <dgm:spPr/>
+    </dgm:pt>
+    <dgm:pt modelId="{0A630CD4-F36E-FC41-B8F9-3B263F71C01A}" type="pres">
+      <dgm:prSet presAssocID="{097ABB0C-32DF-334E-B15E-D6B51ED1FA3F}" presName="hierRoot2" presStyleCnt="0">
+        <dgm:presLayoutVars>
+          <dgm:hierBranch val="init"/>
+        </dgm:presLayoutVars>
+      </dgm:prSet>
+      <dgm:spPr/>
+    </dgm:pt>
+    <dgm:pt modelId="{DCD21D18-50EE-2541-92A4-02EF0C9D5157}" type="pres">
+      <dgm:prSet presAssocID="{097ABB0C-32DF-334E-B15E-D6B51ED1FA3F}" presName="rootComposite" presStyleCnt="0"/>
+      <dgm:spPr/>
+    </dgm:pt>
+    <dgm:pt modelId="{C63C7FD8-4C0C-9847-ACFF-47F5FFC243E0}" type="pres">
+      <dgm:prSet presAssocID="{097ABB0C-32DF-334E-B15E-D6B51ED1FA3F}" presName="rootText" presStyleLbl="node2" presStyleIdx="1" presStyleCnt="4" custScaleX="150303" custScaleY="150004" custLinFactNeighborX="-84959">
+        <dgm:presLayoutVars>
+          <dgm:chPref val="3"/>
+        </dgm:presLayoutVars>
+      </dgm:prSet>
+      <dgm:spPr/>
+    </dgm:pt>
+    <dgm:pt modelId="{05DA74A9-7A3F-A14B-BC51-B3BAE1CD534A}" type="pres">
+      <dgm:prSet presAssocID="{097ABB0C-32DF-334E-B15E-D6B51ED1FA3F}" presName="rootConnector" presStyleLbl="node2" presStyleIdx="1" presStyleCnt="4"/>
+      <dgm:spPr/>
+    </dgm:pt>
+    <dgm:pt modelId="{53663856-EE64-BB40-B942-2E04BA86C2B0}" type="pres">
+      <dgm:prSet presAssocID="{097ABB0C-32DF-334E-B15E-D6B51ED1FA3F}" presName="hierChild4" presStyleCnt="0"/>
+      <dgm:spPr/>
+    </dgm:pt>
+    <dgm:pt modelId="{F9C6C315-1F37-7046-ACC1-3DD470954181}" type="pres">
+      <dgm:prSet presAssocID="{F2845FC0-59E3-3843-96F2-30DF51A3384C}" presName="Name37" presStyleLbl="parChTrans1D3" presStyleIdx="5" presStyleCnt="11"/>
+      <dgm:spPr/>
+    </dgm:pt>
+    <dgm:pt modelId="{0F62957D-46FE-AE41-BA2D-2C1993EDF539}" type="pres">
+      <dgm:prSet presAssocID="{771210E1-9D81-0840-9A29-AE940CD1EBEA}" presName="hierRoot2" presStyleCnt="0">
+        <dgm:presLayoutVars>
+          <dgm:hierBranch val="init"/>
+        </dgm:presLayoutVars>
+      </dgm:prSet>
+      <dgm:spPr/>
+    </dgm:pt>
+    <dgm:pt modelId="{1DB2E54E-E135-E845-A27B-55DDDB15E8ED}" type="pres">
+      <dgm:prSet presAssocID="{771210E1-9D81-0840-9A29-AE940CD1EBEA}" presName="rootComposite" presStyleCnt="0"/>
+      <dgm:spPr/>
+    </dgm:pt>
+    <dgm:pt modelId="{37D27F89-E199-EF44-BC0F-394F022C3C2B}" type="pres">
+      <dgm:prSet presAssocID="{771210E1-9D81-0840-9A29-AE940CD1EBEA}" presName="rootText" presStyleLbl="node3" presStyleIdx="5" presStyleCnt="11" custScaleX="124000" custLinFactNeighborX="-48090">
+        <dgm:presLayoutVars>
+          <dgm:chPref val="3"/>
+        </dgm:presLayoutVars>
+      </dgm:prSet>
+      <dgm:spPr/>
+    </dgm:pt>
+    <dgm:pt modelId="{20D606F3-C323-104F-ACF0-C665430DE0D6}" type="pres">
+      <dgm:prSet presAssocID="{771210E1-9D81-0840-9A29-AE940CD1EBEA}" presName="rootConnector" presStyleLbl="node3" presStyleIdx="5" presStyleCnt="11"/>
+      <dgm:spPr/>
+    </dgm:pt>
+    <dgm:pt modelId="{EE513D31-218E-3249-A30C-7C2B67B3FD3D}" type="pres">
+      <dgm:prSet presAssocID="{771210E1-9D81-0840-9A29-AE940CD1EBEA}" presName="hierChild4" presStyleCnt="0"/>
+      <dgm:spPr/>
+    </dgm:pt>
+    <dgm:pt modelId="{519525A0-9EB3-F24F-BF71-B5C2763AAAEF}" type="pres">
+      <dgm:prSet presAssocID="{771210E1-9D81-0840-9A29-AE940CD1EBEA}" presName="hierChild5" presStyleCnt="0"/>
+      <dgm:spPr/>
+    </dgm:pt>
+    <dgm:pt modelId="{0F5B204C-C44F-4642-965A-6EFC712B54D9}" type="pres">
+      <dgm:prSet presAssocID="{7227067A-BA46-F849-8716-3EB41346DB55}" presName="Name37" presStyleLbl="parChTrans1D3" presStyleIdx="6" presStyleCnt="11"/>
+      <dgm:spPr/>
+    </dgm:pt>
+    <dgm:pt modelId="{3D9F6A61-DE66-644B-97E9-D0344A4E783D}" type="pres">
+      <dgm:prSet presAssocID="{5B9ECFE9-8F3A-F14B-87F1-1AA316330BC6}" presName="hierRoot2" presStyleCnt="0">
+        <dgm:presLayoutVars>
+          <dgm:hierBranch val="init"/>
+        </dgm:presLayoutVars>
+      </dgm:prSet>
+      <dgm:spPr/>
+    </dgm:pt>
+    <dgm:pt modelId="{CFB0FBF5-5141-414E-9DA0-BA5EB661B851}" type="pres">
+      <dgm:prSet presAssocID="{5B9ECFE9-8F3A-F14B-87F1-1AA316330BC6}" presName="rootComposite" presStyleCnt="0"/>
+      <dgm:spPr/>
+    </dgm:pt>
+    <dgm:pt modelId="{EB464B47-F91C-CA45-937C-E0D8FAC578A6}" type="pres">
+      <dgm:prSet presAssocID="{5B9ECFE9-8F3A-F14B-87F1-1AA316330BC6}" presName="rootText" presStyleLbl="node3" presStyleIdx="6" presStyleCnt="11" custScaleX="124000" custLinFactNeighborX="-48090">
+        <dgm:presLayoutVars>
+          <dgm:chPref val="3"/>
+        </dgm:presLayoutVars>
+      </dgm:prSet>
+      <dgm:spPr/>
+    </dgm:pt>
+    <dgm:pt modelId="{78BD7D2D-8C67-474F-AE9A-6DDB957D4A9D}" type="pres">
+      <dgm:prSet presAssocID="{5B9ECFE9-8F3A-F14B-87F1-1AA316330BC6}" presName="rootConnector" presStyleLbl="node3" presStyleIdx="6" presStyleCnt="11"/>
+      <dgm:spPr/>
+    </dgm:pt>
+    <dgm:pt modelId="{5EB3550B-47B2-5A44-9060-8F2582D25B50}" type="pres">
+      <dgm:prSet presAssocID="{5B9ECFE9-8F3A-F14B-87F1-1AA316330BC6}" presName="hierChild4" presStyleCnt="0"/>
+      <dgm:spPr/>
+    </dgm:pt>
+    <dgm:pt modelId="{8E05153C-EC66-E345-A05B-7D4735DDC0C7}" type="pres">
+      <dgm:prSet presAssocID="{5B9ECFE9-8F3A-F14B-87F1-1AA316330BC6}" presName="hierChild5" presStyleCnt="0"/>
+      <dgm:spPr/>
+    </dgm:pt>
+    <dgm:pt modelId="{A2782A32-7328-5346-B835-8B6879245F49}" type="pres">
+      <dgm:prSet presAssocID="{2E1AD2A4-F72E-1E46-ACFF-C1F76514AC0F}" presName="Name37" presStyleLbl="parChTrans1D3" presStyleIdx="7" presStyleCnt="11"/>
+      <dgm:spPr/>
+    </dgm:pt>
+    <dgm:pt modelId="{D3BF9476-9BCB-D244-BCB1-0471CA2B690A}" type="pres">
+      <dgm:prSet presAssocID="{1419F0E6-6B7A-1548-BFD0-F3F411828659}" presName="hierRoot2" presStyleCnt="0">
+        <dgm:presLayoutVars>
+          <dgm:hierBranch val="init"/>
+        </dgm:presLayoutVars>
+      </dgm:prSet>
+      <dgm:spPr/>
+    </dgm:pt>
+    <dgm:pt modelId="{2E8E8C4A-AE5A-A14E-8ADB-30CA0DCE4AB3}" type="pres">
+      <dgm:prSet presAssocID="{1419F0E6-6B7A-1548-BFD0-F3F411828659}" presName="rootComposite" presStyleCnt="0"/>
+      <dgm:spPr/>
+    </dgm:pt>
+    <dgm:pt modelId="{D4FCB0AE-9F1D-E248-AC58-FAA8077D7A4B}" type="pres">
+      <dgm:prSet presAssocID="{1419F0E6-6B7A-1548-BFD0-F3F411828659}" presName="rootText" presStyleLbl="node3" presStyleIdx="7" presStyleCnt="11" custScaleX="124000" custLinFactNeighborX="-48090">
+        <dgm:presLayoutVars>
+          <dgm:chPref val="3"/>
+        </dgm:presLayoutVars>
+      </dgm:prSet>
+      <dgm:spPr/>
+    </dgm:pt>
+    <dgm:pt modelId="{935E4407-12D8-4F47-9C32-F34F51494898}" type="pres">
+      <dgm:prSet presAssocID="{1419F0E6-6B7A-1548-BFD0-F3F411828659}" presName="rootConnector" presStyleLbl="node3" presStyleIdx="7" presStyleCnt="11"/>
+      <dgm:spPr/>
+    </dgm:pt>
+    <dgm:pt modelId="{4E801BE9-CBD3-5049-9CAF-AF6167105155}" type="pres">
+      <dgm:prSet presAssocID="{1419F0E6-6B7A-1548-BFD0-F3F411828659}" presName="hierChild4" presStyleCnt="0"/>
+      <dgm:spPr/>
+    </dgm:pt>
+    <dgm:pt modelId="{48B3E264-195F-A546-B6CD-0DE6BB2479FF}" type="pres">
+      <dgm:prSet presAssocID="{1419F0E6-6B7A-1548-BFD0-F3F411828659}" presName="hierChild5" presStyleCnt="0"/>
+      <dgm:spPr/>
+    </dgm:pt>
+    <dgm:pt modelId="{C1B6EDB7-D720-2644-8C07-4147BC4ACD93}" type="pres">
+      <dgm:prSet presAssocID="{BAEFEA85-2301-374B-B1D2-0864AB7879E0}" presName="Name37" presStyleLbl="parChTrans1D3" presStyleIdx="8" presStyleCnt="11"/>
+      <dgm:spPr/>
+    </dgm:pt>
+    <dgm:pt modelId="{C2A39503-DB05-2542-AFA3-37780D496010}" type="pres">
+      <dgm:prSet presAssocID="{CEEC244E-700C-5649-9C60-429F80937442}" presName="hierRoot2" presStyleCnt="0">
+        <dgm:presLayoutVars>
+          <dgm:hierBranch val="init"/>
+        </dgm:presLayoutVars>
+      </dgm:prSet>
+      <dgm:spPr/>
+    </dgm:pt>
+    <dgm:pt modelId="{5982FD71-E182-7748-8224-46821B0F3617}" type="pres">
+      <dgm:prSet presAssocID="{CEEC244E-700C-5649-9C60-429F80937442}" presName="rootComposite" presStyleCnt="0"/>
+      <dgm:spPr/>
+    </dgm:pt>
+    <dgm:pt modelId="{28100B96-B724-C145-B80B-822CE678A450}" type="pres">
+      <dgm:prSet presAssocID="{CEEC244E-700C-5649-9C60-429F80937442}" presName="rootText" presStyleLbl="node3" presStyleIdx="8" presStyleCnt="11" custScaleX="124000" custLinFactNeighborX="-48090">
+        <dgm:presLayoutVars>
+          <dgm:chPref val="3"/>
+        </dgm:presLayoutVars>
+      </dgm:prSet>
+      <dgm:spPr/>
+    </dgm:pt>
+    <dgm:pt modelId="{0F2C3DB6-43FE-FA48-81AD-1E4BB7F75D4D}" type="pres">
+      <dgm:prSet presAssocID="{CEEC244E-700C-5649-9C60-429F80937442}" presName="rootConnector" presStyleLbl="node3" presStyleIdx="8" presStyleCnt="11"/>
+      <dgm:spPr/>
+    </dgm:pt>
+    <dgm:pt modelId="{162E0791-ECBB-6443-A1BD-D22FA4A7CB32}" type="pres">
+      <dgm:prSet presAssocID="{CEEC244E-700C-5649-9C60-429F80937442}" presName="hierChild4" presStyleCnt="0"/>
+      <dgm:spPr/>
+    </dgm:pt>
+    <dgm:pt modelId="{E51CA5F8-A1C1-E246-87C8-2BABE9F17298}" type="pres">
+      <dgm:prSet presAssocID="{CEEC244E-700C-5649-9C60-429F80937442}" presName="hierChild5" presStyleCnt="0"/>
+      <dgm:spPr/>
+    </dgm:pt>
+    <dgm:pt modelId="{255E142F-DF3A-DC4D-AC0F-1A71756C224F}" type="pres">
+      <dgm:prSet presAssocID="{1BE3F9E8-E65F-5848-8BEA-65829DFEA9DC}" presName="Name37" presStyleLbl="parChTrans1D3" presStyleIdx="9" presStyleCnt="11"/>
+      <dgm:spPr/>
+    </dgm:pt>
+    <dgm:pt modelId="{A5DA0CE0-DDF7-844C-A30C-08A77AC9909F}" type="pres">
+      <dgm:prSet presAssocID="{A7AFC4DF-172E-F34A-866F-A9388C504ABB}" presName="hierRoot2" presStyleCnt="0">
+        <dgm:presLayoutVars>
+          <dgm:hierBranch val="init"/>
+        </dgm:presLayoutVars>
+      </dgm:prSet>
+      <dgm:spPr/>
+    </dgm:pt>
+    <dgm:pt modelId="{B8B24F90-C3BD-9F41-8E2B-54020B2F7A14}" type="pres">
+      <dgm:prSet presAssocID="{A7AFC4DF-172E-F34A-866F-A9388C504ABB}" presName="rootComposite" presStyleCnt="0"/>
+      <dgm:spPr/>
+    </dgm:pt>
+    <dgm:pt modelId="{AF83F2F5-89E5-1D4B-9406-F5FD04735725}" type="pres">
+      <dgm:prSet presAssocID="{A7AFC4DF-172E-F34A-866F-A9388C504ABB}" presName="rootText" presStyleLbl="node3" presStyleIdx="9" presStyleCnt="11" custScaleX="124000" custLinFactNeighborX="-48090">
+        <dgm:presLayoutVars>
+          <dgm:chPref val="3"/>
+        </dgm:presLayoutVars>
+      </dgm:prSet>
+      <dgm:spPr/>
+    </dgm:pt>
+    <dgm:pt modelId="{B6F9B4F7-DF85-F74E-A425-78EAED82C7EC}" type="pres">
+      <dgm:prSet presAssocID="{A7AFC4DF-172E-F34A-866F-A9388C504ABB}" presName="rootConnector" presStyleLbl="node3" presStyleIdx="9" presStyleCnt="11"/>
+      <dgm:spPr/>
+    </dgm:pt>
+    <dgm:pt modelId="{91C573FB-7E0C-424D-95E1-DD8F09FFA875}" type="pres">
+      <dgm:prSet presAssocID="{A7AFC4DF-172E-F34A-866F-A9388C504ABB}" presName="hierChild4" presStyleCnt="0"/>
+      <dgm:spPr/>
+    </dgm:pt>
+    <dgm:pt modelId="{51FA7689-D2A2-B148-A374-786787F4231F}" type="pres">
+      <dgm:prSet presAssocID="{A7AFC4DF-172E-F34A-866F-A9388C504ABB}" presName="hierChild5" presStyleCnt="0"/>
+      <dgm:spPr/>
+    </dgm:pt>
+    <dgm:pt modelId="{20A5F349-07CE-554C-BFD9-47C8E7B205AB}" type="pres">
+      <dgm:prSet presAssocID="{468F3D91-48A7-AB4C-A2DD-CF3B2DD77F94}" presName="Name37" presStyleLbl="parChTrans1D3" presStyleIdx="10" presStyleCnt="11"/>
+      <dgm:spPr/>
+    </dgm:pt>
+    <dgm:pt modelId="{79DF9188-E8D6-9845-80C0-67E5DDBC4A47}" type="pres">
+      <dgm:prSet presAssocID="{A35FBE03-3123-FB48-B698-C44BC77ADB80}" presName="hierRoot2" presStyleCnt="0">
+        <dgm:presLayoutVars>
+          <dgm:hierBranch val="init"/>
+        </dgm:presLayoutVars>
+      </dgm:prSet>
+      <dgm:spPr/>
+    </dgm:pt>
+    <dgm:pt modelId="{518C7F71-0A40-C443-B9C7-C3DB382A41B6}" type="pres">
+      <dgm:prSet presAssocID="{A35FBE03-3123-FB48-B698-C44BC77ADB80}" presName="rootComposite" presStyleCnt="0"/>
+      <dgm:spPr/>
+    </dgm:pt>
+    <dgm:pt modelId="{2B158AD7-86CB-C24B-9DC2-2EC862AC1434}" type="pres">
+      <dgm:prSet presAssocID="{A35FBE03-3123-FB48-B698-C44BC77ADB80}" presName="rootText" presStyleLbl="node3" presStyleIdx="10" presStyleCnt="11" custScaleX="124000" custLinFactNeighborX="-48090">
+        <dgm:presLayoutVars>
+          <dgm:chPref val="3"/>
+        </dgm:presLayoutVars>
+      </dgm:prSet>
+      <dgm:spPr/>
+    </dgm:pt>
+    <dgm:pt modelId="{220C9580-6E52-C342-90CC-1109425B4436}" type="pres">
+      <dgm:prSet presAssocID="{A35FBE03-3123-FB48-B698-C44BC77ADB80}" presName="rootConnector" presStyleLbl="node3" presStyleIdx="10" presStyleCnt="11"/>
+      <dgm:spPr/>
+    </dgm:pt>
+    <dgm:pt modelId="{B41C52D3-B443-234A-9140-67A5FB0CFC19}" type="pres">
+      <dgm:prSet presAssocID="{A35FBE03-3123-FB48-B698-C44BC77ADB80}" presName="hierChild4" presStyleCnt="0"/>
+      <dgm:spPr/>
+    </dgm:pt>
+    <dgm:pt modelId="{5CEB384A-6D8D-0D42-9000-B3BE72EBD446}" type="pres">
+      <dgm:prSet presAssocID="{A35FBE03-3123-FB48-B698-C44BC77ADB80}" presName="hierChild5" presStyleCnt="0"/>
+      <dgm:spPr/>
+    </dgm:pt>
+    <dgm:pt modelId="{E21FBAF6-DEA4-6546-B633-07F1F0BAFB90}" type="pres">
+      <dgm:prSet presAssocID="{097ABB0C-32DF-334E-B15E-D6B51ED1FA3F}" presName="hierChild5" presStyleCnt="0"/>
+      <dgm:spPr/>
+    </dgm:pt>
     <dgm:pt modelId="{8460FC1A-6518-E34A-ADD2-6840282E38DE}" type="pres">
       <dgm:prSet presAssocID="{E242A800-866C-7848-BF11-0BEB485C9930}" presName="hierChild3" presStyleCnt="0"/>
       <dgm:spPr/>
     </dgm:pt>
+    <dgm:pt modelId="{149D3814-84DA-0E48-9165-2627D9EEB307}" type="pres">
+      <dgm:prSet presAssocID="{1B4BD5F3-4957-E74F-8ADC-DBA70B3CAC8F}" presName="hierRoot1" presStyleCnt="0">
+        <dgm:presLayoutVars>
+          <dgm:hierBranch val="init"/>
+        </dgm:presLayoutVars>
+      </dgm:prSet>
+      <dgm:spPr/>
+    </dgm:pt>
+    <dgm:pt modelId="{1A5584A9-06AB-8A4A-B252-99ED300A0727}" type="pres">
+      <dgm:prSet presAssocID="{1B4BD5F3-4957-E74F-8ADC-DBA70B3CAC8F}" presName="rootComposite1" presStyleCnt="0"/>
+      <dgm:spPr/>
+    </dgm:pt>
+    <dgm:pt modelId="{FB4C23C2-2672-0A48-893F-7610E4483791}" type="pres">
+      <dgm:prSet presAssocID="{1B4BD5F3-4957-E74F-8ADC-DBA70B3CAC8F}" presName="rootText1" presStyleLbl="node0" presStyleIdx="1" presStyleCnt="2" custScaleX="225454" custScaleY="152288" custLinFactNeighborX="53344">
+        <dgm:presLayoutVars>
+          <dgm:chPref val="3"/>
+        </dgm:presLayoutVars>
+      </dgm:prSet>
+      <dgm:spPr>
+        <a:xfrm>
+          <a:off x="5863399" y="2718"/>
+          <a:ext cx="2770936" cy="479032"/>
+        </a:xfrm>
+        <a:prstGeom prst="rect">
+          <a:avLst/>
+        </a:prstGeom>
+      </dgm:spPr>
+    </dgm:pt>
+    <dgm:pt modelId="{AAD162B1-4BBF-E446-9EA4-71B9C00CE5CE}" type="pres">
+      <dgm:prSet presAssocID="{1B4BD5F3-4957-E74F-8ADC-DBA70B3CAC8F}" presName="rootConnector1" presStyleLbl="node1" presStyleIdx="0" presStyleCnt="0"/>
+      <dgm:spPr/>
+    </dgm:pt>
+    <dgm:pt modelId="{868D835A-67D8-7041-89BE-EB909DAF6D16}" type="pres">
+      <dgm:prSet presAssocID="{1B4BD5F3-4957-E74F-8ADC-DBA70B3CAC8F}" presName="hierChild2" presStyleCnt="0"/>
+      <dgm:spPr/>
+    </dgm:pt>
+    <dgm:pt modelId="{AC25030B-072F-3A4C-BDB5-15AD679DAAEB}" type="pres">
+      <dgm:prSet presAssocID="{04DF8E93-ACCC-664C-A4E7-D7C2B2D7917E}" presName="Name37" presStyleLbl="parChTrans1D2" presStyleIdx="2" presStyleCnt="4"/>
+      <dgm:spPr/>
+    </dgm:pt>
+    <dgm:pt modelId="{51C195DE-DC38-1344-998A-BC33FBA1BEF2}" type="pres">
+      <dgm:prSet presAssocID="{8D165ADE-DC09-9B41-91B6-416A9697699A}" presName="hierRoot2" presStyleCnt="0">
+        <dgm:presLayoutVars>
+          <dgm:hierBranch val="init"/>
+        </dgm:presLayoutVars>
+      </dgm:prSet>
+      <dgm:spPr/>
+    </dgm:pt>
+    <dgm:pt modelId="{F29A9727-AB44-D247-A3A6-733810CF4795}" type="pres">
+      <dgm:prSet presAssocID="{8D165ADE-DC09-9B41-91B6-416A9697699A}" presName="rootComposite" presStyleCnt="0"/>
+      <dgm:spPr/>
+    </dgm:pt>
+    <dgm:pt modelId="{AD965710-D1C9-AC49-AF9B-DBD4CF5BED15}" type="pres">
+      <dgm:prSet presAssocID="{8D165ADE-DC09-9B41-91B6-416A9697699A}" presName="rootText" presStyleLbl="node2" presStyleIdx="2" presStyleCnt="4" custScaleX="152288" custScaleY="152288" custLinFactNeighborX="53344">
+        <dgm:presLayoutVars>
+          <dgm:chPref val="3"/>
+        </dgm:presLayoutVars>
+      </dgm:prSet>
+      <dgm:spPr>
+        <a:xfrm>
+          <a:off x="6426293" y="652962"/>
+          <a:ext cx="958065" cy="479032"/>
+        </a:xfrm>
+        <a:prstGeom prst="rect">
+          <a:avLst/>
+        </a:prstGeom>
+      </dgm:spPr>
+    </dgm:pt>
+    <dgm:pt modelId="{AEFC6EB2-ED53-8E40-9284-F43D7F307FA3}" type="pres">
+      <dgm:prSet presAssocID="{8D165ADE-DC09-9B41-91B6-416A9697699A}" presName="rootConnector" presStyleLbl="node2" presStyleIdx="2" presStyleCnt="4"/>
+      <dgm:spPr/>
+    </dgm:pt>
+    <dgm:pt modelId="{2E8B34EB-B12C-C042-9306-C1DB47A2C77B}" type="pres">
+      <dgm:prSet presAssocID="{8D165ADE-DC09-9B41-91B6-416A9697699A}" presName="hierChild4" presStyleCnt="0"/>
+      <dgm:spPr/>
+    </dgm:pt>
+    <dgm:pt modelId="{82EF9D1E-D352-184C-B7E4-A531C8606059}" type="pres">
+      <dgm:prSet presAssocID="{8D165ADE-DC09-9B41-91B6-416A9697699A}" presName="hierChild5" presStyleCnt="0"/>
+      <dgm:spPr/>
+    </dgm:pt>
+    <dgm:pt modelId="{0AB933BC-5158-1844-B695-B950781EB01F}" type="pres">
+      <dgm:prSet presAssocID="{EAB146CC-1BC3-B049-8615-E8B0BC78F8FA}" presName="Name37" presStyleLbl="parChTrans1D2" presStyleIdx="3" presStyleCnt="4"/>
+      <dgm:spPr/>
+    </dgm:pt>
+    <dgm:pt modelId="{2999EA41-A4AF-8149-B955-8AA8E1441589}" type="pres">
+      <dgm:prSet presAssocID="{E88F7A02-2F7B-8042-AA4F-F9CBDD4D03C3}" presName="hierRoot2" presStyleCnt="0">
+        <dgm:presLayoutVars>
+          <dgm:hierBranch val="init"/>
+        </dgm:presLayoutVars>
+      </dgm:prSet>
+      <dgm:spPr/>
+    </dgm:pt>
+    <dgm:pt modelId="{5DA61FB6-F17C-2E43-97D8-6F7E5A8588AF}" type="pres">
+      <dgm:prSet presAssocID="{E88F7A02-2F7B-8042-AA4F-F9CBDD4D03C3}" presName="rootComposite" presStyleCnt="0"/>
+      <dgm:spPr/>
+    </dgm:pt>
+    <dgm:pt modelId="{F1515D7B-5DD4-864B-9574-62AFB73F5B6F}" type="pres">
+      <dgm:prSet presAssocID="{E88F7A02-2F7B-8042-AA4F-F9CBDD4D03C3}" presName="rootText" presStyleLbl="node2" presStyleIdx="3" presStyleCnt="4" custScaleX="173596" custScaleY="152288" custLinFactNeighborX="53344">
+        <dgm:presLayoutVars>
+          <dgm:chPref val="3"/>
+        </dgm:presLayoutVars>
+      </dgm:prSet>
+      <dgm:spPr>
+        <a:xfrm>
+          <a:off x="7812462" y="676101"/>
+          <a:ext cx="945576" cy="472788"/>
+        </a:xfrm>
+        <a:prstGeom prst="rect">
+          <a:avLst/>
+        </a:prstGeom>
+      </dgm:spPr>
+    </dgm:pt>
+    <dgm:pt modelId="{7F894370-B801-8F40-84F0-1C3607327743}" type="pres">
+      <dgm:prSet presAssocID="{E88F7A02-2F7B-8042-AA4F-F9CBDD4D03C3}" presName="rootConnector" presStyleLbl="node2" presStyleIdx="3" presStyleCnt="4"/>
+      <dgm:spPr/>
+    </dgm:pt>
+    <dgm:pt modelId="{A597A52D-B724-B54B-8845-FB27106ECA9C}" type="pres">
+      <dgm:prSet presAssocID="{E88F7A02-2F7B-8042-AA4F-F9CBDD4D03C3}" presName="hierChild4" presStyleCnt="0"/>
+      <dgm:spPr/>
+    </dgm:pt>
+    <dgm:pt modelId="{9C54BD3D-24B4-204D-B5E0-2C95DD3CF863}" type="pres">
+      <dgm:prSet presAssocID="{E88F7A02-2F7B-8042-AA4F-F9CBDD4D03C3}" presName="hierChild5" presStyleCnt="0"/>
+      <dgm:spPr/>
+    </dgm:pt>
+    <dgm:pt modelId="{6BAD2C66-6F01-F44A-ADC7-C6EFC329493B}" type="pres">
+      <dgm:prSet presAssocID="{1B4BD5F3-4957-E74F-8ADC-DBA70B3CAC8F}" presName="hierChild3" presStyleCnt="0"/>
+      <dgm:spPr/>
+    </dgm:pt>
   </dgm:ptLst>
   <dgm:cxnLst>
-    <dgm:cxn modelId="{7D920808-A89C-7348-BF33-CBEFB9A27F56}" type="presOf" srcId="{113F9AAA-E21E-7F42-80B4-3451FFB7AEAE}" destId="{A7F73046-636D-5A44-81D2-9BD464EEAF9A}" srcOrd="0" destOrd="0" presId="urn:microsoft.com/office/officeart/2005/8/layout/orgChart1"/>
-    <dgm:cxn modelId="{B725DB10-7ED9-EE4E-8126-B8097DFC50D5}" type="presOf" srcId="{620C09DF-4A03-7C40-B6F2-C02A927F5EEF}" destId="{0995C08A-5D82-954A-A733-41DB3EDB32FC}" srcOrd="0" destOrd="0" presId="urn:microsoft.com/office/officeart/2005/8/layout/orgChart1"/>
+    <dgm:cxn modelId="{B35E9900-C689-EA48-A42C-BE9FFC8943EF}" type="presOf" srcId="{F2845FC0-59E3-3843-96F2-30DF51A3384C}" destId="{F9C6C315-1F37-7046-ACC1-3DD470954181}" srcOrd="0" destOrd="0" presId="urn:microsoft.com/office/officeart/2005/8/layout/orgChart1"/>
+    <dgm:cxn modelId="{5DEBC006-7DD4-914C-BDEB-7328321ADC35}" type="presOf" srcId="{CE131144-CC07-7A4F-B295-A61CF5D5A161}" destId="{883F1820-B7A9-8F4F-94CA-DBB8F4B79172}" srcOrd="0" destOrd="0" presId="urn:microsoft.com/office/officeart/2005/8/layout/orgChart1"/>
+    <dgm:cxn modelId="{083D920B-3010-C441-B07F-B697DD975873}" type="presOf" srcId="{53F1A8D2-469E-6340-9FA7-C441F64B5D85}" destId="{221D7F76-5481-BA46-B8AF-B5FCBEFFFF3A}" srcOrd="1" destOrd="0" presId="urn:microsoft.com/office/officeart/2005/8/layout/orgChart1"/>
+    <dgm:cxn modelId="{54068113-488A-7D4B-B3C2-1831FA2F6EC5}" type="presOf" srcId="{113F9AAA-E21E-7F42-80B4-3451FFB7AEAE}" destId="{A7F73046-636D-5A44-81D2-9BD464EEAF9A}" srcOrd="0" destOrd="0" presId="urn:microsoft.com/office/officeart/2005/8/layout/orgChart1"/>
+    <dgm:cxn modelId="{2DACC513-04DD-6C4A-8BC1-22C94391AB07}" type="presOf" srcId="{BAEFEA85-2301-374B-B1D2-0864AB7879E0}" destId="{C1B6EDB7-D720-2644-8C07-4147BC4ACD93}" srcOrd="0" destOrd="0" presId="urn:microsoft.com/office/officeart/2005/8/layout/orgChart1"/>
     <dgm:cxn modelId="{D43BE419-CC3E-A64B-AFBA-3A44D070394A}" srcId="{175CB2EF-271B-3041-A3D2-5D150D2A22DB}" destId="{53F1A8D2-469E-6340-9FA7-C441F64B5D85}" srcOrd="0" destOrd="0" parTransId="{AD4261C5-6D22-974D-B3A0-F658E5E5DFF1}" sibTransId="{EDA32610-4B82-FF44-B57C-A4A4AFECF7EF}"/>
-    <dgm:cxn modelId="{DFE45E1A-7AED-F647-AAF8-35E7EE888BDB}" type="presOf" srcId="{CEEC244E-700C-5649-9C60-429F80937442}" destId="{28100B96-B724-C145-B80B-822CE678A450}" srcOrd="0" destOrd="0" presId="urn:microsoft.com/office/officeart/2005/8/layout/orgChart1"/>
-    <dgm:cxn modelId="{6ECB671F-E98E-9F41-A2EF-8ED3C3E191BC}" type="presOf" srcId="{441ACF21-1EBC-8045-B1BD-38B10A95D28A}" destId="{DF37C078-244C-B24F-BD95-00F1A0CE5188}" srcOrd="0" destOrd="0" presId="urn:microsoft.com/office/officeart/2005/8/layout/orgChart1"/>
-    <dgm:cxn modelId="{D77C4320-CEFC-644C-8595-926082FF53C1}" type="presOf" srcId="{CE131144-CC07-7A4F-B295-A61CF5D5A161}" destId="{883F1820-B7A9-8F4F-94CA-DBB8F4B79172}" srcOrd="0" destOrd="0" presId="urn:microsoft.com/office/officeart/2005/8/layout/orgChart1"/>
-    <dgm:cxn modelId="{560A7121-6CAB-B149-B074-7B9B74E3D09A}" type="presOf" srcId="{1EB02F3E-C189-1645-9902-04E4E3207BCB}" destId="{DEFC4483-6635-D04D-AB8C-3DFE2495ACD1}" srcOrd="1" destOrd="0" presId="urn:microsoft.com/office/officeart/2005/8/layout/orgChart1"/>
-    <dgm:cxn modelId="{5025F523-1164-8A4B-B94A-BB7A22F348EA}" type="presOf" srcId="{771210E1-9D81-0840-9A29-AE940CD1EBEA}" destId="{20D606F3-C323-104F-ACF0-C665430DE0D6}" srcOrd="1" destOrd="0" presId="urn:microsoft.com/office/officeart/2005/8/layout/orgChart1"/>
-    <dgm:cxn modelId="{9802612C-534E-4F45-B012-C0401985DB6C}" type="presOf" srcId="{1419F0E6-6B7A-1548-BFD0-F3F411828659}" destId="{D4FCB0AE-9F1D-E248-AC58-FAA8077D7A4B}" srcOrd="0" destOrd="0" presId="urn:microsoft.com/office/officeart/2005/8/layout/orgChart1"/>
-    <dgm:cxn modelId="{6479082D-1379-4D4B-8DD3-78C76DD2EC0B}" type="presOf" srcId="{BAEFEA85-2301-374B-B1D2-0864AB7879E0}" destId="{C1B6EDB7-D720-2644-8C07-4147BC4ACD93}" srcOrd="0" destOrd="0" presId="urn:microsoft.com/office/officeart/2005/8/layout/orgChart1"/>
-    <dgm:cxn modelId="{A99DAA39-6DE2-E64A-9A7A-720C208381E9}" type="presOf" srcId="{F2845FC0-59E3-3843-96F2-30DF51A3384C}" destId="{F9C6C315-1F37-7046-ACC1-3DD470954181}" srcOrd="0" destOrd="0" presId="urn:microsoft.com/office/officeart/2005/8/layout/orgChart1"/>
-    <dgm:cxn modelId="{DE2D083B-4684-A849-A14F-5FE157D9EB57}" type="presOf" srcId="{AD4261C5-6D22-974D-B3A0-F658E5E5DFF1}" destId="{1AA1AABD-A9FB-034F-9C59-6119DEC8A22D}" srcOrd="0" destOrd="0" presId="urn:microsoft.com/office/officeart/2005/8/layout/orgChart1"/>
-    <dgm:cxn modelId="{97B92F3D-A7DE-B04E-A3DF-C6B35D8F76F6}" type="presOf" srcId="{2E1AD2A4-F72E-1E46-ACFF-C1F76514AC0F}" destId="{A2782A32-7328-5346-B835-8B6879245F49}" srcOrd="0" destOrd="0" presId="urn:microsoft.com/office/officeart/2005/8/layout/orgChart1"/>
-    <dgm:cxn modelId="{8295413E-9C1E-3144-BFBE-99007F863AE3}" type="presOf" srcId="{1EB02F3E-C189-1645-9902-04E4E3207BCB}" destId="{AE262B21-9D41-3245-AA83-3F088C761499}" srcOrd="0" destOrd="0" presId="urn:microsoft.com/office/officeart/2005/8/layout/orgChart1"/>
-    <dgm:cxn modelId="{8ACCB044-8680-6C47-AB87-FC7A5CFCC551}" type="presOf" srcId="{E242A800-866C-7848-BF11-0BEB485C9930}" destId="{EDA184A5-5C2F-D844-92F0-E6C4A922169F}" srcOrd="1" destOrd="0" presId="urn:microsoft.com/office/officeart/2005/8/layout/orgChart1"/>
+    <dgm:cxn modelId="{E73E9A21-7735-9548-A5CE-DD89B0082D54}" type="presOf" srcId="{19BC369B-40EA-244A-AD4F-1CF5C541286F}" destId="{CD911A48-64B1-9A45-A0C5-F8E8E8EE1FD7}" srcOrd="0" destOrd="0" presId="urn:microsoft.com/office/officeart/2005/8/layout/orgChart1"/>
+    <dgm:cxn modelId="{D2428424-212A-A740-A940-7456DC4C2FB6}" type="presOf" srcId="{097ABB0C-32DF-334E-B15E-D6B51ED1FA3F}" destId="{05DA74A9-7A3F-A14B-BC51-B3BAE1CD534A}" srcOrd="1" destOrd="0" presId="urn:microsoft.com/office/officeart/2005/8/layout/orgChart1"/>
+    <dgm:cxn modelId="{0F828D27-52A6-364A-97E6-62016F6D5457}" type="presOf" srcId="{CDE86310-471F-534D-B762-AA6C794F36F9}" destId="{65044682-1F28-6F4C-9A56-685F852E4608}" srcOrd="0" destOrd="0" presId="urn:microsoft.com/office/officeart/2005/8/layout/orgChart1"/>
+    <dgm:cxn modelId="{C552E629-C942-6842-A85F-E13195B95289}" type="presOf" srcId="{CEEC244E-700C-5649-9C60-429F80937442}" destId="{28100B96-B724-C145-B80B-822CE678A450}" srcOrd="0" destOrd="0" presId="urn:microsoft.com/office/officeart/2005/8/layout/orgChart1"/>
+    <dgm:cxn modelId="{D431DA2D-5A22-4847-A31B-7DA97E59F346}" type="presOf" srcId="{AD4261C5-6D22-974D-B3A0-F658E5E5DFF1}" destId="{1AA1AABD-A9FB-034F-9C59-6119DEC8A22D}" srcOrd="0" destOrd="0" presId="urn:microsoft.com/office/officeart/2005/8/layout/orgChart1"/>
+    <dgm:cxn modelId="{ED2AFF2E-6651-7B41-B884-0A1E65415260}" type="presOf" srcId="{A7AFC4DF-172E-F34A-866F-A9388C504ABB}" destId="{AF83F2F5-89E5-1D4B-9406-F5FD04735725}" srcOrd="0" destOrd="0" presId="urn:microsoft.com/office/officeart/2005/8/layout/orgChart1"/>
+    <dgm:cxn modelId="{4A3AB530-68AC-AB42-95F8-88ABAE48FEBE}" type="presOf" srcId="{1BE3F9E8-E65F-5848-8BEA-65829DFEA9DC}" destId="{255E142F-DF3A-DC4D-AC0F-1A71756C224F}" srcOrd="0" destOrd="0" presId="urn:microsoft.com/office/officeart/2005/8/layout/orgChart1"/>
+    <dgm:cxn modelId="{88671D31-ED8D-1448-8F03-2064FC3956C4}" type="presOf" srcId="{1B4BD5F3-4957-E74F-8ADC-DBA70B3CAC8F}" destId="{AAD162B1-4BBF-E446-9EA4-71B9C00CE5CE}" srcOrd="1" destOrd="0" presId="urn:microsoft.com/office/officeart/2005/8/layout/orgChart1"/>
+    <dgm:cxn modelId="{B28F6731-64B7-AD49-90FC-85F001E74763}" type="presOf" srcId="{E242A800-866C-7848-BF11-0BEB485C9930}" destId="{EDA184A5-5C2F-D844-92F0-E6C4A922169F}" srcOrd="1" destOrd="0" presId="urn:microsoft.com/office/officeart/2005/8/layout/orgChart1"/>
+    <dgm:cxn modelId="{6D6AAE35-6F58-5A44-80F7-61FEA6B5D937}" srcId="{1B4BD5F3-4957-E74F-8ADC-DBA70B3CAC8F}" destId="{E88F7A02-2F7B-8042-AA4F-F9CBDD4D03C3}" srcOrd="1" destOrd="0" parTransId="{EAB146CC-1BC3-B049-8615-E8B0BC78F8FA}" sibTransId="{9742C711-F761-FC4B-B9CF-DB895B305ACE}"/>
+    <dgm:cxn modelId="{A62C473B-98D8-9242-80FC-1EEBA7BD7900}" type="presOf" srcId="{6DB99A58-B60A-BB46-904F-DEC4166A40A8}" destId="{28F0CEC8-D286-914E-B9FF-C3AECAAEFBA5}" srcOrd="0" destOrd="0" presId="urn:microsoft.com/office/officeart/2005/8/layout/orgChart1"/>
+    <dgm:cxn modelId="{52357A3D-5AFD-644D-9457-6A41E8BC6BE1}" type="presOf" srcId="{CDE86310-471F-534D-B762-AA6C794F36F9}" destId="{2D828B84-D27B-8A43-9142-CAE6492BE92F}" srcOrd="1" destOrd="0" presId="urn:microsoft.com/office/officeart/2005/8/layout/orgChart1"/>
+    <dgm:cxn modelId="{69092840-86A6-214E-AF11-23741C8429ED}" type="presOf" srcId="{8D165ADE-DC09-9B41-91B6-416A9697699A}" destId="{AEFC6EB2-ED53-8E40-9284-F43D7F307FA3}" srcOrd="1" destOrd="0" presId="urn:microsoft.com/office/officeart/2005/8/layout/orgChart1"/>
+    <dgm:cxn modelId="{DC10F441-302F-EC4E-8A2F-654A129F8588}" type="presOf" srcId="{1419F0E6-6B7A-1548-BFD0-F3F411828659}" destId="{935E4407-12D8-4F47-9C32-F34F51494898}" srcOrd="1" destOrd="0" presId="urn:microsoft.com/office/officeart/2005/8/layout/orgChart1"/>
     <dgm:cxn modelId="{CAF28D4A-9BC2-DE41-9A08-8F79DD97D4C6}" srcId="{097ABB0C-32DF-334E-B15E-D6B51ED1FA3F}" destId="{771210E1-9D81-0840-9A29-AE940CD1EBEA}" srcOrd="0" destOrd="0" parTransId="{F2845FC0-59E3-3843-96F2-30DF51A3384C}" sibTransId="{30B10E56-078F-B047-8000-1BA51ACB27CE}"/>
-    <dgm:cxn modelId="{2CB80A4E-9718-A94D-95F6-0E7D6C1BC392}" type="presOf" srcId="{CDE86310-471F-534D-B762-AA6C794F36F9}" destId="{2D828B84-D27B-8A43-9142-CAE6492BE92F}" srcOrd="1" destOrd="0" presId="urn:microsoft.com/office/officeart/2005/8/layout/orgChart1"/>
-    <dgm:cxn modelId="{C0C05759-5C77-7C43-9CF5-BDDDC89DA95C}" type="presOf" srcId="{8817CFF6-42FB-3940-9932-5D1377ED2958}" destId="{183398DA-EF91-6849-9B4F-8C318453C08E}" srcOrd="0" destOrd="0" presId="urn:microsoft.com/office/officeart/2005/8/layout/orgChart1"/>
-    <dgm:cxn modelId="{71F9265C-6F75-3B41-8381-F7D664D61116}" type="presOf" srcId="{097ABB0C-32DF-334E-B15E-D6B51ED1FA3F}" destId="{C63C7FD8-4C0C-9847-ACFF-47F5FFC243E0}" srcOrd="0" destOrd="0" presId="urn:microsoft.com/office/officeart/2005/8/layout/orgChart1"/>
-    <dgm:cxn modelId="{E87BE761-25A5-024E-87F0-1B339D4FA6F8}" type="presOf" srcId="{620C09DF-4A03-7C40-B6F2-C02A927F5EEF}" destId="{84F6E821-DB2B-6E42-A6A1-AC5CA4FF1656}" srcOrd="1" destOrd="0" presId="urn:microsoft.com/office/officeart/2005/8/layout/orgChart1"/>
-    <dgm:cxn modelId="{BC829667-B0FB-864C-9325-21DBAC9A2F50}" type="presOf" srcId="{E242A800-866C-7848-BF11-0BEB485C9930}" destId="{7236530C-031F-A646-B765-238BFD85EAD9}" srcOrd="0" destOrd="0" presId="urn:microsoft.com/office/officeart/2005/8/layout/orgChart1"/>
+    <dgm:cxn modelId="{3B9C204C-E807-6943-9537-17C0C4A6FE41}" type="presOf" srcId="{1EB02F3E-C189-1645-9902-04E4E3207BCB}" destId="{AE262B21-9D41-3245-AA83-3F088C761499}" srcOrd="0" destOrd="0" presId="urn:microsoft.com/office/officeart/2005/8/layout/orgChart1"/>
+    <dgm:cxn modelId="{EFA4574D-4BE0-6D4D-B7E9-F9804CAB34D5}" type="presOf" srcId="{8D165ADE-DC09-9B41-91B6-416A9697699A}" destId="{AD965710-D1C9-AC49-AF9B-DBD4CF5BED15}" srcOrd="0" destOrd="0" presId="urn:microsoft.com/office/officeart/2005/8/layout/orgChart1"/>
+    <dgm:cxn modelId="{0268C34F-9A9F-0E4C-8D06-6115D83C2480}" type="presOf" srcId="{1F554856-447B-494D-BC86-74B871819517}" destId="{052E6EEA-9F62-7D48-8938-56B22931578F}" srcOrd="0" destOrd="0" presId="urn:microsoft.com/office/officeart/2005/8/layout/orgChart1"/>
+    <dgm:cxn modelId="{D8E61D59-A6A4-2D43-B9F7-D53D2F9531F4}" type="presOf" srcId="{53F1A8D2-469E-6340-9FA7-C441F64B5D85}" destId="{0EA78171-C799-AB4B-AFEC-14A9AFE5ACA9}" srcOrd="0" destOrd="0" presId="urn:microsoft.com/office/officeart/2005/8/layout/orgChart1"/>
+    <dgm:cxn modelId="{54490E5C-17E4-9540-9A30-A183CBB97D13}" type="presOf" srcId="{441ACF21-1EBC-8045-B1BD-38B10A95D28A}" destId="{DF37C078-244C-B24F-BD95-00F1A0CE5188}" srcOrd="0" destOrd="0" presId="urn:microsoft.com/office/officeart/2005/8/layout/orgChart1"/>
+    <dgm:cxn modelId="{9EB4545C-4749-CF40-8FC0-A65658A905DB}" type="presOf" srcId="{EAB146CC-1BC3-B049-8615-E8B0BC78F8FA}" destId="{0AB933BC-5158-1844-B695-B950781EB01F}" srcOrd="0" destOrd="0" presId="urn:microsoft.com/office/officeart/2005/8/layout/orgChart1"/>
     <dgm:cxn modelId="{A44BA86F-39E1-8F45-B1B6-858AF89EF156}" srcId="{175CB2EF-271B-3041-A3D2-5D150D2A22DB}" destId="{CDE86310-471F-534D-B762-AA6C794F36F9}" srcOrd="3" destOrd="0" parTransId="{19BC369B-40EA-244A-AD4F-1CF5C541286F}" sibTransId="{678D4A8C-7C81-C341-A745-46193AA7ECDE}"/>
-    <dgm:cxn modelId="{ADFB1673-D964-AD44-B320-C5A3C0E3FCE1}" type="presOf" srcId="{53F1A8D2-469E-6340-9FA7-C441F64B5D85}" destId="{0EA78171-C799-AB4B-AFEC-14A9AFE5ACA9}" srcOrd="0" destOrd="0" presId="urn:microsoft.com/office/officeart/2005/8/layout/orgChart1"/>
+    <dgm:cxn modelId="{77254D73-FB80-D145-A3A1-25059CEC9307}" type="presOf" srcId="{1EB02F3E-C189-1645-9902-04E4E3207BCB}" destId="{DEFC4483-6635-D04D-AB8C-3DFE2495ACD1}" srcOrd="1" destOrd="0" presId="urn:microsoft.com/office/officeart/2005/8/layout/orgChart1"/>
+    <dgm:cxn modelId="{377EDB73-F48C-BD45-AF0B-30BDB4DBF31E}" type="presOf" srcId="{771210E1-9D81-0840-9A29-AE940CD1EBEA}" destId="{20D606F3-C323-104F-ACF0-C665430DE0D6}" srcOrd="1" destOrd="0" presId="urn:microsoft.com/office/officeart/2005/8/layout/orgChart1"/>
     <dgm:cxn modelId="{BF71FA73-6343-4747-8059-CFC72CBACB3F}" srcId="{097ABB0C-32DF-334E-B15E-D6B51ED1FA3F}" destId="{CEEC244E-700C-5649-9C60-429F80937442}" srcOrd="3" destOrd="0" parTransId="{BAEFEA85-2301-374B-B1D2-0864AB7879E0}" sibTransId="{782CECCA-4349-3947-A331-C5E805A85E8E}"/>
-    <dgm:cxn modelId="{81085479-8E2F-4141-BFB1-9B1E8AB81984}" type="presOf" srcId="{1BE3F9E8-E65F-5848-8BEA-65829DFEA9DC}" destId="{255E142F-DF3A-DC4D-AC0F-1A71756C224F}" srcOrd="0" destOrd="0" presId="urn:microsoft.com/office/officeart/2005/8/layout/orgChart1"/>
+    <dgm:cxn modelId="{CDCB637B-F6F3-6F4B-9CC4-798361C7561E}" type="presOf" srcId="{CEEC244E-700C-5649-9C60-429F80937442}" destId="{0F2C3DB6-43FE-FA48-81AD-1E4BB7F75D4D}" srcOrd="1" destOrd="0" presId="urn:microsoft.com/office/officeart/2005/8/layout/orgChart1"/>
     <dgm:cxn modelId="{D0F17D81-82A0-FA43-B265-E8836F764887}" srcId="{79ADD85B-0171-5B43-AFEC-9BD988993464}" destId="{E242A800-866C-7848-BF11-0BEB485C9930}" srcOrd="0" destOrd="0" parTransId="{DBADCAA7-9B88-654B-826F-392A5B6A98F4}" sibTransId="{8BAEBF5C-F4A1-A344-B913-5E66C52BC8E9}"/>
-    <dgm:cxn modelId="{9D0E3B83-FBFF-5340-84E3-0AE9DFC1AEA9}" type="presOf" srcId="{097ABB0C-32DF-334E-B15E-D6B51ED1FA3F}" destId="{05DA74A9-7A3F-A14B-BC51-B3BAE1CD534A}" srcOrd="1" destOrd="0" presId="urn:microsoft.com/office/officeart/2005/8/layout/orgChart1"/>
+    <dgm:cxn modelId="{60AB0C86-FE02-0E46-84C8-27DB9FD505E1}" type="presOf" srcId="{A35FBE03-3123-FB48-B698-C44BC77ADB80}" destId="{220C9580-6E52-C342-90CC-1109425B4436}" srcOrd="1" destOrd="0" presId="urn:microsoft.com/office/officeart/2005/8/layout/orgChart1"/>
     <dgm:cxn modelId="{E2B3DC86-0DCC-CF41-A4A3-541B6370CB13}" srcId="{097ABB0C-32DF-334E-B15E-D6B51ED1FA3F}" destId="{A7AFC4DF-172E-F34A-866F-A9388C504ABB}" srcOrd="4" destOrd="0" parTransId="{1BE3F9E8-E65F-5848-8BEA-65829DFEA9DC}" sibTransId="{0DCDB2CC-4083-0C41-9D23-A611EC3EF96A}"/>
+    <dgm:cxn modelId="{237CE589-2B96-1142-9F07-24906D37E2AE}" type="presOf" srcId="{E88F7A02-2F7B-8042-AA4F-F9CBDD4D03C3}" destId="{7F894370-B801-8F40-84F0-1C3607327743}" srcOrd="1" destOrd="0" presId="urn:microsoft.com/office/officeart/2005/8/layout/orgChart1"/>
+    <dgm:cxn modelId="{0537B18B-18F1-0849-A641-1B940823B8E8}" type="presOf" srcId="{5B9ECFE9-8F3A-F14B-87F1-1AA316330BC6}" destId="{EB464B47-F91C-CA45-937C-E0D8FAC578A6}" srcOrd="0" destOrd="0" presId="urn:microsoft.com/office/officeart/2005/8/layout/orgChart1"/>
     <dgm:cxn modelId="{12A6908D-B9B9-5344-9BBE-CF4BBF9A4EE9}" srcId="{175CB2EF-271B-3041-A3D2-5D150D2A22DB}" destId="{8817CFF6-42FB-3940-9932-5D1377ED2958}" srcOrd="1" destOrd="0" parTransId="{6DB99A58-B60A-BB46-904F-DEC4166A40A8}" sibTransId="{69583C13-7195-9A44-9B00-CA9E86CE2ABA}"/>
-    <dgm:cxn modelId="{503FC694-22A4-E743-ADE1-97E25580CA00}" type="presOf" srcId="{5B9ECFE9-8F3A-F14B-87F1-1AA316330BC6}" destId="{78BD7D2D-8C67-474F-AE9A-6DDB957D4A9D}" srcOrd="1" destOrd="0" presId="urn:microsoft.com/office/officeart/2005/8/layout/orgChart1"/>
-    <dgm:cxn modelId="{3D7DE498-377A-8B47-A9FB-B665EB3C2EFF}" type="presOf" srcId="{A35FBE03-3123-FB48-B698-C44BC77ADB80}" destId="{220C9580-6E52-C342-90CC-1109425B4436}" srcOrd="1" destOrd="0" presId="urn:microsoft.com/office/officeart/2005/8/layout/orgChart1"/>
+    <dgm:cxn modelId="{53138F94-3984-5D49-A9EE-87FF5F21EA15}" type="presOf" srcId="{A7AFC4DF-172E-F34A-866F-A9388C504ABB}" destId="{B6F9B4F7-DF85-F74E-A425-78EAED82C7EC}" srcOrd="1" destOrd="0" presId="urn:microsoft.com/office/officeart/2005/8/layout/orgChart1"/>
+    <dgm:cxn modelId="{4E047995-AD58-7048-8487-41E2F0813F2E}" type="presOf" srcId="{175CB2EF-271B-3041-A3D2-5D150D2A22DB}" destId="{5A1DE1B5-FC5E-2E48-A111-55C1557AB385}" srcOrd="1" destOrd="0" presId="urn:microsoft.com/office/officeart/2005/8/layout/orgChart1"/>
     <dgm:cxn modelId="{9DB0B99C-AD15-4847-ACB7-B02C8BCA7B7A}" srcId="{097ABB0C-32DF-334E-B15E-D6B51ED1FA3F}" destId="{5B9ECFE9-8F3A-F14B-87F1-1AA316330BC6}" srcOrd="1" destOrd="0" parTransId="{7227067A-BA46-F849-8716-3EB41346DB55}" sibTransId="{2C6A45E6-1ED1-F048-B0CE-CF22379BB47E}"/>
     <dgm:cxn modelId="{2BCEB39D-65D8-5647-BF1F-35A4D34D8A15}" srcId="{097ABB0C-32DF-334E-B15E-D6B51ED1FA3F}" destId="{A35FBE03-3123-FB48-B698-C44BC77ADB80}" srcOrd="5" destOrd="0" parTransId="{468F3D91-48A7-AB4C-A2DD-CF3B2DD77F94}" sibTransId="{8621BD45-E497-A444-8F2D-CFE9F0D16C17}"/>
     <dgm:cxn modelId="{F84620A0-E5B0-7E47-BB71-7A3A836762ED}" type="presOf" srcId="{79ADD85B-0171-5B43-AFEC-9BD988993464}" destId="{543CA4AF-583A-184C-A340-782A2AC2FFCC}" srcOrd="0" destOrd="0" presId="urn:microsoft.com/office/officeart/2005/8/layout/orgChart1"/>
-    <dgm:cxn modelId="{70DBDDA1-AA30-814B-814C-2A82E8B5B995}" type="presOf" srcId="{175CB2EF-271B-3041-A3D2-5D150D2A22DB}" destId="{5A1DE1B5-FC5E-2E48-A111-55C1557AB385}" srcOrd="1" destOrd="0" presId="urn:microsoft.com/office/officeart/2005/8/layout/orgChart1"/>
-    <dgm:cxn modelId="{CB6FC9A3-E76C-3B4F-883D-C17FA561070B}" type="presOf" srcId="{7227067A-BA46-F849-8716-3EB41346DB55}" destId="{0F5B204C-C44F-4642-965A-6EFC712B54D9}" srcOrd="0" destOrd="0" presId="urn:microsoft.com/office/officeart/2005/8/layout/orgChart1"/>
-    <dgm:cxn modelId="{CDDA68A4-E40B-634A-BB85-F9731D4C9B2B}" type="presOf" srcId="{1F554856-447B-494D-BC86-74B871819517}" destId="{052E6EEA-9F62-7D48-8938-56B22931578F}" srcOrd="0" destOrd="0" presId="urn:microsoft.com/office/officeart/2005/8/layout/orgChart1"/>
-    <dgm:cxn modelId="{7CB184AA-38CE-A342-86FD-47E60400D728}" type="presOf" srcId="{A35FBE03-3123-FB48-B698-C44BC77ADB80}" destId="{2B158AD7-86CB-C24B-9DC2-2EC862AC1434}" srcOrd="0" destOrd="0" presId="urn:microsoft.com/office/officeart/2005/8/layout/orgChart1"/>
+    <dgm:cxn modelId="{F18B74A6-32A9-8C41-B774-25E6875101AE}" type="presOf" srcId="{097ABB0C-32DF-334E-B15E-D6B51ED1FA3F}" destId="{C63C7FD8-4C0C-9847-ACFF-47F5FFC243E0}" srcOrd="0" destOrd="0" presId="urn:microsoft.com/office/officeart/2005/8/layout/orgChart1"/>
+    <dgm:cxn modelId="{7BDDF5A9-9AFB-AF4A-967A-940350640CC2}" type="presOf" srcId="{771210E1-9D81-0840-9A29-AE940CD1EBEA}" destId="{37D27F89-E199-EF44-BC0F-394F022C3C2B}" srcOrd="0" destOrd="0" presId="urn:microsoft.com/office/officeart/2005/8/layout/orgChart1"/>
+    <dgm:cxn modelId="{BDBB59B3-8D50-5045-9DB8-961D97161C52}" type="presOf" srcId="{A35FBE03-3123-FB48-B698-C44BC77ADB80}" destId="{2B158AD7-86CB-C24B-9DC2-2EC862AC1434}" srcOrd="0" destOrd="0" presId="urn:microsoft.com/office/officeart/2005/8/layout/orgChart1"/>
+    <dgm:cxn modelId="{C31F90B3-91BB-2449-9503-98AAB88FC904}" type="presOf" srcId="{620C09DF-4A03-7C40-B6F2-C02A927F5EEF}" destId="{84F6E821-DB2B-6E42-A6A1-AC5CA4FF1656}" srcOrd="1" destOrd="0" presId="urn:microsoft.com/office/officeart/2005/8/layout/orgChart1"/>
+    <dgm:cxn modelId="{98DAB9B3-560D-914F-B06F-CDAC51163388}" type="presOf" srcId="{2E1AD2A4-F72E-1E46-ACFF-C1F76514AC0F}" destId="{A2782A32-7328-5346-B835-8B6879245F49}" srcOrd="0" destOrd="0" presId="urn:microsoft.com/office/officeart/2005/8/layout/orgChart1"/>
+    <dgm:cxn modelId="{236CF5B5-0E26-FF48-9F9E-AD71EB7636C1}" type="presOf" srcId="{468F3D91-48A7-AB4C-A2DD-CF3B2DD77F94}" destId="{20A5F349-07CE-554C-BFD9-47C8E7B205AB}" srcOrd="0" destOrd="0" presId="urn:microsoft.com/office/officeart/2005/8/layout/orgChart1"/>
+    <dgm:cxn modelId="{50E9C5BE-4DF5-9349-A447-C7F79DF14AF1}" type="presOf" srcId="{1B4BD5F3-4957-E74F-8ADC-DBA70B3CAC8F}" destId="{FB4C23C2-2672-0A48-893F-7610E4483791}" srcOrd="0" destOrd="0" presId="urn:microsoft.com/office/officeart/2005/8/layout/orgChart1"/>
     <dgm:cxn modelId="{FDAAF8BE-2964-964E-9DFD-62C7020AA27A}" srcId="{175CB2EF-271B-3041-A3D2-5D150D2A22DB}" destId="{620C09DF-4A03-7C40-B6F2-C02A927F5EEF}" srcOrd="4" destOrd="0" parTransId="{1F554856-447B-494D-BC86-74B871819517}" sibTransId="{7967FDB2-0F3E-B149-A338-996927167C22}"/>
-    <dgm:cxn modelId="{CE15DAC4-1CBB-1A44-A685-2FA3121789DD}" type="presOf" srcId="{5B9ECFE9-8F3A-F14B-87F1-1AA316330BC6}" destId="{EB464B47-F91C-CA45-937C-E0D8FAC578A6}" srcOrd="0" destOrd="0" presId="urn:microsoft.com/office/officeart/2005/8/layout/orgChart1"/>
-    <dgm:cxn modelId="{09E35FCB-27BB-BB40-B6A6-53E0A4FF9812}" type="presOf" srcId="{6DB99A58-B60A-BB46-904F-DEC4166A40A8}" destId="{28F0CEC8-D286-914E-B9FF-C3AECAAEFBA5}" srcOrd="0" destOrd="0" presId="urn:microsoft.com/office/officeart/2005/8/layout/orgChart1"/>
+    <dgm:cxn modelId="{D958C4C6-AE05-B840-BA3F-9911778A3D76}" type="presOf" srcId="{04DF8E93-ACCC-664C-A4E7-D7C2B2D7917E}" destId="{AC25030B-072F-3A4C-BDB5-15AD679DAAEB}" srcOrd="0" destOrd="0" presId="urn:microsoft.com/office/officeart/2005/8/layout/orgChart1"/>
+    <dgm:cxn modelId="{13FC3FC7-1B5D-DB43-8995-CF430B35B3D0}" type="presOf" srcId="{E242A800-866C-7848-BF11-0BEB485C9930}" destId="{7236530C-031F-A646-B765-238BFD85EAD9}" srcOrd="0" destOrd="0" presId="urn:microsoft.com/office/officeart/2005/8/layout/orgChart1"/>
     <dgm:cxn modelId="{9277A3CE-B7CA-3546-BC6B-8EFCCD7DA924}" srcId="{175CB2EF-271B-3041-A3D2-5D150D2A22DB}" destId="{1EB02F3E-C189-1645-9902-04E4E3207BCB}" srcOrd="2" destOrd="0" parTransId="{113F9AAA-E21E-7F42-80B4-3451FFB7AEAE}" sibTransId="{C5FF8B0C-6DD5-D940-9998-882B58C4EEE5}"/>
-    <dgm:cxn modelId="{B40208CF-0A81-364F-8603-D1AF1E5AFD91}" srcId="{E242A800-866C-7848-BF11-0BEB485C9930}" destId="{175CB2EF-271B-3041-A3D2-5D150D2A22DB}" srcOrd="1" destOrd="0" parTransId="{441ACF21-1EBC-8045-B1BD-38B10A95D28A}" sibTransId="{2879A70B-96A5-D743-A2E8-7C47877837DB}"/>
-    <dgm:cxn modelId="{D428F1D1-9C9A-3B45-A64E-912203E6D838}" type="presOf" srcId="{468F3D91-48A7-AB4C-A2DD-CF3B2DD77F94}" destId="{20A5F349-07CE-554C-BFD9-47C8E7B205AB}" srcOrd="0" destOrd="0" presId="urn:microsoft.com/office/officeart/2005/8/layout/orgChart1"/>
-    <dgm:cxn modelId="{8C1549D8-1F43-FC4D-92E6-E38296F02B5F}" type="presOf" srcId="{A7AFC4DF-172E-F34A-866F-A9388C504ABB}" destId="{B6F9B4F7-DF85-F74E-A425-78EAED82C7EC}" srcOrd="1" destOrd="0" presId="urn:microsoft.com/office/officeart/2005/8/layout/orgChart1"/>
-    <dgm:cxn modelId="{ED169DD8-2F21-144B-9638-16AD5209C83F}" type="presOf" srcId="{1419F0E6-6B7A-1548-BFD0-F3F411828659}" destId="{935E4407-12D8-4F47-9C32-F34F51494898}" srcOrd="1" destOrd="0" presId="urn:microsoft.com/office/officeart/2005/8/layout/orgChart1"/>
-    <dgm:cxn modelId="{E47009DB-129C-3441-B5BA-0A6A50D1F185}" type="presOf" srcId="{CEEC244E-700C-5649-9C60-429F80937442}" destId="{0F2C3DB6-43FE-FA48-81AD-1E4BB7F75D4D}" srcOrd="1" destOrd="0" presId="urn:microsoft.com/office/officeart/2005/8/layout/orgChart1"/>
-    <dgm:cxn modelId="{37C6EADC-C048-1047-A074-6FE740352D47}" type="presOf" srcId="{771210E1-9D81-0840-9A29-AE940CD1EBEA}" destId="{37D27F89-E199-EF44-BC0F-394F022C3C2B}" srcOrd="0" destOrd="0" presId="urn:microsoft.com/office/officeart/2005/8/layout/orgChart1"/>
+    <dgm:cxn modelId="{B40208CF-0A81-364F-8603-D1AF1E5AFD91}" srcId="{E242A800-866C-7848-BF11-0BEB485C9930}" destId="{175CB2EF-271B-3041-A3D2-5D150D2A22DB}" srcOrd="0" destOrd="0" parTransId="{441ACF21-1EBC-8045-B1BD-38B10A95D28A}" sibTransId="{2879A70B-96A5-D743-A2E8-7C47877837DB}"/>
+    <dgm:cxn modelId="{71CD15D2-9393-A748-B3DA-73007B8D30DA}" type="presOf" srcId="{8817CFF6-42FB-3940-9932-5D1377ED2958}" destId="{183398DA-EF91-6849-9B4F-8C318453C08E}" srcOrd="0" destOrd="0" presId="urn:microsoft.com/office/officeart/2005/8/layout/orgChart1"/>
+    <dgm:cxn modelId="{2144D5E4-3D2E-7E40-AD74-B8B658F82B61}" srcId="{79ADD85B-0171-5B43-AFEC-9BD988993464}" destId="{1B4BD5F3-4957-E74F-8ADC-DBA70B3CAC8F}" srcOrd="1" destOrd="0" parTransId="{DF4F13FC-CD21-E149-8283-EDCECCDC8B38}" sibTransId="{284DB64C-DE15-0844-85DC-5D6981C0966F}"/>
+    <dgm:cxn modelId="{7879E8E5-C36C-C74F-9753-3E0D667AED29}" type="presOf" srcId="{5B9ECFE9-8F3A-F14B-87F1-1AA316330BC6}" destId="{78BD7D2D-8C67-474F-AE9A-6DDB957D4A9D}" srcOrd="1" destOrd="0" presId="urn:microsoft.com/office/officeart/2005/8/layout/orgChart1"/>
     <dgm:cxn modelId="{EB32ECE6-4603-E645-8CC6-2D1F96AAAF6D}" srcId="{097ABB0C-32DF-334E-B15E-D6B51ED1FA3F}" destId="{1419F0E6-6B7A-1548-BFD0-F3F411828659}" srcOrd="2" destOrd="0" parTransId="{2E1AD2A4-F72E-1E46-ACFF-C1F76514AC0F}" sibTransId="{85EF6ACC-8906-1044-8966-DBC47257D4C7}"/>
-    <dgm:cxn modelId="{D4A9B0EB-0476-654D-AE3B-ACE66543F6FE}" type="presOf" srcId="{8817CFF6-42FB-3940-9932-5D1377ED2958}" destId="{7C3BD3DF-A67C-3E4B-B33B-1130AD86EF2A}" srcOrd="1" destOrd="0" presId="urn:microsoft.com/office/officeart/2005/8/layout/orgChart1"/>
-    <dgm:cxn modelId="{E4B817EC-D715-E24B-9F6D-CCA654EC6839}" type="presOf" srcId="{53F1A8D2-469E-6340-9FA7-C441F64B5D85}" destId="{221D7F76-5481-BA46-B8AF-B5FCBEFFFF3A}" srcOrd="1" destOrd="0" presId="urn:microsoft.com/office/officeart/2005/8/layout/orgChart1"/>
-    <dgm:cxn modelId="{751B03F3-FEF0-6349-B91C-17EFBDCE8192}" type="presOf" srcId="{175CB2EF-271B-3041-A3D2-5D150D2A22DB}" destId="{16FAA5BA-5629-0747-816D-E9060D4B0A47}" srcOrd="0" destOrd="0" presId="urn:microsoft.com/office/officeart/2005/8/layout/orgChart1"/>
-    <dgm:cxn modelId="{10EB3CF4-F71A-E44D-96F2-60016B2CAACA}" type="presOf" srcId="{CDE86310-471F-534D-B762-AA6C794F36F9}" destId="{65044682-1F28-6F4C-9A56-685F852E4608}" srcOrd="0" destOrd="0" presId="urn:microsoft.com/office/officeart/2005/8/layout/orgChart1"/>
-    <dgm:cxn modelId="{40347EF6-6273-A748-A029-652BF7B300B5}" srcId="{E242A800-866C-7848-BF11-0BEB485C9930}" destId="{097ABB0C-32DF-334E-B15E-D6B51ED1FA3F}" srcOrd="0" destOrd="0" parTransId="{CE131144-CC07-7A4F-B295-A61CF5D5A161}" sibTransId="{084C9821-6A24-5C4E-BEDA-10D0079CA0CF}"/>
-    <dgm:cxn modelId="{1083BEFB-DC10-7243-A8E5-DF971400036B}" type="presOf" srcId="{A7AFC4DF-172E-F34A-866F-A9388C504ABB}" destId="{AF83F2F5-89E5-1D4B-9406-F5FD04735725}" srcOrd="0" destOrd="0" presId="urn:microsoft.com/office/officeart/2005/8/layout/orgChart1"/>
-    <dgm:cxn modelId="{A40473FD-F406-0941-923F-572BBA16FD5B}" type="presOf" srcId="{19BC369B-40EA-244A-AD4F-1CF5C541286F}" destId="{CD911A48-64B1-9A45-A0C5-F8E8E8EE1FD7}" srcOrd="0" destOrd="0" presId="urn:microsoft.com/office/officeart/2005/8/layout/orgChart1"/>
-    <dgm:cxn modelId="{C65A5CA6-D067-0D42-84F3-056057073498}" type="presParOf" srcId="{543CA4AF-583A-184C-A340-782A2AC2FFCC}" destId="{AEEBA512-9FA4-CE48-86BD-2D2570B86D2C}" srcOrd="0" destOrd="0" presId="urn:microsoft.com/office/officeart/2005/8/layout/orgChart1"/>
-    <dgm:cxn modelId="{23B133B8-23D9-6B4B-BC57-F092DC50FF80}" type="presParOf" srcId="{AEEBA512-9FA4-CE48-86BD-2D2570B86D2C}" destId="{497F06CE-76C9-7D44-A4DD-095833B9D89E}" srcOrd="0" destOrd="0" presId="urn:microsoft.com/office/officeart/2005/8/layout/orgChart1"/>
-    <dgm:cxn modelId="{3B1846C9-5113-E645-BA3A-EA8701AA9894}" type="presParOf" srcId="{497F06CE-76C9-7D44-A4DD-095833B9D89E}" destId="{7236530C-031F-A646-B765-238BFD85EAD9}" srcOrd="0" destOrd="0" presId="urn:microsoft.com/office/officeart/2005/8/layout/orgChart1"/>
-    <dgm:cxn modelId="{31DA53D4-CDFD-B34B-8E2E-953B611B0518}" type="presParOf" srcId="{497F06CE-76C9-7D44-A4DD-095833B9D89E}" destId="{EDA184A5-5C2F-D844-92F0-E6C4A922169F}" srcOrd="1" destOrd="0" presId="urn:microsoft.com/office/officeart/2005/8/layout/orgChart1"/>
-    <dgm:cxn modelId="{2CFAB42C-F503-4E44-94FF-FBC8F66A7946}" type="presParOf" srcId="{AEEBA512-9FA4-CE48-86BD-2D2570B86D2C}" destId="{432A6043-550F-C748-B14C-2E893546D27F}" srcOrd="1" destOrd="0" presId="urn:microsoft.com/office/officeart/2005/8/layout/orgChart1"/>
-    <dgm:cxn modelId="{02E1C88E-950D-4B47-B117-07258C41E7B8}" type="presParOf" srcId="{432A6043-550F-C748-B14C-2E893546D27F}" destId="{883F1820-B7A9-8F4F-94CA-DBB8F4B79172}" srcOrd="0" destOrd="0" presId="urn:microsoft.com/office/officeart/2005/8/layout/orgChart1"/>
-    <dgm:cxn modelId="{7CA965FA-160E-7F44-81F9-11ACEE3BE958}" type="presParOf" srcId="{432A6043-550F-C748-B14C-2E893546D27F}" destId="{0A630CD4-F36E-FC41-B8F9-3B263F71C01A}" srcOrd="1" destOrd="0" presId="urn:microsoft.com/office/officeart/2005/8/layout/orgChart1"/>
-    <dgm:cxn modelId="{C82D6577-8E68-4B47-85F0-868A9572CC4A}" type="presParOf" srcId="{0A630CD4-F36E-FC41-B8F9-3B263F71C01A}" destId="{DCD21D18-50EE-2541-92A4-02EF0C9D5157}" srcOrd="0" destOrd="0" presId="urn:microsoft.com/office/officeart/2005/8/layout/orgChart1"/>
-    <dgm:cxn modelId="{9C1B6E65-F164-054F-A3EC-641F541F56CC}" type="presParOf" srcId="{DCD21D18-50EE-2541-92A4-02EF0C9D5157}" destId="{C63C7FD8-4C0C-9847-ACFF-47F5FFC243E0}" srcOrd="0" destOrd="0" presId="urn:microsoft.com/office/officeart/2005/8/layout/orgChart1"/>
-    <dgm:cxn modelId="{E914A942-86A0-6841-9B45-168C64C1CF8F}" type="presParOf" srcId="{DCD21D18-50EE-2541-92A4-02EF0C9D5157}" destId="{05DA74A9-7A3F-A14B-BC51-B3BAE1CD534A}" srcOrd="1" destOrd="0" presId="urn:microsoft.com/office/officeart/2005/8/layout/orgChart1"/>
-    <dgm:cxn modelId="{1E81426C-2C89-3D44-A539-B769BE2B3AFC}" type="presParOf" srcId="{0A630CD4-F36E-FC41-B8F9-3B263F71C01A}" destId="{53663856-EE64-BB40-B942-2E04BA86C2B0}" srcOrd="1" destOrd="0" presId="urn:microsoft.com/office/officeart/2005/8/layout/orgChart1"/>
-    <dgm:cxn modelId="{FBE83303-76E3-ED44-8AAD-47A3CF7F99F5}" type="presParOf" srcId="{53663856-EE64-BB40-B942-2E04BA86C2B0}" destId="{F9C6C315-1F37-7046-ACC1-3DD470954181}" srcOrd="0" destOrd="0" presId="urn:microsoft.com/office/officeart/2005/8/layout/orgChart1"/>
-    <dgm:cxn modelId="{30E41D21-A66E-5447-91EB-A712370ACAC2}" type="presParOf" srcId="{53663856-EE64-BB40-B942-2E04BA86C2B0}" destId="{0F62957D-46FE-AE41-BA2D-2C1993EDF539}" srcOrd="1" destOrd="0" presId="urn:microsoft.com/office/officeart/2005/8/layout/orgChart1"/>
-    <dgm:cxn modelId="{2E61BAC5-C347-4D43-B986-35E23E394BA8}" type="presParOf" srcId="{0F62957D-46FE-AE41-BA2D-2C1993EDF539}" destId="{1DB2E54E-E135-E845-A27B-55DDDB15E8ED}" srcOrd="0" destOrd="0" presId="urn:microsoft.com/office/officeart/2005/8/layout/orgChart1"/>
-    <dgm:cxn modelId="{4AA783DE-F959-7B40-AE26-BD7FEEE70DC4}" type="presParOf" srcId="{1DB2E54E-E135-E845-A27B-55DDDB15E8ED}" destId="{37D27F89-E199-EF44-BC0F-394F022C3C2B}" srcOrd="0" destOrd="0" presId="urn:microsoft.com/office/officeart/2005/8/layout/orgChart1"/>
-    <dgm:cxn modelId="{F91A0BE6-975A-634F-B242-3844DC9E52BC}" type="presParOf" srcId="{1DB2E54E-E135-E845-A27B-55DDDB15E8ED}" destId="{20D606F3-C323-104F-ACF0-C665430DE0D6}" srcOrd="1" destOrd="0" presId="urn:microsoft.com/office/officeart/2005/8/layout/orgChart1"/>
-    <dgm:cxn modelId="{0CBAF2B5-DF9C-4B40-8701-F0C6C55F70FA}" type="presParOf" srcId="{0F62957D-46FE-AE41-BA2D-2C1993EDF539}" destId="{EE513D31-218E-3249-A30C-7C2B67B3FD3D}" srcOrd="1" destOrd="0" presId="urn:microsoft.com/office/officeart/2005/8/layout/orgChart1"/>
-    <dgm:cxn modelId="{F631F280-A767-8748-A25F-A0A181095F5C}" type="presParOf" srcId="{0F62957D-46FE-AE41-BA2D-2C1993EDF539}" destId="{519525A0-9EB3-F24F-BF71-B5C2763AAAEF}" srcOrd="2" destOrd="0" presId="urn:microsoft.com/office/officeart/2005/8/layout/orgChart1"/>
-    <dgm:cxn modelId="{5094FAB4-2EAD-4943-A679-FAFE09C0BB43}" type="presParOf" srcId="{53663856-EE64-BB40-B942-2E04BA86C2B0}" destId="{0F5B204C-C44F-4642-965A-6EFC712B54D9}" srcOrd="2" destOrd="0" presId="urn:microsoft.com/office/officeart/2005/8/layout/orgChart1"/>
-    <dgm:cxn modelId="{06E9960D-A430-FE4D-960D-EB34EDD77D35}" type="presParOf" srcId="{53663856-EE64-BB40-B942-2E04BA86C2B0}" destId="{3D9F6A61-DE66-644B-97E9-D0344A4E783D}" srcOrd="3" destOrd="0" presId="urn:microsoft.com/office/officeart/2005/8/layout/orgChart1"/>
-    <dgm:cxn modelId="{A679723D-EAFB-E847-BF8E-F380F511A2BB}" type="presParOf" srcId="{3D9F6A61-DE66-644B-97E9-D0344A4E783D}" destId="{CFB0FBF5-5141-414E-9DA0-BA5EB661B851}" srcOrd="0" destOrd="0" presId="urn:microsoft.com/office/officeart/2005/8/layout/orgChart1"/>
-    <dgm:cxn modelId="{B85E927C-7083-FB45-B697-AB5B33D97C85}" type="presParOf" srcId="{CFB0FBF5-5141-414E-9DA0-BA5EB661B851}" destId="{EB464B47-F91C-CA45-937C-E0D8FAC578A6}" srcOrd="0" destOrd="0" presId="urn:microsoft.com/office/officeart/2005/8/layout/orgChart1"/>
-    <dgm:cxn modelId="{468ECBA3-F22D-4E4D-9544-9C516C6847E0}" type="presParOf" srcId="{CFB0FBF5-5141-414E-9DA0-BA5EB661B851}" destId="{78BD7D2D-8C67-474F-AE9A-6DDB957D4A9D}" srcOrd="1" destOrd="0" presId="urn:microsoft.com/office/officeart/2005/8/layout/orgChart1"/>
-    <dgm:cxn modelId="{0EBF2B16-96C1-764C-875E-AD829A4366C6}" type="presParOf" srcId="{3D9F6A61-DE66-644B-97E9-D0344A4E783D}" destId="{5EB3550B-47B2-5A44-9060-8F2582D25B50}" srcOrd="1" destOrd="0" presId="urn:microsoft.com/office/officeart/2005/8/layout/orgChart1"/>
-    <dgm:cxn modelId="{8413E954-A197-DA47-9D48-967A92C99BDB}" type="presParOf" srcId="{3D9F6A61-DE66-644B-97E9-D0344A4E783D}" destId="{8E05153C-EC66-E345-A05B-7D4735DDC0C7}" srcOrd="2" destOrd="0" presId="urn:microsoft.com/office/officeart/2005/8/layout/orgChart1"/>
-    <dgm:cxn modelId="{6AF760DA-D5EE-7E43-9DC2-9D87C000E2CC}" type="presParOf" srcId="{53663856-EE64-BB40-B942-2E04BA86C2B0}" destId="{A2782A32-7328-5346-B835-8B6879245F49}" srcOrd="4" destOrd="0" presId="urn:microsoft.com/office/officeart/2005/8/layout/orgChart1"/>
-    <dgm:cxn modelId="{5A7EA22C-D243-CD43-952B-CA9FFC9CA250}" type="presParOf" srcId="{53663856-EE64-BB40-B942-2E04BA86C2B0}" destId="{D3BF9476-9BCB-D244-BCB1-0471CA2B690A}" srcOrd="5" destOrd="0" presId="urn:microsoft.com/office/officeart/2005/8/layout/orgChart1"/>
-    <dgm:cxn modelId="{043463FB-73C5-F148-87F2-CFB09D49085E}" type="presParOf" srcId="{D3BF9476-9BCB-D244-BCB1-0471CA2B690A}" destId="{2E8E8C4A-AE5A-A14E-8ADB-30CA0DCE4AB3}" srcOrd="0" destOrd="0" presId="urn:microsoft.com/office/officeart/2005/8/layout/orgChart1"/>
-    <dgm:cxn modelId="{B94529C7-000A-5646-AD9B-90B06137D48A}" type="presParOf" srcId="{2E8E8C4A-AE5A-A14E-8ADB-30CA0DCE4AB3}" destId="{D4FCB0AE-9F1D-E248-AC58-FAA8077D7A4B}" srcOrd="0" destOrd="0" presId="urn:microsoft.com/office/officeart/2005/8/layout/orgChart1"/>
-    <dgm:cxn modelId="{49876390-36C7-6648-A1DA-40112E839C1C}" type="presParOf" srcId="{2E8E8C4A-AE5A-A14E-8ADB-30CA0DCE4AB3}" destId="{935E4407-12D8-4F47-9C32-F34F51494898}" srcOrd="1" destOrd="0" presId="urn:microsoft.com/office/officeart/2005/8/layout/orgChart1"/>
-    <dgm:cxn modelId="{4B5A27C0-FD22-7F46-AD1A-1DE430BDEA59}" type="presParOf" srcId="{D3BF9476-9BCB-D244-BCB1-0471CA2B690A}" destId="{4E801BE9-CBD3-5049-9CAF-AF6167105155}" srcOrd="1" destOrd="0" presId="urn:microsoft.com/office/officeart/2005/8/layout/orgChart1"/>
-    <dgm:cxn modelId="{505FAB43-F06C-6648-94C0-6439115B5D44}" type="presParOf" srcId="{D3BF9476-9BCB-D244-BCB1-0471CA2B690A}" destId="{48B3E264-195F-A546-B6CD-0DE6BB2479FF}" srcOrd="2" destOrd="0" presId="urn:microsoft.com/office/officeart/2005/8/layout/orgChart1"/>
-    <dgm:cxn modelId="{B4A1603B-C4DE-F143-B1AB-DBD90D71E927}" type="presParOf" srcId="{53663856-EE64-BB40-B942-2E04BA86C2B0}" destId="{C1B6EDB7-D720-2644-8C07-4147BC4ACD93}" srcOrd="6" destOrd="0" presId="urn:microsoft.com/office/officeart/2005/8/layout/orgChart1"/>
-    <dgm:cxn modelId="{34BF9612-80CB-B447-BF6E-C114E022064B}" type="presParOf" srcId="{53663856-EE64-BB40-B942-2E04BA86C2B0}" destId="{C2A39503-DB05-2542-AFA3-37780D496010}" srcOrd="7" destOrd="0" presId="urn:microsoft.com/office/officeart/2005/8/layout/orgChart1"/>
-    <dgm:cxn modelId="{9CCEB088-1AEB-944E-A325-DB2BD79F1167}" type="presParOf" srcId="{C2A39503-DB05-2542-AFA3-37780D496010}" destId="{5982FD71-E182-7748-8224-46821B0F3617}" srcOrd="0" destOrd="0" presId="urn:microsoft.com/office/officeart/2005/8/layout/orgChart1"/>
-    <dgm:cxn modelId="{4F2B5A73-7539-5A47-B3D1-335D6F7A4E6D}" type="presParOf" srcId="{5982FD71-E182-7748-8224-46821B0F3617}" destId="{28100B96-B724-C145-B80B-822CE678A450}" srcOrd="0" destOrd="0" presId="urn:microsoft.com/office/officeart/2005/8/layout/orgChart1"/>
-    <dgm:cxn modelId="{937782A4-166D-1D4B-881D-87759EE60671}" type="presParOf" srcId="{5982FD71-E182-7748-8224-46821B0F3617}" destId="{0F2C3DB6-43FE-FA48-81AD-1E4BB7F75D4D}" srcOrd="1" destOrd="0" presId="urn:microsoft.com/office/officeart/2005/8/layout/orgChart1"/>
-    <dgm:cxn modelId="{1B7E2F92-FA9D-2E43-B9AA-2588C8302D4D}" type="presParOf" srcId="{C2A39503-DB05-2542-AFA3-37780D496010}" destId="{162E0791-ECBB-6443-A1BD-D22FA4A7CB32}" srcOrd="1" destOrd="0" presId="urn:microsoft.com/office/officeart/2005/8/layout/orgChart1"/>
-    <dgm:cxn modelId="{6156A95E-4250-E04A-B2C7-BD9D832278F7}" type="presParOf" srcId="{C2A39503-DB05-2542-AFA3-37780D496010}" destId="{E51CA5F8-A1C1-E246-87C8-2BABE9F17298}" srcOrd="2" destOrd="0" presId="urn:microsoft.com/office/officeart/2005/8/layout/orgChart1"/>
-    <dgm:cxn modelId="{75335B2D-221A-F940-8E70-D2FA9BC706FE}" type="presParOf" srcId="{53663856-EE64-BB40-B942-2E04BA86C2B0}" destId="{255E142F-DF3A-DC4D-AC0F-1A71756C224F}" srcOrd="8" destOrd="0" presId="urn:microsoft.com/office/officeart/2005/8/layout/orgChart1"/>
-    <dgm:cxn modelId="{B017266F-D519-1F44-BE21-5F231F9A993C}" type="presParOf" srcId="{53663856-EE64-BB40-B942-2E04BA86C2B0}" destId="{A5DA0CE0-DDF7-844C-A30C-08A77AC9909F}" srcOrd="9" destOrd="0" presId="urn:microsoft.com/office/officeart/2005/8/layout/orgChart1"/>
-    <dgm:cxn modelId="{DEB5F551-93A7-4341-B346-FFF418855892}" type="presParOf" srcId="{A5DA0CE0-DDF7-844C-A30C-08A77AC9909F}" destId="{B8B24F90-C3BD-9F41-8E2B-54020B2F7A14}" srcOrd="0" destOrd="0" presId="urn:microsoft.com/office/officeart/2005/8/layout/orgChart1"/>
-    <dgm:cxn modelId="{F691B7A9-AFF9-FB41-B950-9A17AEBB1E4F}" type="presParOf" srcId="{B8B24F90-C3BD-9F41-8E2B-54020B2F7A14}" destId="{AF83F2F5-89E5-1D4B-9406-F5FD04735725}" srcOrd="0" destOrd="0" presId="urn:microsoft.com/office/officeart/2005/8/layout/orgChart1"/>
-    <dgm:cxn modelId="{F582BE19-026D-464F-840C-560F9D734D4B}" type="presParOf" srcId="{B8B24F90-C3BD-9F41-8E2B-54020B2F7A14}" destId="{B6F9B4F7-DF85-F74E-A425-78EAED82C7EC}" srcOrd="1" destOrd="0" presId="urn:microsoft.com/office/officeart/2005/8/layout/orgChart1"/>
-    <dgm:cxn modelId="{B7297DF8-03FB-FA45-844C-8A08FF459F90}" type="presParOf" srcId="{A5DA0CE0-DDF7-844C-A30C-08A77AC9909F}" destId="{91C573FB-7E0C-424D-95E1-DD8F09FFA875}" srcOrd="1" destOrd="0" presId="urn:microsoft.com/office/officeart/2005/8/layout/orgChart1"/>
-    <dgm:cxn modelId="{59607FCB-D642-EA49-A01E-924A0E9700FE}" type="presParOf" srcId="{A5DA0CE0-DDF7-844C-A30C-08A77AC9909F}" destId="{51FA7689-D2A2-B148-A374-786787F4231F}" srcOrd="2" destOrd="0" presId="urn:microsoft.com/office/officeart/2005/8/layout/orgChart1"/>
-    <dgm:cxn modelId="{83107F50-6E0E-024A-BFB0-9F97D4E893E0}" type="presParOf" srcId="{53663856-EE64-BB40-B942-2E04BA86C2B0}" destId="{20A5F349-07CE-554C-BFD9-47C8E7B205AB}" srcOrd="10" destOrd="0" presId="urn:microsoft.com/office/officeart/2005/8/layout/orgChart1"/>
-    <dgm:cxn modelId="{40E59D74-9092-5A4D-A3C1-4694BD09E654}" type="presParOf" srcId="{53663856-EE64-BB40-B942-2E04BA86C2B0}" destId="{79DF9188-E8D6-9845-80C0-67E5DDBC4A47}" srcOrd="11" destOrd="0" presId="urn:microsoft.com/office/officeart/2005/8/layout/orgChart1"/>
-    <dgm:cxn modelId="{48023390-03BE-ED40-BD43-A92554FC6DFE}" type="presParOf" srcId="{79DF9188-E8D6-9845-80C0-67E5DDBC4A47}" destId="{518C7F71-0A40-C443-B9C7-C3DB382A41B6}" srcOrd="0" destOrd="0" presId="urn:microsoft.com/office/officeart/2005/8/layout/orgChart1"/>
-    <dgm:cxn modelId="{B20364E6-4C72-EE48-855A-9D8483C286E9}" type="presParOf" srcId="{518C7F71-0A40-C443-B9C7-C3DB382A41B6}" destId="{2B158AD7-86CB-C24B-9DC2-2EC862AC1434}" srcOrd="0" destOrd="0" presId="urn:microsoft.com/office/officeart/2005/8/layout/orgChart1"/>
-    <dgm:cxn modelId="{C7F70FA6-0BE2-7B42-835F-01B6A987248A}" type="presParOf" srcId="{518C7F71-0A40-C443-B9C7-C3DB382A41B6}" destId="{220C9580-6E52-C342-90CC-1109425B4436}" srcOrd="1" destOrd="0" presId="urn:microsoft.com/office/officeart/2005/8/layout/orgChart1"/>
-    <dgm:cxn modelId="{11EED124-CDB6-9749-9107-D12DCE9ECCA6}" type="presParOf" srcId="{79DF9188-E8D6-9845-80C0-67E5DDBC4A47}" destId="{B41C52D3-B443-234A-9140-67A5FB0CFC19}" srcOrd="1" destOrd="0" presId="urn:microsoft.com/office/officeart/2005/8/layout/orgChart1"/>
-    <dgm:cxn modelId="{9EF86A3D-7EA0-8E45-AF29-10614FE0C23D}" type="presParOf" srcId="{79DF9188-E8D6-9845-80C0-67E5DDBC4A47}" destId="{5CEB384A-6D8D-0D42-9000-B3BE72EBD446}" srcOrd="2" destOrd="0" presId="urn:microsoft.com/office/officeart/2005/8/layout/orgChart1"/>
-    <dgm:cxn modelId="{FA358361-2796-CE4F-AAB4-DEAB6F6E2EB9}" type="presParOf" srcId="{0A630CD4-F36E-FC41-B8F9-3B263F71C01A}" destId="{E21FBAF6-DEA4-6546-B633-07F1F0BAFB90}" srcOrd="2" destOrd="0" presId="urn:microsoft.com/office/officeart/2005/8/layout/orgChart1"/>
-    <dgm:cxn modelId="{80AEA7BE-30CC-AF4D-8C57-F0051257EB6E}" type="presParOf" srcId="{432A6043-550F-C748-B14C-2E893546D27F}" destId="{DF37C078-244C-B24F-BD95-00F1A0CE5188}" srcOrd="2" destOrd="0" presId="urn:microsoft.com/office/officeart/2005/8/layout/orgChart1"/>
-    <dgm:cxn modelId="{2E0F050E-7BFB-C94F-BBCF-7ECD4479DC4A}" type="presParOf" srcId="{432A6043-550F-C748-B14C-2E893546D27F}" destId="{64360E83-9D49-9840-B326-0579FD913ED9}" srcOrd="3" destOrd="0" presId="urn:microsoft.com/office/officeart/2005/8/layout/orgChart1"/>
-    <dgm:cxn modelId="{061F0156-A6D7-424D-B48F-D4D691305C08}" type="presParOf" srcId="{64360E83-9D49-9840-B326-0579FD913ED9}" destId="{40AD0163-911B-7344-93FF-63A9432A0E4D}" srcOrd="0" destOrd="0" presId="urn:microsoft.com/office/officeart/2005/8/layout/orgChart1"/>
-    <dgm:cxn modelId="{ED9B2C56-E6EB-0C49-A702-2A3E550EA1E4}" type="presParOf" srcId="{40AD0163-911B-7344-93FF-63A9432A0E4D}" destId="{16FAA5BA-5629-0747-816D-E9060D4B0A47}" srcOrd="0" destOrd="0" presId="urn:microsoft.com/office/officeart/2005/8/layout/orgChart1"/>
-    <dgm:cxn modelId="{4D41B109-5603-0B47-B575-24940901FBF1}" type="presParOf" srcId="{40AD0163-911B-7344-93FF-63A9432A0E4D}" destId="{5A1DE1B5-FC5E-2E48-A111-55C1557AB385}" srcOrd="1" destOrd="0" presId="urn:microsoft.com/office/officeart/2005/8/layout/orgChart1"/>
-    <dgm:cxn modelId="{E19EF122-21CE-0F41-A42E-3AF545A6EFE0}" type="presParOf" srcId="{64360E83-9D49-9840-B326-0579FD913ED9}" destId="{6BB4E5C3-BDFC-B54C-8D4B-8DB2EB312BD1}" srcOrd="1" destOrd="0" presId="urn:microsoft.com/office/officeart/2005/8/layout/orgChart1"/>
-    <dgm:cxn modelId="{7B886454-8436-5A4A-9F61-418E6ABCFB71}" type="presParOf" srcId="{6BB4E5C3-BDFC-B54C-8D4B-8DB2EB312BD1}" destId="{1AA1AABD-A9FB-034F-9C59-6119DEC8A22D}" srcOrd="0" destOrd="0" presId="urn:microsoft.com/office/officeart/2005/8/layout/orgChart1"/>
-    <dgm:cxn modelId="{DF72D642-CEB5-724E-B17D-1079B23FBAAE}" type="presParOf" srcId="{6BB4E5C3-BDFC-B54C-8D4B-8DB2EB312BD1}" destId="{B82939D7-5142-5842-B117-C1EA04DF530B}" srcOrd="1" destOrd="0" presId="urn:microsoft.com/office/officeart/2005/8/layout/orgChart1"/>
-    <dgm:cxn modelId="{79EA8BF5-9089-F943-A0A1-A57350667403}" type="presParOf" srcId="{B82939D7-5142-5842-B117-C1EA04DF530B}" destId="{B3837C6F-D9F3-3448-9E5A-5C433682C39C}" srcOrd="0" destOrd="0" presId="urn:microsoft.com/office/officeart/2005/8/layout/orgChart1"/>
-    <dgm:cxn modelId="{01ECA752-C590-B449-B21C-EA5FC8CFCC34}" type="presParOf" srcId="{B3837C6F-D9F3-3448-9E5A-5C433682C39C}" destId="{0EA78171-C799-AB4B-AFEC-14A9AFE5ACA9}" srcOrd="0" destOrd="0" presId="urn:microsoft.com/office/officeart/2005/8/layout/orgChart1"/>
-    <dgm:cxn modelId="{A3E445C8-A9F2-684E-A168-66B48A72239E}" type="presParOf" srcId="{B3837C6F-D9F3-3448-9E5A-5C433682C39C}" destId="{221D7F76-5481-BA46-B8AF-B5FCBEFFFF3A}" srcOrd="1" destOrd="0" presId="urn:microsoft.com/office/officeart/2005/8/layout/orgChart1"/>
-    <dgm:cxn modelId="{799476C9-8C5E-484F-80A1-69C9D4BD6D6C}" type="presParOf" srcId="{B82939D7-5142-5842-B117-C1EA04DF530B}" destId="{0893D5BC-886E-AF41-8B27-C1459803F735}" srcOrd="1" destOrd="0" presId="urn:microsoft.com/office/officeart/2005/8/layout/orgChart1"/>
-    <dgm:cxn modelId="{CA532BEF-62DD-3B47-8C2C-43F64043AA5C}" type="presParOf" srcId="{B82939D7-5142-5842-B117-C1EA04DF530B}" destId="{6B6C7F53-3DA9-E240-8D9B-3685569982DC}" srcOrd="2" destOrd="0" presId="urn:microsoft.com/office/officeart/2005/8/layout/orgChart1"/>
-    <dgm:cxn modelId="{12F88C35-C9E5-9C48-915D-D3E5AFEF0CE5}" type="presParOf" srcId="{6BB4E5C3-BDFC-B54C-8D4B-8DB2EB312BD1}" destId="{28F0CEC8-D286-914E-B9FF-C3AECAAEFBA5}" srcOrd="2" destOrd="0" presId="urn:microsoft.com/office/officeart/2005/8/layout/orgChart1"/>
-    <dgm:cxn modelId="{9C7E65E8-922D-E643-8479-3015EDEBF69E}" type="presParOf" srcId="{6BB4E5C3-BDFC-B54C-8D4B-8DB2EB312BD1}" destId="{1EEF6B47-6DFF-9944-9599-52EA0D61A918}" srcOrd="3" destOrd="0" presId="urn:microsoft.com/office/officeart/2005/8/layout/orgChart1"/>
-    <dgm:cxn modelId="{4FA4E667-00F8-F847-B9DB-4B1C73CCF32E}" type="presParOf" srcId="{1EEF6B47-6DFF-9944-9599-52EA0D61A918}" destId="{BDE51BCB-2E14-F546-9268-AFBFC6247E96}" srcOrd="0" destOrd="0" presId="urn:microsoft.com/office/officeart/2005/8/layout/orgChart1"/>
-    <dgm:cxn modelId="{CCB45F88-BB45-B541-95EC-40315CD6BD37}" type="presParOf" srcId="{BDE51BCB-2E14-F546-9268-AFBFC6247E96}" destId="{183398DA-EF91-6849-9B4F-8C318453C08E}" srcOrd="0" destOrd="0" presId="urn:microsoft.com/office/officeart/2005/8/layout/orgChart1"/>
-    <dgm:cxn modelId="{6CB76FB1-D8FA-8843-BA6E-3F70C90CDBF6}" type="presParOf" srcId="{BDE51BCB-2E14-F546-9268-AFBFC6247E96}" destId="{7C3BD3DF-A67C-3E4B-B33B-1130AD86EF2A}" srcOrd="1" destOrd="0" presId="urn:microsoft.com/office/officeart/2005/8/layout/orgChart1"/>
-    <dgm:cxn modelId="{03E04603-F1C2-554D-9C9A-F22433B0AC30}" type="presParOf" srcId="{1EEF6B47-6DFF-9944-9599-52EA0D61A918}" destId="{5CEAE03D-93E5-C34F-935F-A2183CA3C6DB}" srcOrd="1" destOrd="0" presId="urn:microsoft.com/office/officeart/2005/8/layout/orgChart1"/>
-    <dgm:cxn modelId="{103F9202-E0E5-F240-AA94-8E71B7246B78}" type="presParOf" srcId="{1EEF6B47-6DFF-9944-9599-52EA0D61A918}" destId="{0B9AC7F6-7194-4442-801C-D2BAD39EA043}" srcOrd="2" destOrd="0" presId="urn:microsoft.com/office/officeart/2005/8/layout/orgChart1"/>
-    <dgm:cxn modelId="{D1DD5A9E-DC69-9942-8E7F-48DDACDF1F82}" type="presParOf" srcId="{6BB4E5C3-BDFC-B54C-8D4B-8DB2EB312BD1}" destId="{A7F73046-636D-5A44-81D2-9BD464EEAF9A}" srcOrd="4" destOrd="0" presId="urn:microsoft.com/office/officeart/2005/8/layout/orgChart1"/>
-    <dgm:cxn modelId="{E4056216-4DA1-7E47-B8A1-6449D62C50F4}" type="presParOf" srcId="{6BB4E5C3-BDFC-B54C-8D4B-8DB2EB312BD1}" destId="{F9BE95F7-BC17-5848-860C-B47459A23633}" srcOrd="5" destOrd="0" presId="urn:microsoft.com/office/officeart/2005/8/layout/orgChart1"/>
-    <dgm:cxn modelId="{58FBE2BC-7441-0347-B26E-79F84DE6FCA2}" type="presParOf" srcId="{F9BE95F7-BC17-5848-860C-B47459A23633}" destId="{C574ADF5-0590-9C49-B9CF-7676751409C7}" srcOrd="0" destOrd="0" presId="urn:microsoft.com/office/officeart/2005/8/layout/orgChart1"/>
-    <dgm:cxn modelId="{1C9BE893-657F-A847-BD41-0BD1A060079D}" type="presParOf" srcId="{C574ADF5-0590-9C49-B9CF-7676751409C7}" destId="{AE262B21-9D41-3245-AA83-3F088C761499}" srcOrd="0" destOrd="0" presId="urn:microsoft.com/office/officeart/2005/8/layout/orgChart1"/>
-    <dgm:cxn modelId="{DFBE999E-87E7-5D41-8AD9-BD4796141F66}" type="presParOf" srcId="{C574ADF5-0590-9C49-B9CF-7676751409C7}" destId="{DEFC4483-6635-D04D-AB8C-3DFE2495ACD1}" srcOrd="1" destOrd="0" presId="urn:microsoft.com/office/officeart/2005/8/layout/orgChart1"/>
-    <dgm:cxn modelId="{925E3F2E-F52F-4C4F-AF8C-8F57946931AF}" type="presParOf" srcId="{F9BE95F7-BC17-5848-860C-B47459A23633}" destId="{04C609B6-7123-C740-B88B-89C6AF7C5761}" srcOrd="1" destOrd="0" presId="urn:microsoft.com/office/officeart/2005/8/layout/orgChart1"/>
-    <dgm:cxn modelId="{31F79F57-0D9A-0249-904D-71F74223B535}" type="presParOf" srcId="{F9BE95F7-BC17-5848-860C-B47459A23633}" destId="{28BD1DE3-2965-0C4F-829F-EE407512FF6E}" srcOrd="2" destOrd="0" presId="urn:microsoft.com/office/officeart/2005/8/layout/orgChart1"/>
-    <dgm:cxn modelId="{28B9FC81-FCB8-CE42-BDF7-290B90FE180E}" type="presParOf" srcId="{6BB4E5C3-BDFC-B54C-8D4B-8DB2EB312BD1}" destId="{CD911A48-64B1-9A45-A0C5-F8E8E8EE1FD7}" srcOrd="6" destOrd="0" presId="urn:microsoft.com/office/officeart/2005/8/layout/orgChart1"/>
-    <dgm:cxn modelId="{9FC061B4-72C2-8C44-ABA5-35012776D4AF}" type="presParOf" srcId="{6BB4E5C3-BDFC-B54C-8D4B-8DB2EB312BD1}" destId="{DE0CB7E1-8E20-6E4C-8DB3-F55C13CF93C8}" srcOrd="7" destOrd="0" presId="urn:microsoft.com/office/officeart/2005/8/layout/orgChart1"/>
-    <dgm:cxn modelId="{F6F77F4F-B883-4246-87F2-138A18F26C81}" type="presParOf" srcId="{DE0CB7E1-8E20-6E4C-8DB3-F55C13CF93C8}" destId="{FC7310E3-C01C-1B40-A912-01CB5398C134}" srcOrd="0" destOrd="0" presId="urn:microsoft.com/office/officeart/2005/8/layout/orgChart1"/>
-    <dgm:cxn modelId="{DDB1BF27-4AFE-C644-8968-9D355E21A3C2}" type="presParOf" srcId="{FC7310E3-C01C-1B40-A912-01CB5398C134}" destId="{65044682-1F28-6F4C-9A56-685F852E4608}" srcOrd="0" destOrd="0" presId="urn:microsoft.com/office/officeart/2005/8/layout/orgChart1"/>
-    <dgm:cxn modelId="{97F534C0-99BC-7041-9081-D4BDD38F61E6}" type="presParOf" srcId="{FC7310E3-C01C-1B40-A912-01CB5398C134}" destId="{2D828B84-D27B-8A43-9142-CAE6492BE92F}" srcOrd="1" destOrd="0" presId="urn:microsoft.com/office/officeart/2005/8/layout/orgChart1"/>
-    <dgm:cxn modelId="{BF6D9FEB-6636-AB44-8D83-616D52069920}" type="presParOf" srcId="{DE0CB7E1-8E20-6E4C-8DB3-F55C13CF93C8}" destId="{C6D3EA2B-383F-144E-98A6-2D2E99423B59}" srcOrd="1" destOrd="0" presId="urn:microsoft.com/office/officeart/2005/8/layout/orgChart1"/>
-    <dgm:cxn modelId="{ACDE512A-51C7-A547-9385-2002D8B06F3D}" type="presParOf" srcId="{DE0CB7E1-8E20-6E4C-8DB3-F55C13CF93C8}" destId="{72C90F00-6630-F946-8DD1-E4D262A6DB67}" srcOrd="2" destOrd="0" presId="urn:microsoft.com/office/officeart/2005/8/layout/orgChart1"/>
-    <dgm:cxn modelId="{A6A9466D-FDA4-2E40-AC23-7103095ADE14}" type="presParOf" srcId="{6BB4E5C3-BDFC-B54C-8D4B-8DB2EB312BD1}" destId="{052E6EEA-9F62-7D48-8938-56B22931578F}" srcOrd="8" destOrd="0" presId="urn:microsoft.com/office/officeart/2005/8/layout/orgChart1"/>
-    <dgm:cxn modelId="{C63DF496-C50E-DB4A-85C7-8F296E80A1FE}" type="presParOf" srcId="{6BB4E5C3-BDFC-B54C-8D4B-8DB2EB312BD1}" destId="{F18E0D75-95BC-9649-B186-F2BB966A4496}" srcOrd="9" destOrd="0" presId="urn:microsoft.com/office/officeart/2005/8/layout/orgChart1"/>
-    <dgm:cxn modelId="{B67B0317-A77D-B647-B570-B04CA3A0E151}" type="presParOf" srcId="{F18E0D75-95BC-9649-B186-F2BB966A4496}" destId="{B096ED4C-91CE-E442-A446-4F4BAA31425D}" srcOrd="0" destOrd="0" presId="urn:microsoft.com/office/officeart/2005/8/layout/orgChart1"/>
-    <dgm:cxn modelId="{15BC278E-9E9B-1B4D-B0B9-AA0C94A82FE7}" type="presParOf" srcId="{B096ED4C-91CE-E442-A446-4F4BAA31425D}" destId="{0995C08A-5D82-954A-A733-41DB3EDB32FC}" srcOrd="0" destOrd="0" presId="urn:microsoft.com/office/officeart/2005/8/layout/orgChart1"/>
-    <dgm:cxn modelId="{A82C7E2F-3033-0C40-9C9E-508A9366725E}" type="presParOf" srcId="{B096ED4C-91CE-E442-A446-4F4BAA31425D}" destId="{84F6E821-DB2B-6E42-A6A1-AC5CA4FF1656}" srcOrd="1" destOrd="0" presId="urn:microsoft.com/office/officeart/2005/8/layout/orgChart1"/>
-    <dgm:cxn modelId="{ED3F9D48-D9DC-5A40-986A-8A7E5C5230FF}" type="presParOf" srcId="{F18E0D75-95BC-9649-B186-F2BB966A4496}" destId="{7F8C0503-011B-A64B-8506-35E34C2949ED}" srcOrd="1" destOrd="0" presId="urn:microsoft.com/office/officeart/2005/8/layout/orgChart1"/>
-    <dgm:cxn modelId="{2CAD5C24-8BBA-604A-989F-D41FBB1F60A5}" type="presParOf" srcId="{F18E0D75-95BC-9649-B186-F2BB966A4496}" destId="{DC7B15AF-C452-264A-9873-96B96FBFFEC8}" srcOrd="2" destOrd="0" presId="urn:microsoft.com/office/officeart/2005/8/layout/orgChart1"/>
-    <dgm:cxn modelId="{A196E305-A288-5940-970B-7500A5C14A37}" type="presParOf" srcId="{64360E83-9D49-9840-B326-0579FD913ED9}" destId="{51274282-5A07-584F-A08B-889F1DB7F0FA}" srcOrd="2" destOrd="0" presId="urn:microsoft.com/office/officeart/2005/8/layout/orgChart1"/>
-    <dgm:cxn modelId="{EE2BA2B0-43EF-F54C-ADA7-1F15634F59BD}" type="presParOf" srcId="{AEEBA512-9FA4-CE48-86BD-2D2570B86D2C}" destId="{8460FC1A-6518-E34A-ADD2-6840282E38DE}" srcOrd="2" destOrd="0" presId="urn:microsoft.com/office/officeart/2005/8/layout/orgChart1"/>
+    <dgm:cxn modelId="{1241A9ED-30D9-EC47-A7AA-700BFC475A08}" type="presOf" srcId="{8817CFF6-42FB-3940-9932-5D1377ED2958}" destId="{7C3BD3DF-A67C-3E4B-B33B-1130AD86EF2A}" srcOrd="1" destOrd="0" presId="urn:microsoft.com/office/officeart/2005/8/layout/orgChart1"/>
+    <dgm:cxn modelId="{54B568EE-5D56-AC46-99B5-D87E44F9435A}" type="presOf" srcId="{E88F7A02-2F7B-8042-AA4F-F9CBDD4D03C3}" destId="{F1515D7B-5DD4-864B-9574-62AFB73F5B6F}" srcOrd="0" destOrd="0" presId="urn:microsoft.com/office/officeart/2005/8/layout/orgChart1"/>
+    <dgm:cxn modelId="{6EA044F2-4F3F-4A49-91E9-864504D81C09}" srcId="{1B4BD5F3-4957-E74F-8ADC-DBA70B3CAC8F}" destId="{8D165ADE-DC09-9B41-91B6-416A9697699A}" srcOrd="0" destOrd="0" parTransId="{04DF8E93-ACCC-664C-A4E7-D7C2B2D7917E}" sibTransId="{043BAD26-2654-CF4A-AF31-9CC222E41E27}"/>
+    <dgm:cxn modelId="{668A01F3-E300-0141-AB88-7C2B5FD0B1A5}" type="presOf" srcId="{7227067A-BA46-F849-8716-3EB41346DB55}" destId="{0F5B204C-C44F-4642-965A-6EFC712B54D9}" srcOrd="0" destOrd="0" presId="urn:microsoft.com/office/officeart/2005/8/layout/orgChart1"/>
+    <dgm:cxn modelId="{61D2AFF5-4D21-964D-93F1-A820C6F8FF16}" type="presOf" srcId="{1419F0E6-6B7A-1548-BFD0-F3F411828659}" destId="{D4FCB0AE-9F1D-E248-AC58-FAA8077D7A4B}" srcOrd="0" destOrd="0" presId="urn:microsoft.com/office/officeart/2005/8/layout/orgChart1"/>
+    <dgm:cxn modelId="{40347EF6-6273-A748-A029-652BF7B300B5}" srcId="{E242A800-866C-7848-BF11-0BEB485C9930}" destId="{097ABB0C-32DF-334E-B15E-D6B51ED1FA3F}" srcOrd="1" destOrd="0" parTransId="{CE131144-CC07-7A4F-B295-A61CF5D5A161}" sibTransId="{084C9821-6A24-5C4E-BEDA-10D0079CA0CF}"/>
+    <dgm:cxn modelId="{73029AFB-AB53-B945-881F-F106043DE86C}" type="presOf" srcId="{175CB2EF-271B-3041-A3D2-5D150D2A22DB}" destId="{16FAA5BA-5629-0747-816D-E9060D4B0A47}" srcOrd="0" destOrd="0" presId="urn:microsoft.com/office/officeart/2005/8/layout/orgChart1"/>
+    <dgm:cxn modelId="{F54A88FD-45FB-E74C-B225-A727606ACD12}" type="presOf" srcId="{620C09DF-4A03-7C40-B6F2-C02A927F5EEF}" destId="{0995C08A-5D82-954A-A733-41DB3EDB32FC}" srcOrd="0" destOrd="0" presId="urn:microsoft.com/office/officeart/2005/8/layout/orgChart1"/>
+    <dgm:cxn modelId="{5FAF458B-ED30-AD48-B9BD-8D17E45D19D4}" type="presParOf" srcId="{543CA4AF-583A-184C-A340-782A2AC2FFCC}" destId="{AEEBA512-9FA4-CE48-86BD-2D2570B86D2C}" srcOrd="0" destOrd="0" presId="urn:microsoft.com/office/officeart/2005/8/layout/orgChart1"/>
+    <dgm:cxn modelId="{F016CF64-6DC4-994F-84E0-112C902B376E}" type="presParOf" srcId="{AEEBA512-9FA4-CE48-86BD-2D2570B86D2C}" destId="{497F06CE-76C9-7D44-A4DD-095833B9D89E}" srcOrd="0" destOrd="0" presId="urn:microsoft.com/office/officeart/2005/8/layout/orgChart1"/>
+    <dgm:cxn modelId="{DA45BCB4-FF16-A94F-924C-E5452457C0C2}" type="presParOf" srcId="{497F06CE-76C9-7D44-A4DD-095833B9D89E}" destId="{7236530C-031F-A646-B765-238BFD85EAD9}" srcOrd="0" destOrd="0" presId="urn:microsoft.com/office/officeart/2005/8/layout/orgChart1"/>
+    <dgm:cxn modelId="{10E6EC56-FD7E-544B-A8E5-F9A3B24CFB42}" type="presParOf" srcId="{497F06CE-76C9-7D44-A4DD-095833B9D89E}" destId="{EDA184A5-5C2F-D844-92F0-E6C4A922169F}" srcOrd="1" destOrd="0" presId="urn:microsoft.com/office/officeart/2005/8/layout/orgChart1"/>
+    <dgm:cxn modelId="{26634FF5-494D-CB43-AA67-F28B1856204F}" type="presParOf" srcId="{AEEBA512-9FA4-CE48-86BD-2D2570B86D2C}" destId="{432A6043-550F-C748-B14C-2E893546D27F}" srcOrd="1" destOrd="0" presId="urn:microsoft.com/office/officeart/2005/8/layout/orgChart1"/>
+    <dgm:cxn modelId="{F8B5DBEA-B35B-1444-AB56-B5DA17E6D3B2}" type="presParOf" srcId="{432A6043-550F-C748-B14C-2E893546D27F}" destId="{DF37C078-244C-B24F-BD95-00F1A0CE5188}" srcOrd="0" destOrd="0" presId="urn:microsoft.com/office/officeart/2005/8/layout/orgChart1"/>
+    <dgm:cxn modelId="{F568BF11-962C-5C42-B477-8C5107939B55}" type="presParOf" srcId="{432A6043-550F-C748-B14C-2E893546D27F}" destId="{64360E83-9D49-9840-B326-0579FD913ED9}" srcOrd="1" destOrd="0" presId="urn:microsoft.com/office/officeart/2005/8/layout/orgChart1"/>
+    <dgm:cxn modelId="{87C561AD-DBB6-DB4C-8A5E-F5B78B6B6A0D}" type="presParOf" srcId="{64360E83-9D49-9840-B326-0579FD913ED9}" destId="{40AD0163-911B-7344-93FF-63A9432A0E4D}" srcOrd="0" destOrd="0" presId="urn:microsoft.com/office/officeart/2005/8/layout/orgChart1"/>
+    <dgm:cxn modelId="{E91AAB39-EE4A-394F-BFC7-1BBB2B014BCF}" type="presParOf" srcId="{40AD0163-911B-7344-93FF-63A9432A0E4D}" destId="{16FAA5BA-5629-0747-816D-E9060D4B0A47}" srcOrd="0" destOrd="0" presId="urn:microsoft.com/office/officeart/2005/8/layout/orgChart1"/>
+    <dgm:cxn modelId="{8CD67B14-5866-CA4F-8C8D-85A207F4F0E0}" type="presParOf" srcId="{40AD0163-911B-7344-93FF-63A9432A0E4D}" destId="{5A1DE1B5-FC5E-2E48-A111-55C1557AB385}" srcOrd="1" destOrd="0" presId="urn:microsoft.com/office/officeart/2005/8/layout/orgChart1"/>
+    <dgm:cxn modelId="{CD429CCE-DF63-3F41-9E12-BA9EEA5407E9}" type="presParOf" srcId="{64360E83-9D49-9840-B326-0579FD913ED9}" destId="{6BB4E5C3-BDFC-B54C-8D4B-8DB2EB312BD1}" srcOrd="1" destOrd="0" presId="urn:microsoft.com/office/officeart/2005/8/layout/orgChart1"/>
+    <dgm:cxn modelId="{FE172156-9A44-B84F-A44E-A6D35D4E3123}" type="presParOf" srcId="{6BB4E5C3-BDFC-B54C-8D4B-8DB2EB312BD1}" destId="{1AA1AABD-A9FB-034F-9C59-6119DEC8A22D}" srcOrd="0" destOrd="0" presId="urn:microsoft.com/office/officeart/2005/8/layout/orgChart1"/>
+    <dgm:cxn modelId="{D820E02D-3FFB-3B41-934B-AE1CD1D2EB6F}" type="presParOf" srcId="{6BB4E5C3-BDFC-B54C-8D4B-8DB2EB312BD1}" destId="{B82939D7-5142-5842-B117-C1EA04DF530B}" srcOrd="1" destOrd="0" presId="urn:microsoft.com/office/officeart/2005/8/layout/orgChart1"/>
+    <dgm:cxn modelId="{62667EB3-9DAB-AD46-A6B4-3E5F337CD4E8}" type="presParOf" srcId="{B82939D7-5142-5842-B117-C1EA04DF530B}" destId="{B3837C6F-D9F3-3448-9E5A-5C433682C39C}" srcOrd="0" destOrd="0" presId="urn:microsoft.com/office/officeart/2005/8/layout/orgChart1"/>
+    <dgm:cxn modelId="{1E310CB9-5F36-E044-A90D-A8CC2154871E}" type="presParOf" srcId="{B3837C6F-D9F3-3448-9E5A-5C433682C39C}" destId="{0EA78171-C799-AB4B-AFEC-14A9AFE5ACA9}" srcOrd="0" destOrd="0" presId="urn:microsoft.com/office/officeart/2005/8/layout/orgChart1"/>
+    <dgm:cxn modelId="{6423B70B-F9B0-A34C-9643-9878633F09A8}" type="presParOf" srcId="{B3837C6F-D9F3-3448-9E5A-5C433682C39C}" destId="{221D7F76-5481-BA46-B8AF-B5FCBEFFFF3A}" srcOrd="1" destOrd="0" presId="urn:microsoft.com/office/officeart/2005/8/layout/orgChart1"/>
+    <dgm:cxn modelId="{629A7395-7880-E14F-9194-09C123B1BEAC}" type="presParOf" srcId="{B82939D7-5142-5842-B117-C1EA04DF530B}" destId="{0893D5BC-886E-AF41-8B27-C1459803F735}" srcOrd="1" destOrd="0" presId="urn:microsoft.com/office/officeart/2005/8/layout/orgChart1"/>
+    <dgm:cxn modelId="{3A1DA0E8-28CA-EE4F-B54B-F25400CE3E89}" type="presParOf" srcId="{B82939D7-5142-5842-B117-C1EA04DF530B}" destId="{6B6C7F53-3DA9-E240-8D9B-3685569982DC}" srcOrd="2" destOrd="0" presId="urn:microsoft.com/office/officeart/2005/8/layout/orgChart1"/>
+    <dgm:cxn modelId="{5D7A6EEB-1140-2945-B049-DEEEA219C799}" type="presParOf" srcId="{6BB4E5C3-BDFC-B54C-8D4B-8DB2EB312BD1}" destId="{28F0CEC8-D286-914E-B9FF-C3AECAAEFBA5}" srcOrd="2" destOrd="0" presId="urn:microsoft.com/office/officeart/2005/8/layout/orgChart1"/>
+    <dgm:cxn modelId="{55043FE9-FFCA-6D42-8B0C-2E0AC6AC7F46}" type="presParOf" srcId="{6BB4E5C3-BDFC-B54C-8D4B-8DB2EB312BD1}" destId="{1EEF6B47-6DFF-9944-9599-52EA0D61A918}" srcOrd="3" destOrd="0" presId="urn:microsoft.com/office/officeart/2005/8/layout/orgChart1"/>
+    <dgm:cxn modelId="{FB45D77C-A04E-BC45-A8F0-E23935800E38}" type="presParOf" srcId="{1EEF6B47-6DFF-9944-9599-52EA0D61A918}" destId="{BDE51BCB-2E14-F546-9268-AFBFC6247E96}" srcOrd="0" destOrd="0" presId="urn:microsoft.com/office/officeart/2005/8/layout/orgChart1"/>
+    <dgm:cxn modelId="{2EDA43AD-CEB1-554A-A3F2-BDBCBFFB1562}" type="presParOf" srcId="{BDE51BCB-2E14-F546-9268-AFBFC6247E96}" destId="{183398DA-EF91-6849-9B4F-8C318453C08E}" srcOrd="0" destOrd="0" presId="urn:microsoft.com/office/officeart/2005/8/layout/orgChart1"/>
+    <dgm:cxn modelId="{69A8A75E-8CCB-8E4D-A379-29A7486F88B3}" type="presParOf" srcId="{BDE51BCB-2E14-F546-9268-AFBFC6247E96}" destId="{7C3BD3DF-A67C-3E4B-B33B-1130AD86EF2A}" srcOrd="1" destOrd="0" presId="urn:microsoft.com/office/officeart/2005/8/layout/orgChart1"/>
+    <dgm:cxn modelId="{5BCD77A5-941B-E643-86BD-E40FCC78A616}" type="presParOf" srcId="{1EEF6B47-6DFF-9944-9599-52EA0D61A918}" destId="{5CEAE03D-93E5-C34F-935F-A2183CA3C6DB}" srcOrd="1" destOrd="0" presId="urn:microsoft.com/office/officeart/2005/8/layout/orgChart1"/>
+    <dgm:cxn modelId="{5D72C120-8E29-1241-AFAC-4D75AA4FB6E8}" type="presParOf" srcId="{1EEF6B47-6DFF-9944-9599-52EA0D61A918}" destId="{0B9AC7F6-7194-4442-801C-D2BAD39EA043}" srcOrd="2" destOrd="0" presId="urn:microsoft.com/office/officeart/2005/8/layout/orgChart1"/>
+    <dgm:cxn modelId="{1758B7EE-0243-BC49-90DD-E0A200DBC74D}" type="presParOf" srcId="{6BB4E5C3-BDFC-B54C-8D4B-8DB2EB312BD1}" destId="{A7F73046-636D-5A44-81D2-9BD464EEAF9A}" srcOrd="4" destOrd="0" presId="urn:microsoft.com/office/officeart/2005/8/layout/orgChart1"/>
+    <dgm:cxn modelId="{C658CA15-0188-5440-A762-C443FC1A3ADE}" type="presParOf" srcId="{6BB4E5C3-BDFC-B54C-8D4B-8DB2EB312BD1}" destId="{F9BE95F7-BC17-5848-860C-B47459A23633}" srcOrd="5" destOrd="0" presId="urn:microsoft.com/office/officeart/2005/8/layout/orgChart1"/>
+    <dgm:cxn modelId="{BCC489F3-1E42-4246-B888-A5F0D025CAAF}" type="presParOf" srcId="{F9BE95F7-BC17-5848-860C-B47459A23633}" destId="{C574ADF5-0590-9C49-B9CF-7676751409C7}" srcOrd="0" destOrd="0" presId="urn:microsoft.com/office/officeart/2005/8/layout/orgChart1"/>
+    <dgm:cxn modelId="{7AB5FEF6-7C71-A747-BA91-A19D021B702F}" type="presParOf" srcId="{C574ADF5-0590-9C49-B9CF-7676751409C7}" destId="{AE262B21-9D41-3245-AA83-3F088C761499}" srcOrd="0" destOrd="0" presId="urn:microsoft.com/office/officeart/2005/8/layout/orgChart1"/>
+    <dgm:cxn modelId="{DB9FB5B3-F099-804E-99B9-C0FA1A007A8C}" type="presParOf" srcId="{C574ADF5-0590-9C49-B9CF-7676751409C7}" destId="{DEFC4483-6635-D04D-AB8C-3DFE2495ACD1}" srcOrd="1" destOrd="0" presId="urn:microsoft.com/office/officeart/2005/8/layout/orgChart1"/>
+    <dgm:cxn modelId="{CBE89B7B-42DB-B548-A941-B14AD8326900}" type="presParOf" srcId="{F9BE95F7-BC17-5848-860C-B47459A23633}" destId="{04C609B6-7123-C740-B88B-89C6AF7C5761}" srcOrd="1" destOrd="0" presId="urn:microsoft.com/office/officeart/2005/8/layout/orgChart1"/>
+    <dgm:cxn modelId="{4DDAB638-847E-2848-80EC-B0D4B4FD244F}" type="presParOf" srcId="{F9BE95F7-BC17-5848-860C-B47459A23633}" destId="{28BD1DE3-2965-0C4F-829F-EE407512FF6E}" srcOrd="2" destOrd="0" presId="urn:microsoft.com/office/officeart/2005/8/layout/orgChart1"/>
+    <dgm:cxn modelId="{0F9ACC3F-1C44-E44E-A138-D95E129AAA92}" type="presParOf" srcId="{6BB4E5C3-BDFC-B54C-8D4B-8DB2EB312BD1}" destId="{CD911A48-64B1-9A45-A0C5-F8E8E8EE1FD7}" srcOrd="6" destOrd="0" presId="urn:microsoft.com/office/officeart/2005/8/layout/orgChart1"/>
+    <dgm:cxn modelId="{7C98479E-7A58-484F-AC9A-700ADEF71C0A}" type="presParOf" srcId="{6BB4E5C3-BDFC-B54C-8D4B-8DB2EB312BD1}" destId="{DE0CB7E1-8E20-6E4C-8DB3-F55C13CF93C8}" srcOrd="7" destOrd="0" presId="urn:microsoft.com/office/officeart/2005/8/layout/orgChart1"/>
+    <dgm:cxn modelId="{D7E7C268-8A6B-754F-8D8A-DF4AD9924FFD}" type="presParOf" srcId="{DE0CB7E1-8E20-6E4C-8DB3-F55C13CF93C8}" destId="{FC7310E3-C01C-1B40-A912-01CB5398C134}" srcOrd="0" destOrd="0" presId="urn:microsoft.com/office/officeart/2005/8/layout/orgChart1"/>
+    <dgm:cxn modelId="{F566D602-B9E1-9F45-8BC1-E38014C5E472}" type="presParOf" srcId="{FC7310E3-C01C-1B40-A912-01CB5398C134}" destId="{65044682-1F28-6F4C-9A56-685F852E4608}" srcOrd="0" destOrd="0" presId="urn:microsoft.com/office/officeart/2005/8/layout/orgChart1"/>
+    <dgm:cxn modelId="{A6B7826C-D924-BA41-9AEA-07D71498E7F6}" type="presParOf" srcId="{FC7310E3-C01C-1B40-A912-01CB5398C134}" destId="{2D828B84-D27B-8A43-9142-CAE6492BE92F}" srcOrd="1" destOrd="0" presId="urn:microsoft.com/office/officeart/2005/8/layout/orgChart1"/>
+    <dgm:cxn modelId="{7A78D6DB-421A-204C-88BE-0B734BD77F18}" type="presParOf" srcId="{DE0CB7E1-8E20-6E4C-8DB3-F55C13CF93C8}" destId="{C6D3EA2B-383F-144E-98A6-2D2E99423B59}" srcOrd="1" destOrd="0" presId="urn:microsoft.com/office/officeart/2005/8/layout/orgChart1"/>
+    <dgm:cxn modelId="{EFDF6A0F-AF0B-0542-AB62-461622160612}" type="presParOf" srcId="{DE0CB7E1-8E20-6E4C-8DB3-F55C13CF93C8}" destId="{72C90F00-6630-F946-8DD1-E4D262A6DB67}" srcOrd="2" destOrd="0" presId="urn:microsoft.com/office/officeart/2005/8/layout/orgChart1"/>
+    <dgm:cxn modelId="{12DB9657-8029-1342-B9DB-AA8001258708}" type="presParOf" srcId="{6BB4E5C3-BDFC-B54C-8D4B-8DB2EB312BD1}" destId="{052E6EEA-9F62-7D48-8938-56B22931578F}" srcOrd="8" destOrd="0" presId="urn:microsoft.com/office/officeart/2005/8/layout/orgChart1"/>
+    <dgm:cxn modelId="{687F3674-893C-0C44-90C6-EF731032EB7A}" type="presParOf" srcId="{6BB4E5C3-BDFC-B54C-8D4B-8DB2EB312BD1}" destId="{F18E0D75-95BC-9649-B186-F2BB966A4496}" srcOrd="9" destOrd="0" presId="urn:microsoft.com/office/officeart/2005/8/layout/orgChart1"/>
+    <dgm:cxn modelId="{E1C19620-EADB-264E-973C-6ED602222401}" type="presParOf" srcId="{F18E0D75-95BC-9649-B186-F2BB966A4496}" destId="{B096ED4C-91CE-E442-A446-4F4BAA31425D}" srcOrd="0" destOrd="0" presId="urn:microsoft.com/office/officeart/2005/8/layout/orgChart1"/>
+    <dgm:cxn modelId="{8914B8F2-5E52-864B-A8C0-6D6A1FBE59C8}" type="presParOf" srcId="{B096ED4C-91CE-E442-A446-4F4BAA31425D}" destId="{0995C08A-5D82-954A-A733-41DB3EDB32FC}" srcOrd="0" destOrd="0" presId="urn:microsoft.com/office/officeart/2005/8/layout/orgChart1"/>
+    <dgm:cxn modelId="{6F28FDA5-A608-8747-B401-519E7CB5F32E}" type="presParOf" srcId="{B096ED4C-91CE-E442-A446-4F4BAA31425D}" destId="{84F6E821-DB2B-6E42-A6A1-AC5CA4FF1656}" srcOrd="1" destOrd="0" presId="urn:microsoft.com/office/officeart/2005/8/layout/orgChart1"/>
+    <dgm:cxn modelId="{CC442838-D1DC-FC43-BD73-86C7161778C3}" type="presParOf" srcId="{F18E0D75-95BC-9649-B186-F2BB966A4496}" destId="{7F8C0503-011B-A64B-8506-35E34C2949ED}" srcOrd="1" destOrd="0" presId="urn:microsoft.com/office/officeart/2005/8/layout/orgChart1"/>
+    <dgm:cxn modelId="{C19CD0E4-493A-F045-AE62-F037196ACEBF}" type="presParOf" srcId="{F18E0D75-95BC-9649-B186-F2BB966A4496}" destId="{DC7B15AF-C452-264A-9873-96B96FBFFEC8}" srcOrd="2" destOrd="0" presId="urn:microsoft.com/office/officeart/2005/8/layout/orgChart1"/>
+    <dgm:cxn modelId="{339AEA90-7637-1248-8F28-1DD77C18A307}" type="presParOf" srcId="{64360E83-9D49-9840-B326-0579FD913ED9}" destId="{51274282-5A07-584F-A08B-889F1DB7F0FA}" srcOrd="2" destOrd="0" presId="urn:microsoft.com/office/officeart/2005/8/layout/orgChart1"/>
+    <dgm:cxn modelId="{9243D701-B5EE-8C42-AD6C-7B4ED3563A9D}" type="presParOf" srcId="{432A6043-550F-C748-B14C-2E893546D27F}" destId="{883F1820-B7A9-8F4F-94CA-DBB8F4B79172}" srcOrd="2" destOrd="0" presId="urn:microsoft.com/office/officeart/2005/8/layout/orgChart1"/>
+    <dgm:cxn modelId="{3B46E436-4220-DF47-B3E2-415BA4023310}" type="presParOf" srcId="{432A6043-550F-C748-B14C-2E893546D27F}" destId="{0A630CD4-F36E-FC41-B8F9-3B263F71C01A}" srcOrd="3" destOrd="0" presId="urn:microsoft.com/office/officeart/2005/8/layout/orgChart1"/>
+    <dgm:cxn modelId="{A2BD545E-7648-674C-9663-BC2CD9F81B28}" type="presParOf" srcId="{0A630CD4-F36E-FC41-B8F9-3B263F71C01A}" destId="{DCD21D18-50EE-2541-92A4-02EF0C9D5157}" srcOrd="0" destOrd="0" presId="urn:microsoft.com/office/officeart/2005/8/layout/orgChart1"/>
+    <dgm:cxn modelId="{EE050DAA-445B-E54F-AFF9-342F649447D0}" type="presParOf" srcId="{DCD21D18-50EE-2541-92A4-02EF0C9D5157}" destId="{C63C7FD8-4C0C-9847-ACFF-47F5FFC243E0}" srcOrd="0" destOrd="0" presId="urn:microsoft.com/office/officeart/2005/8/layout/orgChart1"/>
+    <dgm:cxn modelId="{20A3CDBD-863C-114A-A1D6-08986CB90CDA}" type="presParOf" srcId="{DCD21D18-50EE-2541-92A4-02EF0C9D5157}" destId="{05DA74A9-7A3F-A14B-BC51-B3BAE1CD534A}" srcOrd="1" destOrd="0" presId="urn:microsoft.com/office/officeart/2005/8/layout/orgChart1"/>
+    <dgm:cxn modelId="{D73BBDD2-795F-E345-A8B7-87E92AEF6198}" type="presParOf" srcId="{0A630CD4-F36E-FC41-B8F9-3B263F71C01A}" destId="{53663856-EE64-BB40-B942-2E04BA86C2B0}" srcOrd="1" destOrd="0" presId="urn:microsoft.com/office/officeart/2005/8/layout/orgChart1"/>
+    <dgm:cxn modelId="{F9B08A23-C231-0F40-A664-14F6A3828194}" type="presParOf" srcId="{53663856-EE64-BB40-B942-2E04BA86C2B0}" destId="{F9C6C315-1F37-7046-ACC1-3DD470954181}" srcOrd="0" destOrd="0" presId="urn:microsoft.com/office/officeart/2005/8/layout/orgChart1"/>
+    <dgm:cxn modelId="{25800141-7740-C14B-A5B4-58153FCD8CC0}" type="presParOf" srcId="{53663856-EE64-BB40-B942-2E04BA86C2B0}" destId="{0F62957D-46FE-AE41-BA2D-2C1993EDF539}" srcOrd="1" destOrd="0" presId="urn:microsoft.com/office/officeart/2005/8/layout/orgChart1"/>
+    <dgm:cxn modelId="{1D7FF7ED-5C95-9D4C-A754-B2861B0BB432}" type="presParOf" srcId="{0F62957D-46FE-AE41-BA2D-2C1993EDF539}" destId="{1DB2E54E-E135-E845-A27B-55DDDB15E8ED}" srcOrd="0" destOrd="0" presId="urn:microsoft.com/office/officeart/2005/8/layout/orgChart1"/>
+    <dgm:cxn modelId="{270BD0DA-9488-5D4E-ADDA-3AAC8E15029D}" type="presParOf" srcId="{1DB2E54E-E135-E845-A27B-55DDDB15E8ED}" destId="{37D27F89-E199-EF44-BC0F-394F022C3C2B}" srcOrd="0" destOrd="0" presId="urn:microsoft.com/office/officeart/2005/8/layout/orgChart1"/>
+    <dgm:cxn modelId="{9A7C4031-E689-BE43-8BB0-6620C63E2DA4}" type="presParOf" srcId="{1DB2E54E-E135-E845-A27B-55DDDB15E8ED}" destId="{20D606F3-C323-104F-ACF0-C665430DE0D6}" srcOrd="1" destOrd="0" presId="urn:microsoft.com/office/officeart/2005/8/layout/orgChart1"/>
+    <dgm:cxn modelId="{F39689F6-3FCD-374D-937E-2A7FF62E8764}" type="presParOf" srcId="{0F62957D-46FE-AE41-BA2D-2C1993EDF539}" destId="{EE513D31-218E-3249-A30C-7C2B67B3FD3D}" srcOrd="1" destOrd="0" presId="urn:microsoft.com/office/officeart/2005/8/layout/orgChart1"/>
+    <dgm:cxn modelId="{A75B3AE3-3F9F-D246-BCF7-F86D9C08B1A7}" type="presParOf" srcId="{0F62957D-46FE-AE41-BA2D-2C1993EDF539}" destId="{519525A0-9EB3-F24F-BF71-B5C2763AAAEF}" srcOrd="2" destOrd="0" presId="urn:microsoft.com/office/officeart/2005/8/layout/orgChart1"/>
+    <dgm:cxn modelId="{D1FA0E29-9AC8-734B-8103-AEE3BA0E64B1}" type="presParOf" srcId="{53663856-EE64-BB40-B942-2E04BA86C2B0}" destId="{0F5B204C-C44F-4642-965A-6EFC712B54D9}" srcOrd="2" destOrd="0" presId="urn:microsoft.com/office/officeart/2005/8/layout/orgChart1"/>
+    <dgm:cxn modelId="{134B82AD-0624-5B49-B790-B7BA5FA3A176}" type="presParOf" srcId="{53663856-EE64-BB40-B942-2E04BA86C2B0}" destId="{3D9F6A61-DE66-644B-97E9-D0344A4E783D}" srcOrd="3" destOrd="0" presId="urn:microsoft.com/office/officeart/2005/8/layout/orgChart1"/>
+    <dgm:cxn modelId="{E48777A1-26D7-D749-AA85-7B479929E2D6}" type="presParOf" srcId="{3D9F6A61-DE66-644B-97E9-D0344A4E783D}" destId="{CFB0FBF5-5141-414E-9DA0-BA5EB661B851}" srcOrd="0" destOrd="0" presId="urn:microsoft.com/office/officeart/2005/8/layout/orgChart1"/>
+    <dgm:cxn modelId="{435E0858-B9FB-B141-9434-0AF736634865}" type="presParOf" srcId="{CFB0FBF5-5141-414E-9DA0-BA5EB661B851}" destId="{EB464B47-F91C-CA45-937C-E0D8FAC578A6}" srcOrd="0" destOrd="0" presId="urn:microsoft.com/office/officeart/2005/8/layout/orgChart1"/>
+    <dgm:cxn modelId="{EAB803C7-3BF3-A34A-BC6A-F2E6D2B449B7}" type="presParOf" srcId="{CFB0FBF5-5141-414E-9DA0-BA5EB661B851}" destId="{78BD7D2D-8C67-474F-AE9A-6DDB957D4A9D}" srcOrd="1" destOrd="0" presId="urn:microsoft.com/office/officeart/2005/8/layout/orgChart1"/>
+    <dgm:cxn modelId="{14B45872-778D-084D-BABB-34CC761264CB}" type="presParOf" srcId="{3D9F6A61-DE66-644B-97E9-D0344A4E783D}" destId="{5EB3550B-47B2-5A44-9060-8F2582D25B50}" srcOrd="1" destOrd="0" presId="urn:microsoft.com/office/officeart/2005/8/layout/orgChart1"/>
+    <dgm:cxn modelId="{C27C7EA0-A027-B84C-8E67-FC248D4BCD1E}" type="presParOf" srcId="{3D9F6A61-DE66-644B-97E9-D0344A4E783D}" destId="{8E05153C-EC66-E345-A05B-7D4735DDC0C7}" srcOrd="2" destOrd="0" presId="urn:microsoft.com/office/officeart/2005/8/layout/orgChart1"/>
+    <dgm:cxn modelId="{591C8A3A-DFCC-AA49-AF27-24770664A413}" type="presParOf" srcId="{53663856-EE64-BB40-B942-2E04BA86C2B0}" destId="{A2782A32-7328-5346-B835-8B6879245F49}" srcOrd="4" destOrd="0" presId="urn:microsoft.com/office/officeart/2005/8/layout/orgChart1"/>
+    <dgm:cxn modelId="{BDB2DD46-CBAA-064E-8FE2-0BD47D309392}" type="presParOf" srcId="{53663856-EE64-BB40-B942-2E04BA86C2B0}" destId="{D3BF9476-9BCB-D244-BCB1-0471CA2B690A}" srcOrd="5" destOrd="0" presId="urn:microsoft.com/office/officeart/2005/8/layout/orgChart1"/>
+    <dgm:cxn modelId="{D56D45D1-7D44-0140-8D52-576096849F83}" type="presParOf" srcId="{D3BF9476-9BCB-D244-BCB1-0471CA2B690A}" destId="{2E8E8C4A-AE5A-A14E-8ADB-30CA0DCE4AB3}" srcOrd="0" destOrd="0" presId="urn:microsoft.com/office/officeart/2005/8/layout/orgChart1"/>
+    <dgm:cxn modelId="{2B6DCC40-1104-0D4F-8DA2-1625D375B27A}" type="presParOf" srcId="{2E8E8C4A-AE5A-A14E-8ADB-30CA0DCE4AB3}" destId="{D4FCB0AE-9F1D-E248-AC58-FAA8077D7A4B}" srcOrd="0" destOrd="0" presId="urn:microsoft.com/office/officeart/2005/8/layout/orgChart1"/>
+    <dgm:cxn modelId="{91CA375F-D162-C24F-AB4F-B10DD13C41FA}" type="presParOf" srcId="{2E8E8C4A-AE5A-A14E-8ADB-30CA0DCE4AB3}" destId="{935E4407-12D8-4F47-9C32-F34F51494898}" srcOrd="1" destOrd="0" presId="urn:microsoft.com/office/officeart/2005/8/layout/orgChart1"/>
+    <dgm:cxn modelId="{600AB693-2BEE-7349-B903-296EDADC0877}" type="presParOf" srcId="{D3BF9476-9BCB-D244-BCB1-0471CA2B690A}" destId="{4E801BE9-CBD3-5049-9CAF-AF6167105155}" srcOrd="1" destOrd="0" presId="urn:microsoft.com/office/officeart/2005/8/layout/orgChart1"/>
+    <dgm:cxn modelId="{85DD8E51-9F15-194A-B653-A360CCC42F9A}" type="presParOf" srcId="{D3BF9476-9BCB-D244-BCB1-0471CA2B690A}" destId="{48B3E264-195F-A546-B6CD-0DE6BB2479FF}" srcOrd="2" destOrd="0" presId="urn:microsoft.com/office/officeart/2005/8/layout/orgChart1"/>
+    <dgm:cxn modelId="{6D4F2DBC-0390-684F-956D-2F021C08FE10}" type="presParOf" srcId="{53663856-EE64-BB40-B942-2E04BA86C2B0}" destId="{C1B6EDB7-D720-2644-8C07-4147BC4ACD93}" srcOrd="6" destOrd="0" presId="urn:microsoft.com/office/officeart/2005/8/layout/orgChart1"/>
+    <dgm:cxn modelId="{E95066E1-F8E5-C64E-9632-CFA61EDD8C70}" type="presParOf" srcId="{53663856-EE64-BB40-B942-2E04BA86C2B0}" destId="{C2A39503-DB05-2542-AFA3-37780D496010}" srcOrd="7" destOrd="0" presId="urn:microsoft.com/office/officeart/2005/8/layout/orgChart1"/>
+    <dgm:cxn modelId="{3A2A2689-8415-3742-8EEE-32CA7D173D73}" type="presParOf" srcId="{C2A39503-DB05-2542-AFA3-37780D496010}" destId="{5982FD71-E182-7748-8224-46821B0F3617}" srcOrd="0" destOrd="0" presId="urn:microsoft.com/office/officeart/2005/8/layout/orgChart1"/>
+    <dgm:cxn modelId="{60E3280B-CD58-B94A-AEC2-67061F73AEAF}" type="presParOf" srcId="{5982FD71-E182-7748-8224-46821B0F3617}" destId="{28100B96-B724-C145-B80B-822CE678A450}" srcOrd="0" destOrd="0" presId="urn:microsoft.com/office/officeart/2005/8/layout/orgChart1"/>
+    <dgm:cxn modelId="{5DDE2960-D83A-B240-8ECB-57905271CF43}" type="presParOf" srcId="{5982FD71-E182-7748-8224-46821B0F3617}" destId="{0F2C3DB6-43FE-FA48-81AD-1E4BB7F75D4D}" srcOrd="1" destOrd="0" presId="urn:microsoft.com/office/officeart/2005/8/layout/orgChart1"/>
+    <dgm:cxn modelId="{62E51284-72F3-9C4B-B2D4-AEFA5CE47AD7}" type="presParOf" srcId="{C2A39503-DB05-2542-AFA3-37780D496010}" destId="{162E0791-ECBB-6443-A1BD-D22FA4A7CB32}" srcOrd="1" destOrd="0" presId="urn:microsoft.com/office/officeart/2005/8/layout/orgChart1"/>
+    <dgm:cxn modelId="{F5592AE7-CDCA-C44A-98BB-56E4A9B3302F}" type="presParOf" srcId="{C2A39503-DB05-2542-AFA3-37780D496010}" destId="{E51CA5F8-A1C1-E246-87C8-2BABE9F17298}" srcOrd="2" destOrd="0" presId="urn:microsoft.com/office/officeart/2005/8/layout/orgChart1"/>
+    <dgm:cxn modelId="{A9E7BBF7-08B2-7F4E-A847-6A71448FDA5D}" type="presParOf" srcId="{53663856-EE64-BB40-B942-2E04BA86C2B0}" destId="{255E142F-DF3A-DC4D-AC0F-1A71756C224F}" srcOrd="8" destOrd="0" presId="urn:microsoft.com/office/officeart/2005/8/layout/orgChart1"/>
+    <dgm:cxn modelId="{761B9C6F-44E4-074D-AB0F-51DC2584990C}" type="presParOf" srcId="{53663856-EE64-BB40-B942-2E04BA86C2B0}" destId="{A5DA0CE0-DDF7-844C-A30C-08A77AC9909F}" srcOrd="9" destOrd="0" presId="urn:microsoft.com/office/officeart/2005/8/layout/orgChart1"/>
+    <dgm:cxn modelId="{08850B67-E2CA-7F42-85B5-FE38F5A6EC57}" type="presParOf" srcId="{A5DA0CE0-DDF7-844C-A30C-08A77AC9909F}" destId="{B8B24F90-C3BD-9F41-8E2B-54020B2F7A14}" srcOrd="0" destOrd="0" presId="urn:microsoft.com/office/officeart/2005/8/layout/orgChart1"/>
+    <dgm:cxn modelId="{5914E164-8785-5142-B2AB-DCBB651C3356}" type="presParOf" srcId="{B8B24F90-C3BD-9F41-8E2B-54020B2F7A14}" destId="{AF83F2F5-89E5-1D4B-9406-F5FD04735725}" srcOrd="0" destOrd="0" presId="urn:microsoft.com/office/officeart/2005/8/layout/orgChart1"/>
+    <dgm:cxn modelId="{BEA667A8-029B-D242-A56F-2985BAB45D3D}" type="presParOf" srcId="{B8B24F90-C3BD-9F41-8E2B-54020B2F7A14}" destId="{B6F9B4F7-DF85-F74E-A425-78EAED82C7EC}" srcOrd="1" destOrd="0" presId="urn:microsoft.com/office/officeart/2005/8/layout/orgChart1"/>
+    <dgm:cxn modelId="{A9E340A5-4CFF-CC40-B88C-A0806B7F8778}" type="presParOf" srcId="{A5DA0CE0-DDF7-844C-A30C-08A77AC9909F}" destId="{91C573FB-7E0C-424D-95E1-DD8F09FFA875}" srcOrd="1" destOrd="0" presId="urn:microsoft.com/office/officeart/2005/8/layout/orgChart1"/>
+    <dgm:cxn modelId="{E75AE77A-13F4-124F-81F5-189D10548AB4}" type="presParOf" srcId="{A5DA0CE0-DDF7-844C-A30C-08A77AC9909F}" destId="{51FA7689-D2A2-B148-A374-786787F4231F}" srcOrd="2" destOrd="0" presId="urn:microsoft.com/office/officeart/2005/8/layout/orgChart1"/>
+    <dgm:cxn modelId="{A3FB2265-38A5-9245-A4C4-7264784280D9}" type="presParOf" srcId="{53663856-EE64-BB40-B942-2E04BA86C2B0}" destId="{20A5F349-07CE-554C-BFD9-47C8E7B205AB}" srcOrd="10" destOrd="0" presId="urn:microsoft.com/office/officeart/2005/8/layout/orgChart1"/>
+    <dgm:cxn modelId="{9195AE51-92F8-E148-9575-388634098A93}" type="presParOf" srcId="{53663856-EE64-BB40-B942-2E04BA86C2B0}" destId="{79DF9188-E8D6-9845-80C0-67E5DDBC4A47}" srcOrd="11" destOrd="0" presId="urn:microsoft.com/office/officeart/2005/8/layout/orgChart1"/>
+    <dgm:cxn modelId="{70EE8AC5-2EE4-E04A-AA68-B42035894E44}" type="presParOf" srcId="{79DF9188-E8D6-9845-80C0-67E5DDBC4A47}" destId="{518C7F71-0A40-C443-B9C7-C3DB382A41B6}" srcOrd="0" destOrd="0" presId="urn:microsoft.com/office/officeart/2005/8/layout/orgChart1"/>
+    <dgm:cxn modelId="{5DC8FC70-0AB3-994B-8CD5-B26DD0BBCFB5}" type="presParOf" srcId="{518C7F71-0A40-C443-B9C7-C3DB382A41B6}" destId="{2B158AD7-86CB-C24B-9DC2-2EC862AC1434}" srcOrd="0" destOrd="0" presId="urn:microsoft.com/office/officeart/2005/8/layout/orgChart1"/>
+    <dgm:cxn modelId="{8BF11CE1-CE77-2B47-A878-A2692C39D222}" type="presParOf" srcId="{518C7F71-0A40-C443-B9C7-C3DB382A41B6}" destId="{220C9580-6E52-C342-90CC-1109425B4436}" srcOrd="1" destOrd="0" presId="urn:microsoft.com/office/officeart/2005/8/layout/orgChart1"/>
+    <dgm:cxn modelId="{C0740971-1F45-C040-97C0-399DF12E199C}" type="presParOf" srcId="{79DF9188-E8D6-9845-80C0-67E5DDBC4A47}" destId="{B41C52D3-B443-234A-9140-67A5FB0CFC19}" srcOrd="1" destOrd="0" presId="urn:microsoft.com/office/officeart/2005/8/layout/orgChart1"/>
+    <dgm:cxn modelId="{842B71A2-18EA-F34A-A828-421DEFB88FB2}" type="presParOf" srcId="{79DF9188-E8D6-9845-80C0-67E5DDBC4A47}" destId="{5CEB384A-6D8D-0D42-9000-B3BE72EBD446}" srcOrd="2" destOrd="0" presId="urn:microsoft.com/office/officeart/2005/8/layout/orgChart1"/>
+    <dgm:cxn modelId="{CA789A13-1B6C-BB44-AEB9-978B5CDF0723}" type="presParOf" srcId="{0A630CD4-F36E-FC41-B8F9-3B263F71C01A}" destId="{E21FBAF6-DEA4-6546-B633-07F1F0BAFB90}" srcOrd="2" destOrd="0" presId="urn:microsoft.com/office/officeart/2005/8/layout/orgChart1"/>
+    <dgm:cxn modelId="{02A012EF-F918-BA43-9896-C3B242E4C010}" type="presParOf" srcId="{AEEBA512-9FA4-CE48-86BD-2D2570B86D2C}" destId="{8460FC1A-6518-E34A-ADD2-6840282E38DE}" srcOrd="2" destOrd="0" presId="urn:microsoft.com/office/officeart/2005/8/layout/orgChart1"/>
+    <dgm:cxn modelId="{38C059E5-658E-1141-8F2F-D6743D0F97F9}" type="presParOf" srcId="{543CA4AF-583A-184C-A340-782A2AC2FFCC}" destId="{149D3814-84DA-0E48-9165-2627D9EEB307}" srcOrd="1" destOrd="0" presId="urn:microsoft.com/office/officeart/2005/8/layout/orgChart1"/>
+    <dgm:cxn modelId="{9B5E2C4B-6262-C944-B35F-47F8A687DAD2}" type="presParOf" srcId="{149D3814-84DA-0E48-9165-2627D9EEB307}" destId="{1A5584A9-06AB-8A4A-B252-99ED300A0727}" srcOrd="0" destOrd="0" presId="urn:microsoft.com/office/officeart/2005/8/layout/orgChart1"/>
+    <dgm:cxn modelId="{103EF37E-2052-7A4D-AEFB-02B4A076139D}" type="presParOf" srcId="{1A5584A9-06AB-8A4A-B252-99ED300A0727}" destId="{FB4C23C2-2672-0A48-893F-7610E4483791}" srcOrd="0" destOrd="0" presId="urn:microsoft.com/office/officeart/2005/8/layout/orgChart1"/>
+    <dgm:cxn modelId="{3731D7FC-975B-2A4C-9FEB-4191DDADAC96}" type="presParOf" srcId="{1A5584A9-06AB-8A4A-B252-99ED300A0727}" destId="{AAD162B1-4BBF-E446-9EA4-71B9C00CE5CE}" srcOrd="1" destOrd="0" presId="urn:microsoft.com/office/officeart/2005/8/layout/orgChart1"/>
+    <dgm:cxn modelId="{638E0455-0D16-5B49-881F-A291E66E5977}" type="presParOf" srcId="{149D3814-84DA-0E48-9165-2627D9EEB307}" destId="{868D835A-67D8-7041-89BE-EB909DAF6D16}" srcOrd="1" destOrd="0" presId="urn:microsoft.com/office/officeart/2005/8/layout/orgChart1"/>
+    <dgm:cxn modelId="{0DA29DD5-2BD6-034D-B8EB-0A6820BB9E12}" type="presParOf" srcId="{868D835A-67D8-7041-89BE-EB909DAF6D16}" destId="{AC25030B-072F-3A4C-BDB5-15AD679DAAEB}" srcOrd="0" destOrd="0" presId="urn:microsoft.com/office/officeart/2005/8/layout/orgChart1"/>
+    <dgm:cxn modelId="{63F667B6-5253-5B43-804A-7F73D34CACA8}" type="presParOf" srcId="{868D835A-67D8-7041-89BE-EB909DAF6D16}" destId="{51C195DE-DC38-1344-998A-BC33FBA1BEF2}" srcOrd="1" destOrd="0" presId="urn:microsoft.com/office/officeart/2005/8/layout/orgChart1"/>
+    <dgm:cxn modelId="{7F224A10-1500-5A4E-85C0-817987D3D4D7}" type="presParOf" srcId="{51C195DE-DC38-1344-998A-BC33FBA1BEF2}" destId="{F29A9727-AB44-D247-A3A6-733810CF4795}" srcOrd="0" destOrd="0" presId="urn:microsoft.com/office/officeart/2005/8/layout/orgChart1"/>
+    <dgm:cxn modelId="{9A05CB6D-16CC-BC4B-992C-AF26166AA0B0}" type="presParOf" srcId="{F29A9727-AB44-D247-A3A6-733810CF4795}" destId="{AD965710-D1C9-AC49-AF9B-DBD4CF5BED15}" srcOrd="0" destOrd="0" presId="urn:microsoft.com/office/officeart/2005/8/layout/orgChart1"/>
+    <dgm:cxn modelId="{29A5A4D5-F8A0-064B-BA1E-B5F1B997DE22}" type="presParOf" srcId="{F29A9727-AB44-D247-A3A6-733810CF4795}" destId="{AEFC6EB2-ED53-8E40-9284-F43D7F307FA3}" srcOrd="1" destOrd="0" presId="urn:microsoft.com/office/officeart/2005/8/layout/orgChart1"/>
+    <dgm:cxn modelId="{DB3FC5C9-0432-5E44-B79B-2DE16B6938E1}" type="presParOf" srcId="{51C195DE-DC38-1344-998A-BC33FBA1BEF2}" destId="{2E8B34EB-B12C-C042-9306-C1DB47A2C77B}" srcOrd="1" destOrd="0" presId="urn:microsoft.com/office/officeart/2005/8/layout/orgChart1"/>
+    <dgm:cxn modelId="{279BC360-A863-D943-AD28-61EE61AB66EF}" type="presParOf" srcId="{51C195DE-DC38-1344-998A-BC33FBA1BEF2}" destId="{82EF9D1E-D352-184C-B7E4-A531C8606059}" srcOrd="2" destOrd="0" presId="urn:microsoft.com/office/officeart/2005/8/layout/orgChart1"/>
+    <dgm:cxn modelId="{E08B6A39-5DDF-FB42-9B9C-46D440F97AE0}" type="presParOf" srcId="{868D835A-67D8-7041-89BE-EB909DAF6D16}" destId="{0AB933BC-5158-1844-B695-B950781EB01F}" srcOrd="2" destOrd="0" presId="urn:microsoft.com/office/officeart/2005/8/layout/orgChart1"/>
+    <dgm:cxn modelId="{9A42A447-6076-1D48-A094-574D62BE55F5}" type="presParOf" srcId="{868D835A-67D8-7041-89BE-EB909DAF6D16}" destId="{2999EA41-A4AF-8149-B955-8AA8E1441589}" srcOrd="3" destOrd="0" presId="urn:microsoft.com/office/officeart/2005/8/layout/orgChart1"/>
+    <dgm:cxn modelId="{A364C14E-99DD-F64F-939B-A67AFF05C756}" type="presParOf" srcId="{2999EA41-A4AF-8149-B955-8AA8E1441589}" destId="{5DA61FB6-F17C-2E43-97D8-6F7E5A8588AF}" srcOrd="0" destOrd="0" presId="urn:microsoft.com/office/officeart/2005/8/layout/orgChart1"/>
+    <dgm:cxn modelId="{D58527E2-E1A0-4E4B-9736-25C1784BC79C}" type="presParOf" srcId="{5DA61FB6-F17C-2E43-97D8-6F7E5A8588AF}" destId="{F1515D7B-5DD4-864B-9574-62AFB73F5B6F}" srcOrd="0" destOrd="0" presId="urn:microsoft.com/office/officeart/2005/8/layout/orgChart1"/>
+    <dgm:cxn modelId="{4FFFEED4-C4F3-5F4D-B488-8ED0B22157E0}" type="presParOf" srcId="{5DA61FB6-F17C-2E43-97D8-6F7E5A8588AF}" destId="{7F894370-B801-8F40-84F0-1C3607327743}" srcOrd="1" destOrd="0" presId="urn:microsoft.com/office/officeart/2005/8/layout/orgChart1"/>
+    <dgm:cxn modelId="{2CBD7B21-3715-294B-AB1F-395ECEBB2607}" type="presParOf" srcId="{2999EA41-A4AF-8149-B955-8AA8E1441589}" destId="{A597A52D-B724-B54B-8845-FB27106ECA9C}" srcOrd="1" destOrd="0" presId="urn:microsoft.com/office/officeart/2005/8/layout/orgChart1"/>
+    <dgm:cxn modelId="{137B6640-CE96-B74F-B54C-48A17BA127FE}" type="presParOf" srcId="{2999EA41-A4AF-8149-B955-8AA8E1441589}" destId="{9C54BD3D-24B4-204D-B5E0-2C95DD3CF863}" srcOrd="2" destOrd="0" presId="urn:microsoft.com/office/officeart/2005/8/layout/orgChart1"/>
+    <dgm:cxn modelId="{0B0A9894-57FE-5648-9068-92B5F92AB90F}" type="presParOf" srcId="{149D3814-84DA-0E48-9165-2627D9EEB307}" destId="{6BAD2C66-6F01-F44A-ADC7-C6EFC329493B}" srcOrd="2" destOrd="0" presId="urn:microsoft.com/office/officeart/2005/8/layout/orgChart1"/>
   </dgm:cxnLst>
   <dgm:bg/>
   <dgm:whole/>
@@ -3357,15 +3821,15 @@
       <dsp:cNvGrpSpPr/>
     </dsp:nvGrpSpPr>
     <dsp:grpSpPr/>
-    <dsp:sp modelId="{052E6EEA-9F62-7D48-8938-56B22931578F}">
+    <dsp:sp modelId="{0AB933BC-5158-1844-B695-B950781EB01F}">
       <dsp:nvSpPr>
         <dsp:cNvPr id="0" name=""/>
         <dsp:cNvSpPr/>
       </dsp:nvSpPr>
       <dsp:spPr>
         <a:xfrm>
-          <a:off x="6038471" y="1359747"/>
-          <a:ext cx="216540" cy="3161616"/>
+          <a:off x="8054540" y="753348"/>
+          <a:ext cx="851747" cy="206439"/>
         </a:xfrm>
         <a:custGeom>
           <a:avLst/>
@@ -3379,10 +3843,541 @@
                 <a:pt x="0" y="0"/>
               </a:moveTo>
               <a:lnTo>
-                <a:pt x="0" y="3161616"/>
+                <a:pt x="0" y="103219"/>
               </a:lnTo>
               <a:lnTo>
-                <a:pt x="216540" y="3161616"/>
+                <a:pt x="851747" y="103219"/>
+              </a:lnTo>
+              <a:lnTo>
+                <a:pt x="851747" y="206439"/>
+              </a:lnTo>
+            </a:path>
+          </a:pathLst>
+        </a:custGeom>
+        <a:noFill/>
+        <a:ln w="12700" cap="flat" cmpd="sng" algn="ctr">
+          <a:solidFill>
+            <a:schemeClr val="accent6">
+              <a:hueOff val="0"/>
+              <a:satOff val="0"/>
+              <a:lumOff val="0"/>
+              <a:alphaOff val="0"/>
+            </a:schemeClr>
+          </a:solidFill>
+          <a:prstDash val="solid"/>
+          <a:miter lim="800000"/>
+        </a:ln>
+        <a:effectLst/>
+      </dsp:spPr>
+      <dsp:style>
+        <a:lnRef idx="2">
+          <a:scrgbClr r="0" g="0" b="0"/>
+        </a:lnRef>
+        <a:fillRef idx="0">
+          <a:scrgbClr r="0" g="0" b="0"/>
+        </a:fillRef>
+        <a:effectRef idx="0">
+          <a:scrgbClr r="0" g="0" b="0"/>
+        </a:effectRef>
+        <a:fontRef idx="minor"/>
+      </dsp:style>
+    </dsp:sp>
+    <dsp:sp modelId="{AC25030B-072F-3A4C-BDB5-15AD679DAAEB}">
+      <dsp:nvSpPr>
+        <dsp:cNvPr id="0" name=""/>
+        <dsp:cNvSpPr/>
+      </dsp:nvSpPr>
+      <dsp:spPr>
+        <a:xfrm>
+          <a:off x="7098059" y="753348"/>
+          <a:ext cx="956481" cy="206439"/>
+        </a:xfrm>
+        <a:custGeom>
+          <a:avLst/>
+          <a:gdLst/>
+          <a:ahLst/>
+          <a:cxnLst/>
+          <a:rect l="0" t="0" r="0" b="0"/>
+          <a:pathLst>
+            <a:path>
+              <a:moveTo>
+                <a:pt x="956481" y="0"/>
+              </a:moveTo>
+              <a:lnTo>
+                <a:pt x="956481" y="103219"/>
+              </a:lnTo>
+              <a:lnTo>
+                <a:pt x="0" y="103219"/>
+              </a:lnTo>
+              <a:lnTo>
+                <a:pt x="0" y="206439"/>
+              </a:lnTo>
+            </a:path>
+          </a:pathLst>
+        </a:custGeom>
+        <a:noFill/>
+        <a:ln w="12700" cap="flat" cmpd="sng" algn="ctr">
+          <a:solidFill>
+            <a:schemeClr val="accent6">
+              <a:hueOff val="0"/>
+              <a:satOff val="0"/>
+              <a:lumOff val="0"/>
+              <a:alphaOff val="0"/>
+            </a:schemeClr>
+          </a:solidFill>
+          <a:prstDash val="solid"/>
+          <a:miter lim="800000"/>
+        </a:ln>
+        <a:effectLst/>
+      </dsp:spPr>
+      <dsp:style>
+        <a:lnRef idx="2">
+          <a:scrgbClr r="0" g="0" b="0"/>
+        </a:lnRef>
+        <a:fillRef idx="0">
+          <a:scrgbClr r="0" g="0" b="0"/>
+        </a:fillRef>
+        <a:effectRef idx="0">
+          <a:scrgbClr r="0" g="0" b="0"/>
+        </a:effectRef>
+        <a:fontRef idx="minor"/>
+      </dsp:style>
+    </dsp:sp>
+    <dsp:sp modelId="{20A5F349-07CE-554C-BFD9-47C8E7B205AB}">
+      <dsp:nvSpPr>
+        <dsp:cNvPr id="0" name=""/>
+        <dsp:cNvSpPr/>
+      </dsp:nvSpPr>
+      <dsp:spPr>
+        <a:xfrm>
+          <a:off x="3453724" y="1699006"/>
+          <a:ext cx="584069" cy="3942003"/>
+        </a:xfrm>
+        <a:custGeom>
+          <a:avLst/>
+          <a:gdLst/>
+          <a:ahLst/>
+          <a:cxnLst/>
+          <a:rect l="0" t="0" r="0" b="0"/>
+          <a:pathLst>
+            <a:path>
+              <a:moveTo>
+                <a:pt x="0" y="0"/>
+              </a:moveTo>
+              <a:lnTo>
+                <a:pt x="0" y="3942003"/>
+              </a:lnTo>
+              <a:lnTo>
+                <a:pt x="584069" y="3942003"/>
+              </a:lnTo>
+            </a:path>
+          </a:pathLst>
+        </a:custGeom>
+        <a:noFill/>
+        <a:ln w="12700" cap="flat" cmpd="sng" algn="ctr">
+          <a:solidFill>
+            <a:schemeClr val="accent1">
+              <a:hueOff val="0"/>
+              <a:satOff val="0"/>
+              <a:lumOff val="0"/>
+              <a:alphaOff val="0"/>
+            </a:schemeClr>
+          </a:solidFill>
+          <a:prstDash val="solid"/>
+          <a:miter lim="800000"/>
+        </a:ln>
+        <a:effectLst/>
+      </dsp:spPr>
+      <dsp:style>
+        <a:lnRef idx="2">
+          <a:scrgbClr r="0" g="0" b="0"/>
+        </a:lnRef>
+        <a:fillRef idx="0">
+          <a:scrgbClr r="0" g="0" b="0"/>
+        </a:fillRef>
+        <a:effectRef idx="0">
+          <a:scrgbClr r="0" g="0" b="0"/>
+        </a:effectRef>
+        <a:fontRef idx="minor"/>
+      </dsp:style>
+    </dsp:sp>
+    <dsp:sp modelId="{255E142F-DF3A-DC4D-AC0F-1A71756C224F}">
+      <dsp:nvSpPr>
+        <dsp:cNvPr id="0" name=""/>
+        <dsp:cNvSpPr/>
+      </dsp:nvSpPr>
+      <dsp:spPr>
+        <a:xfrm>
+          <a:off x="3453724" y="1699006"/>
+          <a:ext cx="584069" cy="3244042"/>
+        </a:xfrm>
+        <a:custGeom>
+          <a:avLst/>
+          <a:gdLst/>
+          <a:ahLst/>
+          <a:cxnLst/>
+          <a:rect l="0" t="0" r="0" b="0"/>
+          <a:pathLst>
+            <a:path>
+              <a:moveTo>
+                <a:pt x="0" y="0"/>
+              </a:moveTo>
+              <a:lnTo>
+                <a:pt x="0" y="3244042"/>
+              </a:lnTo>
+              <a:lnTo>
+                <a:pt x="584069" y="3244042"/>
+              </a:lnTo>
+            </a:path>
+          </a:pathLst>
+        </a:custGeom>
+        <a:noFill/>
+        <a:ln w="12700" cap="flat" cmpd="sng" algn="ctr">
+          <a:solidFill>
+            <a:schemeClr val="accent1">
+              <a:hueOff val="0"/>
+              <a:satOff val="0"/>
+              <a:lumOff val="0"/>
+              <a:alphaOff val="0"/>
+            </a:schemeClr>
+          </a:solidFill>
+          <a:prstDash val="solid"/>
+          <a:miter lim="800000"/>
+        </a:ln>
+        <a:effectLst/>
+      </dsp:spPr>
+      <dsp:style>
+        <a:lnRef idx="2">
+          <a:scrgbClr r="0" g="0" b="0"/>
+        </a:lnRef>
+        <a:fillRef idx="0">
+          <a:scrgbClr r="0" g="0" b="0"/>
+        </a:fillRef>
+        <a:effectRef idx="0">
+          <a:scrgbClr r="0" g="0" b="0"/>
+        </a:effectRef>
+        <a:fontRef idx="minor"/>
+      </dsp:style>
+    </dsp:sp>
+    <dsp:sp modelId="{C1B6EDB7-D720-2644-8C07-4147BC4ACD93}">
+      <dsp:nvSpPr>
+        <dsp:cNvPr id="0" name=""/>
+        <dsp:cNvSpPr/>
+      </dsp:nvSpPr>
+      <dsp:spPr>
+        <a:xfrm>
+          <a:off x="3453724" y="1699006"/>
+          <a:ext cx="584069" cy="2546081"/>
+        </a:xfrm>
+        <a:custGeom>
+          <a:avLst/>
+          <a:gdLst/>
+          <a:ahLst/>
+          <a:cxnLst/>
+          <a:rect l="0" t="0" r="0" b="0"/>
+          <a:pathLst>
+            <a:path>
+              <a:moveTo>
+                <a:pt x="0" y="0"/>
+              </a:moveTo>
+              <a:lnTo>
+                <a:pt x="0" y="2546081"/>
+              </a:lnTo>
+              <a:lnTo>
+                <a:pt x="584069" y="2546081"/>
+              </a:lnTo>
+            </a:path>
+          </a:pathLst>
+        </a:custGeom>
+        <a:noFill/>
+        <a:ln w="12700" cap="flat" cmpd="sng" algn="ctr">
+          <a:solidFill>
+            <a:schemeClr val="accent1">
+              <a:hueOff val="0"/>
+              <a:satOff val="0"/>
+              <a:lumOff val="0"/>
+              <a:alphaOff val="0"/>
+            </a:schemeClr>
+          </a:solidFill>
+          <a:prstDash val="solid"/>
+          <a:miter lim="800000"/>
+        </a:ln>
+        <a:effectLst/>
+      </dsp:spPr>
+      <dsp:style>
+        <a:lnRef idx="2">
+          <a:scrgbClr r="0" g="0" b="0"/>
+        </a:lnRef>
+        <a:fillRef idx="0">
+          <a:scrgbClr r="0" g="0" b="0"/>
+        </a:fillRef>
+        <a:effectRef idx="0">
+          <a:scrgbClr r="0" g="0" b="0"/>
+        </a:effectRef>
+        <a:fontRef idx="minor"/>
+      </dsp:style>
+    </dsp:sp>
+    <dsp:sp modelId="{A2782A32-7328-5346-B835-8B6879245F49}">
+      <dsp:nvSpPr>
+        <dsp:cNvPr id="0" name=""/>
+        <dsp:cNvSpPr/>
+      </dsp:nvSpPr>
+      <dsp:spPr>
+        <a:xfrm>
+          <a:off x="3453724" y="1699006"/>
+          <a:ext cx="584069" cy="1848121"/>
+        </a:xfrm>
+        <a:custGeom>
+          <a:avLst/>
+          <a:gdLst/>
+          <a:ahLst/>
+          <a:cxnLst/>
+          <a:rect l="0" t="0" r="0" b="0"/>
+          <a:pathLst>
+            <a:path>
+              <a:moveTo>
+                <a:pt x="0" y="0"/>
+              </a:moveTo>
+              <a:lnTo>
+                <a:pt x="0" y="1848121"/>
+              </a:lnTo>
+              <a:lnTo>
+                <a:pt x="584069" y="1848121"/>
+              </a:lnTo>
+            </a:path>
+          </a:pathLst>
+        </a:custGeom>
+        <a:noFill/>
+        <a:ln w="12700" cap="flat" cmpd="sng" algn="ctr">
+          <a:solidFill>
+            <a:schemeClr val="accent1">
+              <a:hueOff val="0"/>
+              <a:satOff val="0"/>
+              <a:lumOff val="0"/>
+              <a:alphaOff val="0"/>
+            </a:schemeClr>
+          </a:solidFill>
+          <a:prstDash val="solid"/>
+          <a:miter lim="800000"/>
+        </a:ln>
+        <a:effectLst/>
+      </dsp:spPr>
+      <dsp:style>
+        <a:lnRef idx="2">
+          <a:scrgbClr r="0" g="0" b="0"/>
+        </a:lnRef>
+        <a:fillRef idx="0">
+          <a:scrgbClr r="0" g="0" b="0"/>
+        </a:fillRef>
+        <a:effectRef idx="0">
+          <a:scrgbClr r="0" g="0" b="0"/>
+        </a:effectRef>
+        <a:fontRef idx="minor"/>
+      </dsp:style>
+    </dsp:sp>
+    <dsp:sp modelId="{0F5B204C-C44F-4642-965A-6EFC712B54D9}">
+      <dsp:nvSpPr>
+        <dsp:cNvPr id="0" name=""/>
+        <dsp:cNvSpPr/>
+      </dsp:nvSpPr>
+      <dsp:spPr>
+        <a:xfrm>
+          <a:off x="3453724" y="1699006"/>
+          <a:ext cx="584069" cy="1150160"/>
+        </a:xfrm>
+        <a:custGeom>
+          <a:avLst/>
+          <a:gdLst/>
+          <a:ahLst/>
+          <a:cxnLst/>
+          <a:rect l="0" t="0" r="0" b="0"/>
+          <a:pathLst>
+            <a:path>
+              <a:moveTo>
+                <a:pt x="0" y="0"/>
+              </a:moveTo>
+              <a:lnTo>
+                <a:pt x="0" y="1150160"/>
+              </a:lnTo>
+              <a:lnTo>
+                <a:pt x="584069" y="1150160"/>
+              </a:lnTo>
+            </a:path>
+          </a:pathLst>
+        </a:custGeom>
+        <a:noFill/>
+        <a:ln w="12700" cap="flat" cmpd="sng" algn="ctr">
+          <a:solidFill>
+            <a:schemeClr val="accent1">
+              <a:hueOff val="0"/>
+              <a:satOff val="0"/>
+              <a:lumOff val="0"/>
+              <a:alphaOff val="0"/>
+            </a:schemeClr>
+          </a:solidFill>
+          <a:prstDash val="solid"/>
+          <a:miter lim="800000"/>
+        </a:ln>
+        <a:effectLst/>
+      </dsp:spPr>
+      <dsp:style>
+        <a:lnRef idx="2">
+          <a:scrgbClr r="0" g="0" b="0"/>
+        </a:lnRef>
+        <a:fillRef idx="0">
+          <a:scrgbClr r="0" g="0" b="0"/>
+        </a:fillRef>
+        <a:effectRef idx="0">
+          <a:scrgbClr r="0" g="0" b="0"/>
+        </a:effectRef>
+        <a:fontRef idx="minor"/>
+      </dsp:style>
+    </dsp:sp>
+    <dsp:sp modelId="{F9C6C315-1F37-7046-ACC1-3DD470954181}">
+      <dsp:nvSpPr>
+        <dsp:cNvPr id="0" name=""/>
+        <dsp:cNvSpPr/>
+      </dsp:nvSpPr>
+      <dsp:spPr>
+        <a:xfrm>
+          <a:off x="3453724" y="1699006"/>
+          <a:ext cx="584069" cy="452199"/>
+        </a:xfrm>
+        <a:custGeom>
+          <a:avLst/>
+          <a:gdLst/>
+          <a:ahLst/>
+          <a:cxnLst/>
+          <a:rect l="0" t="0" r="0" b="0"/>
+          <a:pathLst>
+            <a:path>
+              <a:moveTo>
+                <a:pt x="0" y="0"/>
+              </a:moveTo>
+              <a:lnTo>
+                <a:pt x="0" y="452199"/>
+              </a:lnTo>
+              <a:lnTo>
+                <a:pt x="584069" y="452199"/>
+              </a:lnTo>
+            </a:path>
+          </a:pathLst>
+        </a:custGeom>
+        <a:noFill/>
+        <a:ln w="12700" cap="flat" cmpd="sng" algn="ctr">
+          <a:solidFill>
+            <a:schemeClr val="accent1">
+              <a:hueOff val="0"/>
+              <a:satOff val="0"/>
+              <a:lumOff val="0"/>
+              <a:alphaOff val="0"/>
+            </a:schemeClr>
+          </a:solidFill>
+          <a:prstDash val="solid"/>
+          <a:miter lim="800000"/>
+        </a:ln>
+        <a:effectLst/>
+      </dsp:spPr>
+      <dsp:style>
+        <a:lnRef idx="2">
+          <a:scrgbClr r="0" g="0" b="0"/>
+        </a:lnRef>
+        <a:fillRef idx="0">
+          <a:scrgbClr r="0" g="0" b="0"/>
+        </a:fillRef>
+        <a:effectRef idx="0">
+          <a:scrgbClr r="0" g="0" b="0"/>
+        </a:effectRef>
+        <a:fontRef idx="minor"/>
+      </dsp:style>
+    </dsp:sp>
+    <dsp:sp modelId="{883F1820-B7A9-8F4F-94CA-DBB8F4B79172}">
+      <dsp:nvSpPr>
+        <dsp:cNvPr id="0" name=""/>
+        <dsp:cNvSpPr/>
+      </dsp:nvSpPr>
+      <dsp:spPr>
+        <a:xfrm>
+          <a:off x="2209984" y="755265"/>
+          <a:ext cx="1834756" cy="206439"/>
+        </a:xfrm>
+        <a:custGeom>
+          <a:avLst/>
+          <a:gdLst/>
+          <a:ahLst/>
+          <a:cxnLst/>
+          <a:rect l="0" t="0" r="0" b="0"/>
+          <a:pathLst>
+            <a:path>
+              <a:moveTo>
+                <a:pt x="0" y="0"/>
+              </a:moveTo>
+              <a:lnTo>
+                <a:pt x="0" y="103219"/>
+              </a:lnTo>
+              <a:lnTo>
+                <a:pt x="1834756" y="103219"/>
+              </a:lnTo>
+              <a:lnTo>
+                <a:pt x="1834756" y="206439"/>
+              </a:lnTo>
+            </a:path>
+          </a:pathLst>
+        </a:custGeom>
+        <a:noFill/>
+        <a:ln w="12700" cap="flat" cmpd="sng" algn="ctr">
+          <a:solidFill>
+            <a:schemeClr val="accent6">
+              <a:hueOff val="0"/>
+              <a:satOff val="0"/>
+              <a:lumOff val="0"/>
+              <a:alphaOff val="0"/>
+            </a:schemeClr>
+          </a:solidFill>
+          <a:prstDash val="solid"/>
+          <a:miter lim="800000"/>
+        </a:ln>
+        <a:effectLst/>
+      </dsp:spPr>
+      <dsp:style>
+        <a:lnRef idx="2">
+          <a:scrgbClr r="0" g="0" b="0"/>
+        </a:lnRef>
+        <a:fillRef idx="0">
+          <a:scrgbClr r="0" g="0" b="0"/>
+        </a:fillRef>
+        <a:effectRef idx="0">
+          <a:scrgbClr r="0" g="0" b="0"/>
+        </a:effectRef>
+        <a:fontRef idx="minor"/>
+      </dsp:style>
+    </dsp:sp>
+    <dsp:sp modelId="{052E6EEA-9F62-7D48-8938-56B22931578F}">
+      <dsp:nvSpPr>
+        <dsp:cNvPr id="0" name=""/>
+        <dsp:cNvSpPr/>
+      </dsp:nvSpPr>
+      <dsp:spPr>
+        <a:xfrm>
+          <a:off x="147754" y="1700475"/>
+          <a:ext cx="236284" cy="3244042"/>
+        </a:xfrm>
+        <a:custGeom>
+          <a:avLst/>
+          <a:gdLst/>
+          <a:ahLst/>
+          <a:cxnLst/>
+          <a:rect l="0" t="0" r="0" b="0"/>
+          <a:pathLst>
+            <a:path>
+              <a:moveTo>
+                <a:pt x="0" y="0"/>
+              </a:moveTo>
+              <a:lnTo>
+                <a:pt x="0" y="3244042"/>
+              </a:lnTo>
+              <a:lnTo>
+                <a:pt x="236284" y="3244042"/>
               </a:lnTo>
             </a:path>
           </a:pathLst>
@@ -3422,8 +4417,8 @@
       </dsp:nvSpPr>
       <dsp:spPr>
         <a:xfrm>
-          <a:off x="6038471" y="1359747"/>
-          <a:ext cx="216540" cy="2481390"/>
+          <a:off x="147754" y="1700475"/>
+          <a:ext cx="236284" cy="2546081"/>
         </a:xfrm>
         <a:custGeom>
           <a:avLst/>
@@ -3437,10 +4432,10 @@
                 <a:pt x="0" y="0"/>
               </a:moveTo>
               <a:lnTo>
-                <a:pt x="0" y="2481390"/>
+                <a:pt x="0" y="2546081"/>
               </a:lnTo>
               <a:lnTo>
-                <a:pt x="216540" y="2481390"/>
+                <a:pt x="236284" y="2546081"/>
               </a:lnTo>
             </a:path>
           </a:pathLst>
@@ -3480,8 +4475,8 @@
       </dsp:nvSpPr>
       <dsp:spPr>
         <a:xfrm>
-          <a:off x="6038471" y="1359747"/>
-          <a:ext cx="216540" cy="1801163"/>
+          <a:off x="147754" y="1700475"/>
+          <a:ext cx="236284" cy="1848121"/>
         </a:xfrm>
         <a:custGeom>
           <a:avLst/>
@@ -3495,10 +4490,10 @@
                 <a:pt x="0" y="0"/>
               </a:moveTo>
               <a:lnTo>
-                <a:pt x="0" y="1801163"/>
+                <a:pt x="0" y="1848121"/>
               </a:lnTo>
               <a:lnTo>
-                <a:pt x="216540" y="1801163"/>
+                <a:pt x="236284" y="1848121"/>
               </a:lnTo>
             </a:path>
           </a:pathLst>
@@ -3538,8 +4533,8 @@
       </dsp:nvSpPr>
       <dsp:spPr>
         <a:xfrm>
-          <a:off x="6038471" y="1359747"/>
-          <a:ext cx="216540" cy="1120936"/>
+          <a:off x="147754" y="1700475"/>
+          <a:ext cx="236284" cy="1150160"/>
         </a:xfrm>
         <a:custGeom>
           <a:avLst/>
@@ -3553,10 +4548,10 @@
                 <a:pt x="0" y="0"/>
               </a:moveTo>
               <a:lnTo>
-                <a:pt x="0" y="1120936"/>
+                <a:pt x="0" y="1150160"/>
               </a:lnTo>
               <a:lnTo>
-                <a:pt x="216540" y="1120936"/>
+                <a:pt x="236284" y="1150160"/>
               </a:lnTo>
             </a:path>
           </a:pathLst>
@@ -3596,8 +4591,8 @@
       </dsp:nvSpPr>
       <dsp:spPr>
         <a:xfrm>
-          <a:off x="6038471" y="1359747"/>
-          <a:ext cx="216540" cy="440710"/>
+          <a:off x="147754" y="1700475"/>
+          <a:ext cx="236284" cy="452199"/>
         </a:xfrm>
         <a:custGeom>
           <a:avLst/>
@@ -3611,10 +4606,10 @@
                 <a:pt x="0" y="0"/>
               </a:moveTo>
               <a:lnTo>
-                <a:pt x="0" y="440710"/>
+                <a:pt x="0" y="452199"/>
               </a:lnTo>
               <a:lnTo>
-                <a:pt x="216540" y="440710"/>
+                <a:pt x="236284" y="452199"/>
               </a:lnTo>
             </a:path>
           </a:pathLst>
@@ -3654,8 +4649,8 @@
       </dsp:nvSpPr>
       <dsp:spPr>
         <a:xfrm>
-          <a:off x="5793514" y="481751"/>
-          <a:ext cx="822398" cy="201193"/>
+          <a:off x="738771" y="755265"/>
+          <a:ext cx="1471213" cy="206439"/>
         </a:xfrm>
         <a:custGeom>
           <a:avLst/>
@@ -3666,425 +4661,16 @@
           <a:pathLst>
             <a:path>
               <a:moveTo>
-                <a:pt x="0" y="0"/>
+                <a:pt x="1471213" y="0"/>
               </a:moveTo>
               <a:lnTo>
-                <a:pt x="0" y="100596"/>
+                <a:pt x="1471213" y="103219"/>
               </a:lnTo>
               <a:lnTo>
-                <a:pt x="822398" y="100596"/>
+                <a:pt x="0" y="103219"/>
               </a:lnTo>
               <a:lnTo>
-                <a:pt x="822398" y="201193"/>
-              </a:lnTo>
-            </a:path>
-          </a:pathLst>
-        </a:custGeom>
-        <a:noFill/>
-        <a:ln w="12700" cap="flat" cmpd="sng" algn="ctr">
-          <a:solidFill>
-            <a:schemeClr val="accent6">
-              <a:hueOff val="0"/>
-              <a:satOff val="0"/>
-              <a:lumOff val="0"/>
-              <a:alphaOff val="0"/>
-            </a:schemeClr>
-          </a:solidFill>
-          <a:prstDash val="solid"/>
-          <a:miter lim="800000"/>
-        </a:ln>
-        <a:effectLst/>
-      </dsp:spPr>
-      <dsp:style>
-        <a:lnRef idx="2">
-          <a:scrgbClr r="0" g="0" b="0"/>
-        </a:lnRef>
-        <a:fillRef idx="0">
-          <a:scrgbClr r="0" g="0" b="0"/>
-        </a:fillRef>
-        <a:effectRef idx="0">
-          <a:scrgbClr r="0" g="0" b="0"/>
-        </a:effectRef>
-        <a:fontRef idx="minor"/>
-      </dsp:style>
-    </dsp:sp>
-    <dsp:sp modelId="{20A5F349-07CE-554C-BFD9-47C8E7B205AB}">
-      <dsp:nvSpPr>
-        <dsp:cNvPr id="0" name=""/>
-        <dsp:cNvSpPr/>
-      </dsp:nvSpPr>
-      <dsp:spPr>
-        <a:xfrm>
-          <a:off x="4393673" y="1334588"/>
-          <a:ext cx="216540" cy="3841843"/>
-        </a:xfrm>
-        <a:custGeom>
-          <a:avLst/>
-          <a:gdLst/>
-          <a:ahLst/>
-          <a:cxnLst/>
-          <a:rect l="0" t="0" r="0" b="0"/>
-          <a:pathLst>
-            <a:path>
-              <a:moveTo>
-                <a:pt x="0" y="0"/>
-              </a:moveTo>
-              <a:lnTo>
-                <a:pt x="0" y="3841843"/>
-              </a:lnTo>
-              <a:lnTo>
-                <a:pt x="216540" y="3841843"/>
-              </a:lnTo>
-            </a:path>
-          </a:pathLst>
-        </a:custGeom>
-        <a:noFill/>
-        <a:ln w="12700" cap="flat" cmpd="sng" algn="ctr">
-          <a:solidFill>
-            <a:schemeClr val="accent1">
-              <a:hueOff val="0"/>
-              <a:satOff val="0"/>
-              <a:lumOff val="0"/>
-              <a:alphaOff val="0"/>
-            </a:schemeClr>
-          </a:solidFill>
-          <a:prstDash val="solid"/>
-          <a:miter lim="800000"/>
-        </a:ln>
-        <a:effectLst/>
-      </dsp:spPr>
-      <dsp:style>
-        <a:lnRef idx="2">
-          <a:scrgbClr r="0" g="0" b="0"/>
-        </a:lnRef>
-        <a:fillRef idx="0">
-          <a:scrgbClr r="0" g="0" b="0"/>
-        </a:fillRef>
-        <a:effectRef idx="0">
-          <a:scrgbClr r="0" g="0" b="0"/>
-        </a:effectRef>
-        <a:fontRef idx="minor"/>
-      </dsp:style>
-    </dsp:sp>
-    <dsp:sp modelId="{255E142F-DF3A-DC4D-AC0F-1A71756C224F}">
-      <dsp:nvSpPr>
-        <dsp:cNvPr id="0" name=""/>
-        <dsp:cNvSpPr/>
-      </dsp:nvSpPr>
-      <dsp:spPr>
-        <a:xfrm>
-          <a:off x="4393673" y="1334588"/>
-          <a:ext cx="216540" cy="3161616"/>
-        </a:xfrm>
-        <a:custGeom>
-          <a:avLst/>
-          <a:gdLst/>
-          <a:ahLst/>
-          <a:cxnLst/>
-          <a:rect l="0" t="0" r="0" b="0"/>
-          <a:pathLst>
-            <a:path>
-              <a:moveTo>
-                <a:pt x="0" y="0"/>
-              </a:moveTo>
-              <a:lnTo>
-                <a:pt x="0" y="3161616"/>
-              </a:lnTo>
-              <a:lnTo>
-                <a:pt x="216540" y="3161616"/>
-              </a:lnTo>
-            </a:path>
-          </a:pathLst>
-        </a:custGeom>
-        <a:noFill/>
-        <a:ln w="12700" cap="flat" cmpd="sng" algn="ctr">
-          <a:solidFill>
-            <a:schemeClr val="accent1">
-              <a:hueOff val="0"/>
-              <a:satOff val="0"/>
-              <a:lumOff val="0"/>
-              <a:alphaOff val="0"/>
-            </a:schemeClr>
-          </a:solidFill>
-          <a:prstDash val="solid"/>
-          <a:miter lim="800000"/>
-        </a:ln>
-        <a:effectLst/>
-      </dsp:spPr>
-      <dsp:style>
-        <a:lnRef idx="2">
-          <a:scrgbClr r="0" g="0" b="0"/>
-        </a:lnRef>
-        <a:fillRef idx="0">
-          <a:scrgbClr r="0" g="0" b="0"/>
-        </a:fillRef>
-        <a:effectRef idx="0">
-          <a:scrgbClr r="0" g="0" b="0"/>
-        </a:effectRef>
-        <a:fontRef idx="minor"/>
-      </dsp:style>
-    </dsp:sp>
-    <dsp:sp modelId="{C1B6EDB7-D720-2644-8C07-4147BC4ACD93}">
-      <dsp:nvSpPr>
-        <dsp:cNvPr id="0" name=""/>
-        <dsp:cNvSpPr/>
-      </dsp:nvSpPr>
-      <dsp:spPr>
-        <a:xfrm>
-          <a:off x="4393673" y="1334588"/>
-          <a:ext cx="216540" cy="2481390"/>
-        </a:xfrm>
-        <a:custGeom>
-          <a:avLst/>
-          <a:gdLst/>
-          <a:ahLst/>
-          <a:cxnLst/>
-          <a:rect l="0" t="0" r="0" b="0"/>
-          <a:pathLst>
-            <a:path>
-              <a:moveTo>
-                <a:pt x="0" y="0"/>
-              </a:moveTo>
-              <a:lnTo>
-                <a:pt x="0" y="2481390"/>
-              </a:lnTo>
-              <a:lnTo>
-                <a:pt x="216540" y="2481390"/>
-              </a:lnTo>
-            </a:path>
-          </a:pathLst>
-        </a:custGeom>
-        <a:noFill/>
-        <a:ln w="12700" cap="flat" cmpd="sng" algn="ctr">
-          <a:solidFill>
-            <a:schemeClr val="accent1">
-              <a:hueOff val="0"/>
-              <a:satOff val="0"/>
-              <a:lumOff val="0"/>
-              <a:alphaOff val="0"/>
-            </a:schemeClr>
-          </a:solidFill>
-          <a:prstDash val="solid"/>
-          <a:miter lim="800000"/>
-        </a:ln>
-        <a:effectLst/>
-      </dsp:spPr>
-      <dsp:style>
-        <a:lnRef idx="2">
-          <a:scrgbClr r="0" g="0" b="0"/>
-        </a:lnRef>
-        <a:fillRef idx="0">
-          <a:scrgbClr r="0" g="0" b="0"/>
-        </a:fillRef>
-        <a:effectRef idx="0">
-          <a:scrgbClr r="0" g="0" b="0"/>
-        </a:effectRef>
-        <a:fontRef idx="minor"/>
-      </dsp:style>
-    </dsp:sp>
-    <dsp:sp modelId="{A2782A32-7328-5346-B835-8B6879245F49}">
-      <dsp:nvSpPr>
-        <dsp:cNvPr id="0" name=""/>
-        <dsp:cNvSpPr/>
-      </dsp:nvSpPr>
-      <dsp:spPr>
-        <a:xfrm>
-          <a:off x="4393673" y="1334588"/>
-          <a:ext cx="216540" cy="1801163"/>
-        </a:xfrm>
-        <a:custGeom>
-          <a:avLst/>
-          <a:gdLst/>
-          <a:ahLst/>
-          <a:cxnLst/>
-          <a:rect l="0" t="0" r="0" b="0"/>
-          <a:pathLst>
-            <a:path>
-              <a:moveTo>
-                <a:pt x="0" y="0"/>
-              </a:moveTo>
-              <a:lnTo>
-                <a:pt x="0" y="1801163"/>
-              </a:lnTo>
-              <a:lnTo>
-                <a:pt x="216540" y="1801163"/>
-              </a:lnTo>
-            </a:path>
-          </a:pathLst>
-        </a:custGeom>
-        <a:noFill/>
-        <a:ln w="12700" cap="flat" cmpd="sng" algn="ctr">
-          <a:solidFill>
-            <a:schemeClr val="accent1">
-              <a:hueOff val="0"/>
-              <a:satOff val="0"/>
-              <a:lumOff val="0"/>
-              <a:alphaOff val="0"/>
-            </a:schemeClr>
-          </a:solidFill>
-          <a:prstDash val="solid"/>
-          <a:miter lim="800000"/>
-        </a:ln>
-        <a:effectLst/>
-      </dsp:spPr>
-      <dsp:style>
-        <a:lnRef idx="2">
-          <a:scrgbClr r="0" g="0" b="0"/>
-        </a:lnRef>
-        <a:fillRef idx="0">
-          <a:scrgbClr r="0" g="0" b="0"/>
-        </a:fillRef>
-        <a:effectRef idx="0">
-          <a:scrgbClr r="0" g="0" b="0"/>
-        </a:effectRef>
-        <a:fontRef idx="minor"/>
-      </dsp:style>
-    </dsp:sp>
-    <dsp:sp modelId="{0F5B204C-C44F-4642-965A-6EFC712B54D9}">
-      <dsp:nvSpPr>
-        <dsp:cNvPr id="0" name=""/>
-        <dsp:cNvSpPr/>
-      </dsp:nvSpPr>
-      <dsp:spPr>
-        <a:xfrm>
-          <a:off x="4393673" y="1334588"/>
-          <a:ext cx="216540" cy="1120936"/>
-        </a:xfrm>
-        <a:custGeom>
-          <a:avLst/>
-          <a:gdLst/>
-          <a:ahLst/>
-          <a:cxnLst/>
-          <a:rect l="0" t="0" r="0" b="0"/>
-          <a:pathLst>
-            <a:path>
-              <a:moveTo>
-                <a:pt x="0" y="0"/>
-              </a:moveTo>
-              <a:lnTo>
-                <a:pt x="0" y="1120936"/>
-              </a:lnTo>
-              <a:lnTo>
-                <a:pt x="216540" y="1120936"/>
-              </a:lnTo>
-            </a:path>
-          </a:pathLst>
-        </a:custGeom>
-        <a:noFill/>
-        <a:ln w="12700" cap="flat" cmpd="sng" algn="ctr">
-          <a:solidFill>
-            <a:schemeClr val="accent1">
-              <a:hueOff val="0"/>
-              <a:satOff val="0"/>
-              <a:lumOff val="0"/>
-              <a:alphaOff val="0"/>
-            </a:schemeClr>
-          </a:solidFill>
-          <a:prstDash val="solid"/>
-          <a:miter lim="800000"/>
-        </a:ln>
-        <a:effectLst/>
-      </dsp:spPr>
-      <dsp:style>
-        <a:lnRef idx="2">
-          <a:scrgbClr r="0" g="0" b="0"/>
-        </a:lnRef>
-        <a:fillRef idx="0">
-          <a:scrgbClr r="0" g="0" b="0"/>
-        </a:fillRef>
-        <a:effectRef idx="0">
-          <a:scrgbClr r="0" g="0" b="0"/>
-        </a:effectRef>
-        <a:fontRef idx="minor"/>
-      </dsp:style>
-    </dsp:sp>
-    <dsp:sp modelId="{F9C6C315-1F37-7046-ACC1-3DD470954181}">
-      <dsp:nvSpPr>
-        <dsp:cNvPr id="0" name=""/>
-        <dsp:cNvSpPr/>
-      </dsp:nvSpPr>
-      <dsp:spPr>
-        <a:xfrm>
-          <a:off x="4393673" y="1334588"/>
-          <a:ext cx="216540" cy="440710"/>
-        </a:xfrm>
-        <a:custGeom>
-          <a:avLst/>
-          <a:gdLst/>
-          <a:ahLst/>
-          <a:cxnLst/>
-          <a:rect l="0" t="0" r="0" b="0"/>
-          <a:pathLst>
-            <a:path>
-              <a:moveTo>
-                <a:pt x="0" y="0"/>
-              </a:moveTo>
-              <a:lnTo>
-                <a:pt x="0" y="440710"/>
-              </a:lnTo>
-              <a:lnTo>
-                <a:pt x="216540" y="440710"/>
-              </a:lnTo>
-            </a:path>
-          </a:pathLst>
-        </a:custGeom>
-        <a:noFill/>
-        <a:ln w="12700" cap="flat" cmpd="sng" algn="ctr">
-          <a:solidFill>
-            <a:schemeClr val="accent1">
-              <a:hueOff val="0"/>
-              <a:satOff val="0"/>
-              <a:lumOff val="0"/>
-              <a:alphaOff val="0"/>
-            </a:schemeClr>
-          </a:solidFill>
-          <a:prstDash val="solid"/>
-          <a:miter lim="800000"/>
-        </a:ln>
-        <a:effectLst/>
-      </dsp:spPr>
-      <dsp:style>
-        <a:lnRef idx="2">
-          <a:scrgbClr r="0" g="0" b="0"/>
-        </a:lnRef>
-        <a:fillRef idx="0">
-          <a:scrgbClr r="0" g="0" b="0"/>
-        </a:fillRef>
-        <a:effectRef idx="0">
-          <a:scrgbClr r="0" g="0" b="0"/>
-        </a:effectRef>
-        <a:fontRef idx="minor"/>
-      </dsp:style>
-    </dsp:sp>
-    <dsp:sp modelId="{883F1820-B7A9-8F4F-94CA-DBB8F4B79172}">
-      <dsp:nvSpPr>
-        <dsp:cNvPr id="0" name=""/>
-        <dsp:cNvSpPr/>
-      </dsp:nvSpPr>
-      <dsp:spPr>
-        <a:xfrm>
-          <a:off x="4971115" y="481751"/>
-          <a:ext cx="822398" cy="201193"/>
-        </a:xfrm>
-        <a:custGeom>
-          <a:avLst/>
-          <a:gdLst/>
-          <a:ahLst/>
-          <a:cxnLst/>
-          <a:rect l="0" t="0" r="0" b="0"/>
-          <a:pathLst>
-            <a:path>
-              <a:moveTo>
-                <a:pt x="822398" y="0"/>
-              </a:moveTo>
-              <a:lnTo>
-                <a:pt x="822398" y="100596"/>
-              </a:lnTo>
-              <a:lnTo>
-                <a:pt x="0" y="100596"/>
-              </a:lnTo>
-              <a:lnTo>
-                <a:pt x="0" y="201193"/>
+                <a:pt x="0" y="206439"/>
               </a:lnTo>
             </a:path>
           </a:pathLst>
@@ -4124,8 +4710,8 @@
       </dsp:nvSpPr>
       <dsp:spPr>
         <a:xfrm>
-          <a:off x="4733500" y="2718"/>
-          <a:ext cx="2120027" cy="479032"/>
+          <a:off x="1101829" y="4819"/>
+          <a:ext cx="2216310" cy="750445"/>
         </a:xfrm>
         <a:prstGeom prst="rect">
           <a:avLst/>
@@ -4195,12 +4781,12 @@
         </a:fontRef>
       </dsp:style>
       <dsp:txBody>
-        <a:bodyPr spcFirstLastPara="0" vert="horz" wrap="square" lIns="11430" tIns="11430" rIns="11430" bIns="11430" numCol="1" spcCol="1270" anchor="ctr" anchorCtr="0">
+        <a:bodyPr spcFirstLastPara="0" vert="horz" wrap="square" lIns="10160" tIns="10160" rIns="10160" bIns="10160" numCol="1" spcCol="1270" anchor="ctr" anchorCtr="0">
           <a:noAutofit/>
         </a:bodyPr>
         <a:lstStyle/>
         <a:p>
-          <a:pPr marL="0" lvl="0" indent="0" algn="ctr" defTabSz="800100">
+          <a:pPr marL="0" lvl="0" indent="0" algn="ctr" defTabSz="711200">
             <a:lnSpc>
               <a:spcPct val="90000"/>
             </a:lnSpc>
@@ -4213,7 +4799,7 @@
             <a:buNone/>
           </a:pPr>
           <a:r>
-            <a:rPr lang="de-DE" sz="1800" b="1" kern="1200" dirty="0">
+            <a:rPr lang="de-DE" sz="1600" b="1" kern="1200" dirty="0">
               <a:latin typeface="Arial" panose="020B0604020202020204" pitchFamily="34" charset="0"/>
               <a:cs typeface="Arial" panose="020B0604020202020204" pitchFamily="34" charset="0"/>
             </a:rPr>
@@ -4222,8 +4808,666 @@
         </a:p>
       </dsp:txBody>
       <dsp:txXfrm>
-        <a:off x="4733500" y="2718"/>
-        <a:ext cx="2120027" cy="479032"/>
+        <a:off x="1101829" y="4819"/>
+        <a:ext cx="2216310" cy="750445"/>
+      </dsp:txXfrm>
+    </dsp:sp>
+    <dsp:sp modelId="{16FAA5BA-5629-0747-816D-E9060D4B0A47}">
+      <dsp:nvSpPr>
+        <dsp:cNvPr id="0" name=""/>
+        <dsp:cNvSpPr/>
+      </dsp:nvSpPr>
+      <dsp:spPr>
+        <a:xfrm>
+          <a:off x="0" y="961704"/>
+          <a:ext cx="1477543" cy="738771"/>
+        </a:xfrm>
+        <a:prstGeom prst="rect">
+          <a:avLst/>
+        </a:prstGeom>
+        <a:gradFill rotWithShape="0">
+          <a:gsLst>
+            <a:gs pos="0">
+              <a:srgbClr val="70AD47">
+                <a:hueOff val="0"/>
+                <a:satOff val="0"/>
+                <a:lumOff val="0"/>
+                <a:alphaOff val="0"/>
+                <a:lumMod val="110000"/>
+                <a:satMod val="105000"/>
+                <a:tint val="67000"/>
+              </a:srgbClr>
+            </a:gs>
+            <a:gs pos="50000">
+              <a:srgbClr val="70AD47">
+                <a:hueOff val="0"/>
+                <a:satOff val="0"/>
+                <a:lumOff val="0"/>
+                <a:alphaOff val="0"/>
+                <a:lumMod val="105000"/>
+                <a:satMod val="103000"/>
+                <a:tint val="73000"/>
+              </a:srgbClr>
+            </a:gs>
+            <a:gs pos="100000">
+              <a:srgbClr val="70AD47">
+                <a:hueOff val="0"/>
+                <a:satOff val="0"/>
+                <a:lumOff val="0"/>
+                <a:alphaOff val="0"/>
+                <a:lumMod val="105000"/>
+                <a:satMod val="109000"/>
+                <a:tint val="81000"/>
+              </a:srgbClr>
+            </a:gs>
+          </a:gsLst>
+          <a:lin ang="5400000" scaled="0"/>
+        </a:gradFill>
+        <a:ln>
+          <a:noFill/>
+        </a:ln>
+        <a:effectLst/>
+        <a:scene3d>
+          <a:camera prst="orthographicFront"/>
+          <a:lightRig rig="flat" dir="t"/>
+        </a:scene3d>
+        <a:sp3d prstMaterial="dkEdge">
+          <a:bevelT w="8200" h="38100"/>
+        </a:sp3d>
+      </dsp:spPr>
+      <dsp:style>
+        <a:lnRef idx="0">
+          <a:scrgbClr r="0" g="0" b="0"/>
+        </a:lnRef>
+        <a:fillRef idx="2">
+          <a:scrgbClr r="0" g="0" b="0"/>
+        </a:fillRef>
+        <a:effectRef idx="1">
+          <a:scrgbClr r="0" g="0" b="0"/>
+        </a:effectRef>
+        <a:fontRef idx="minor">
+          <a:schemeClr val="dk1"/>
+        </a:fontRef>
+      </dsp:style>
+      <dsp:txBody>
+        <a:bodyPr spcFirstLastPara="0" vert="horz" wrap="square" lIns="8890" tIns="8890" rIns="8890" bIns="8890" numCol="1" spcCol="1270" anchor="ctr" anchorCtr="0">
+          <a:noAutofit/>
+        </a:bodyPr>
+        <a:lstStyle/>
+        <a:p>
+          <a:pPr marL="0" lvl="0" indent="0" algn="ctr" defTabSz="711200">
+            <a:lnSpc>
+              <a:spcPct val="90000"/>
+            </a:lnSpc>
+            <a:spcBef>
+              <a:spcPct val="0"/>
+            </a:spcBef>
+            <a:spcAft>
+              <a:spcPct val="35000"/>
+            </a:spcAft>
+            <a:buNone/>
+          </a:pPr>
+          <a:r>
+            <a:rPr lang="de-DE" sz="1600" b="1" kern="1200" dirty="0">
+              <a:solidFill>
+                <a:prstClr val="black"/>
+              </a:solidFill>
+              <a:latin typeface="Arial" panose="020B0604020202020204" pitchFamily="34" charset="0"/>
+              <a:ea typeface="+mn-ea"/>
+              <a:cs typeface="Arial" panose="020B0604020202020204" pitchFamily="34" charset="0"/>
+            </a:rPr>
+            <a:t>Imaginations-arten</a:t>
+          </a:r>
+        </a:p>
+      </dsp:txBody>
+      <dsp:txXfrm>
+        <a:off x="0" y="961704"/>
+        <a:ext cx="1477543" cy="738771"/>
+      </dsp:txXfrm>
+    </dsp:sp>
+    <dsp:sp modelId="{0EA78171-C799-AB4B-AFEC-14A9AFE5ACA9}">
+      <dsp:nvSpPr>
+        <dsp:cNvPr id="0" name=""/>
+        <dsp:cNvSpPr/>
+      </dsp:nvSpPr>
+      <dsp:spPr>
+        <a:xfrm>
+          <a:off x="384038" y="1906914"/>
+          <a:ext cx="1218973" cy="491521"/>
+        </a:xfrm>
+        <a:prstGeom prst="rect">
+          <a:avLst/>
+        </a:prstGeom>
+        <a:gradFill rotWithShape="0">
+          <a:gsLst>
+            <a:gs pos="0">
+              <a:schemeClr val="accent1">
+                <a:hueOff val="0"/>
+                <a:satOff val="0"/>
+                <a:lumOff val="0"/>
+                <a:alphaOff val="0"/>
+                <a:lumMod val="110000"/>
+                <a:satMod val="105000"/>
+                <a:tint val="67000"/>
+              </a:schemeClr>
+            </a:gs>
+            <a:gs pos="50000">
+              <a:schemeClr val="accent1">
+                <a:hueOff val="0"/>
+                <a:satOff val="0"/>
+                <a:lumOff val="0"/>
+                <a:alphaOff val="0"/>
+                <a:lumMod val="105000"/>
+                <a:satMod val="103000"/>
+                <a:tint val="73000"/>
+              </a:schemeClr>
+            </a:gs>
+            <a:gs pos="100000">
+              <a:schemeClr val="accent1">
+                <a:hueOff val="0"/>
+                <a:satOff val="0"/>
+                <a:lumOff val="0"/>
+                <a:alphaOff val="0"/>
+                <a:lumMod val="105000"/>
+                <a:satMod val="109000"/>
+                <a:tint val="81000"/>
+              </a:schemeClr>
+            </a:gs>
+          </a:gsLst>
+          <a:lin ang="5400000" scaled="0"/>
+        </a:gradFill>
+        <a:ln>
+          <a:noFill/>
+        </a:ln>
+        <a:effectLst/>
+        <a:scene3d>
+          <a:camera prst="orthographicFront"/>
+          <a:lightRig rig="flat" dir="t"/>
+        </a:scene3d>
+        <a:sp3d prstMaterial="dkEdge">
+          <a:bevelT w="8200" h="38100"/>
+        </a:sp3d>
+      </dsp:spPr>
+      <dsp:style>
+        <a:lnRef idx="0">
+          <a:scrgbClr r="0" g="0" b="0"/>
+        </a:lnRef>
+        <a:fillRef idx="2">
+          <a:scrgbClr r="0" g="0" b="0"/>
+        </a:fillRef>
+        <a:effectRef idx="1">
+          <a:scrgbClr r="0" g="0" b="0"/>
+        </a:effectRef>
+        <a:fontRef idx="minor">
+          <a:schemeClr val="dk1"/>
+        </a:fontRef>
+      </dsp:style>
+      <dsp:txBody>
+        <a:bodyPr spcFirstLastPara="0" vert="horz" wrap="square" lIns="8890" tIns="8890" rIns="8890" bIns="8890" numCol="1" spcCol="1270" anchor="ctr" anchorCtr="0">
+          <a:noAutofit/>
+        </a:bodyPr>
+        <a:lstStyle/>
+        <a:p>
+          <a:pPr marL="0" lvl="0" indent="0" algn="ctr" defTabSz="622300">
+            <a:lnSpc>
+              <a:spcPct val="90000"/>
+            </a:lnSpc>
+            <a:spcBef>
+              <a:spcPct val="0"/>
+            </a:spcBef>
+            <a:spcAft>
+              <a:spcPct val="35000"/>
+            </a:spcAft>
+            <a:buNone/>
+          </a:pPr>
+          <a:r>
+            <a:rPr lang="de-DE" sz="1400" kern="1200" dirty="0">
+              <a:latin typeface="Arial" panose="020B0604020202020204" pitchFamily="34" charset="0"/>
+              <a:cs typeface="Arial" panose="020B0604020202020204" pitchFamily="34" charset="0"/>
+            </a:rPr>
+            <a:t>Flashback</a:t>
+          </a:r>
+        </a:p>
+      </dsp:txBody>
+      <dsp:txXfrm>
+        <a:off x="384038" y="1906914"/>
+        <a:ext cx="1218973" cy="491521"/>
+      </dsp:txXfrm>
+    </dsp:sp>
+    <dsp:sp modelId="{183398DA-EF91-6849-9B4F-8C318453C08E}">
+      <dsp:nvSpPr>
+        <dsp:cNvPr id="0" name=""/>
+        <dsp:cNvSpPr/>
+      </dsp:nvSpPr>
+      <dsp:spPr>
+        <a:xfrm>
+          <a:off x="384038" y="2604875"/>
+          <a:ext cx="1218973" cy="491521"/>
+        </a:xfrm>
+        <a:prstGeom prst="rect">
+          <a:avLst/>
+        </a:prstGeom>
+        <a:gradFill rotWithShape="0">
+          <a:gsLst>
+            <a:gs pos="0">
+              <a:schemeClr val="accent1">
+                <a:hueOff val="0"/>
+                <a:satOff val="0"/>
+                <a:lumOff val="0"/>
+                <a:alphaOff val="0"/>
+                <a:lumMod val="110000"/>
+                <a:satMod val="105000"/>
+                <a:tint val="67000"/>
+              </a:schemeClr>
+            </a:gs>
+            <a:gs pos="50000">
+              <a:schemeClr val="accent1">
+                <a:hueOff val="0"/>
+                <a:satOff val="0"/>
+                <a:lumOff val="0"/>
+                <a:alphaOff val="0"/>
+                <a:lumMod val="105000"/>
+                <a:satMod val="103000"/>
+                <a:tint val="73000"/>
+              </a:schemeClr>
+            </a:gs>
+            <a:gs pos="100000">
+              <a:schemeClr val="accent1">
+                <a:hueOff val="0"/>
+                <a:satOff val="0"/>
+                <a:lumOff val="0"/>
+                <a:alphaOff val="0"/>
+                <a:lumMod val="105000"/>
+                <a:satMod val="109000"/>
+                <a:tint val="81000"/>
+              </a:schemeClr>
+            </a:gs>
+          </a:gsLst>
+          <a:lin ang="5400000" scaled="0"/>
+        </a:gradFill>
+        <a:ln>
+          <a:noFill/>
+        </a:ln>
+        <a:effectLst/>
+        <a:scene3d>
+          <a:camera prst="orthographicFront"/>
+          <a:lightRig rig="flat" dir="t"/>
+        </a:scene3d>
+        <a:sp3d prstMaterial="dkEdge">
+          <a:bevelT w="8200" h="38100"/>
+        </a:sp3d>
+      </dsp:spPr>
+      <dsp:style>
+        <a:lnRef idx="0">
+          <a:scrgbClr r="0" g="0" b="0"/>
+        </a:lnRef>
+        <a:fillRef idx="2">
+          <a:scrgbClr r="0" g="0" b="0"/>
+        </a:fillRef>
+        <a:effectRef idx="1">
+          <a:scrgbClr r="0" g="0" b="0"/>
+        </a:effectRef>
+        <a:fontRef idx="minor">
+          <a:schemeClr val="dk1"/>
+        </a:fontRef>
+      </dsp:style>
+      <dsp:txBody>
+        <a:bodyPr spcFirstLastPara="0" vert="horz" wrap="square" lIns="8890" tIns="8890" rIns="8890" bIns="8890" numCol="1" spcCol="1270" anchor="ctr" anchorCtr="0">
+          <a:noAutofit/>
+        </a:bodyPr>
+        <a:lstStyle/>
+        <a:p>
+          <a:pPr marL="0" lvl="0" indent="0" algn="ctr" defTabSz="622300">
+            <a:lnSpc>
+              <a:spcPct val="90000"/>
+            </a:lnSpc>
+            <a:spcBef>
+              <a:spcPct val="0"/>
+            </a:spcBef>
+            <a:spcAft>
+              <a:spcPct val="35000"/>
+            </a:spcAft>
+            <a:buNone/>
+          </a:pPr>
+          <a:r>
+            <a:rPr lang="de-DE" sz="1400" kern="1200" dirty="0">
+              <a:latin typeface="Arial" panose="020B0604020202020204" pitchFamily="34" charset="0"/>
+              <a:cs typeface="Arial" panose="020B0604020202020204" pitchFamily="34" charset="0"/>
+            </a:rPr>
+            <a:t>Traum</a:t>
+          </a:r>
+        </a:p>
+      </dsp:txBody>
+      <dsp:txXfrm>
+        <a:off x="384038" y="2604875"/>
+        <a:ext cx="1218973" cy="491521"/>
+      </dsp:txXfrm>
+    </dsp:sp>
+    <dsp:sp modelId="{AE262B21-9D41-3245-AA83-3F088C761499}">
+      <dsp:nvSpPr>
+        <dsp:cNvPr id="0" name=""/>
+        <dsp:cNvSpPr/>
+      </dsp:nvSpPr>
+      <dsp:spPr>
+        <a:xfrm>
+          <a:off x="384038" y="3302836"/>
+          <a:ext cx="1218973" cy="491521"/>
+        </a:xfrm>
+        <a:prstGeom prst="rect">
+          <a:avLst/>
+        </a:prstGeom>
+        <a:gradFill rotWithShape="0">
+          <a:gsLst>
+            <a:gs pos="0">
+              <a:schemeClr val="accent1">
+                <a:hueOff val="0"/>
+                <a:satOff val="0"/>
+                <a:lumOff val="0"/>
+                <a:alphaOff val="0"/>
+                <a:lumMod val="110000"/>
+                <a:satMod val="105000"/>
+                <a:tint val="67000"/>
+              </a:schemeClr>
+            </a:gs>
+            <a:gs pos="50000">
+              <a:schemeClr val="accent1">
+                <a:hueOff val="0"/>
+                <a:satOff val="0"/>
+                <a:lumOff val="0"/>
+                <a:alphaOff val="0"/>
+                <a:lumMod val="105000"/>
+                <a:satMod val="103000"/>
+                <a:tint val="73000"/>
+              </a:schemeClr>
+            </a:gs>
+            <a:gs pos="100000">
+              <a:schemeClr val="accent1">
+                <a:hueOff val="0"/>
+                <a:satOff val="0"/>
+                <a:lumOff val="0"/>
+                <a:alphaOff val="0"/>
+                <a:lumMod val="105000"/>
+                <a:satMod val="109000"/>
+                <a:tint val="81000"/>
+              </a:schemeClr>
+            </a:gs>
+          </a:gsLst>
+          <a:lin ang="5400000" scaled="0"/>
+        </a:gradFill>
+        <a:ln>
+          <a:noFill/>
+        </a:ln>
+        <a:effectLst/>
+        <a:scene3d>
+          <a:camera prst="orthographicFront"/>
+          <a:lightRig rig="flat" dir="t"/>
+        </a:scene3d>
+        <a:sp3d prstMaterial="dkEdge">
+          <a:bevelT w="8200" h="38100"/>
+        </a:sp3d>
+      </dsp:spPr>
+      <dsp:style>
+        <a:lnRef idx="0">
+          <a:scrgbClr r="0" g="0" b="0"/>
+        </a:lnRef>
+        <a:fillRef idx="2">
+          <a:scrgbClr r="0" g="0" b="0"/>
+        </a:fillRef>
+        <a:effectRef idx="1">
+          <a:scrgbClr r="0" g="0" b="0"/>
+        </a:effectRef>
+        <a:fontRef idx="minor">
+          <a:schemeClr val="dk1"/>
+        </a:fontRef>
+      </dsp:style>
+      <dsp:txBody>
+        <a:bodyPr spcFirstLastPara="0" vert="horz" wrap="square" lIns="8890" tIns="8890" rIns="8890" bIns="8890" numCol="1" spcCol="1270" anchor="ctr" anchorCtr="0">
+          <a:noAutofit/>
+        </a:bodyPr>
+        <a:lstStyle/>
+        <a:p>
+          <a:pPr marL="0" lvl="0" indent="0" algn="ctr" defTabSz="622300">
+            <a:lnSpc>
+              <a:spcPct val="90000"/>
+            </a:lnSpc>
+            <a:spcBef>
+              <a:spcPct val="0"/>
+            </a:spcBef>
+            <a:spcAft>
+              <a:spcPct val="35000"/>
+            </a:spcAft>
+            <a:buNone/>
+          </a:pPr>
+          <a:r>
+            <a:rPr lang="de-DE" sz="1400" kern="1200" dirty="0">
+              <a:latin typeface="Arial" panose="020B0604020202020204" pitchFamily="34" charset="0"/>
+              <a:cs typeface="Arial" panose="020B0604020202020204" pitchFamily="34" charset="0"/>
+            </a:rPr>
+            <a:t>Traum-erzählung</a:t>
+          </a:r>
+        </a:p>
+      </dsp:txBody>
+      <dsp:txXfrm>
+        <a:off x="384038" y="3302836"/>
+        <a:ext cx="1218973" cy="491521"/>
+      </dsp:txXfrm>
+    </dsp:sp>
+    <dsp:sp modelId="{65044682-1F28-6F4C-9A56-685F852E4608}">
+      <dsp:nvSpPr>
+        <dsp:cNvPr id="0" name=""/>
+        <dsp:cNvSpPr/>
+      </dsp:nvSpPr>
+      <dsp:spPr>
+        <a:xfrm>
+          <a:off x="384038" y="4000797"/>
+          <a:ext cx="1218973" cy="491521"/>
+        </a:xfrm>
+        <a:prstGeom prst="rect">
+          <a:avLst/>
+        </a:prstGeom>
+        <a:gradFill rotWithShape="0">
+          <a:gsLst>
+            <a:gs pos="0">
+              <a:schemeClr val="accent1">
+                <a:hueOff val="0"/>
+                <a:satOff val="0"/>
+                <a:lumOff val="0"/>
+                <a:alphaOff val="0"/>
+                <a:lumMod val="110000"/>
+                <a:satMod val="105000"/>
+                <a:tint val="67000"/>
+              </a:schemeClr>
+            </a:gs>
+            <a:gs pos="50000">
+              <a:schemeClr val="accent1">
+                <a:hueOff val="0"/>
+                <a:satOff val="0"/>
+                <a:lumOff val="0"/>
+                <a:alphaOff val="0"/>
+                <a:lumMod val="105000"/>
+                <a:satMod val="103000"/>
+                <a:tint val="73000"/>
+              </a:schemeClr>
+            </a:gs>
+            <a:gs pos="100000">
+              <a:schemeClr val="accent1">
+                <a:hueOff val="0"/>
+                <a:satOff val="0"/>
+                <a:lumOff val="0"/>
+                <a:alphaOff val="0"/>
+                <a:lumMod val="105000"/>
+                <a:satMod val="109000"/>
+                <a:tint val="81000"/>
+              </a:schemeClr>
+            </a:gs>
+          </a:gsLst>
+          <a:lin ang="5400000" scaled="0"/>
+        </a:gradFill>
+        <a:ln>
+          <a:noFill/>
+        </a:ln>
+        <a:effectLst/>
+        <a:scene3d>
+          <a:camera prst="orthographicFront"/>
+          <a:lightRig rig="flat" dir="t"/>
+        </a:scene3d>
+        <a:sp3d prstMaterial="dkEdge">
+          <a:bevelT w="8200" h="38100"/>
+        </a:sp3d>
+      </dsp:spPr>
+      <dsp:style>
+        <a:lnRef idx="0">
+          <a:scrgbClr r="0" g="0" b="0"/>
+        </a:lnRef>
+        <a:fillRef idx="2">
+          <a:scrgbClr r="0" g="0" b="0"/>
+        </a:fillRef>
+        <a:effectRef idx="1">
+          <a:scrgbClr r="0" g="0" b="0"/>
+        </a:effectRef>
+        <a:fontRef idx="minor">
+          <a:schemeClr val="dk1"/>
+        </a:fontRef>
+      </dsp:style>
+      <dsp:txBody>
+        <a:bodyPr spcFirstLastPara="0" vert="horz" wrap="square" lIns="8890" tIns="8890" rIns="8890" bIns="8890" numCol="1" spcCol="1270" anchor="ctr" anchorCtr="0">
+          <a:noAutofit/>
+        </a:bodyPr>
+        <a:lstStyle/>
+        <a:p>
+          <a:pPr marL="0" lvl="0" indent="0" algn="ctr" defTabSz="622300">
+            <a:lnSpc>
+              <a:spcPct val="90000"/>
+            </a:lnSpc>
+            <a:spcBef>
+              <a:spcPct val="0"/>
+            </a:spcBef>
+            <a:spcAft>
+              <a:spcPct val="35000"/>
+            </a:spcAft>
+            <a:buNone/>
+          </a:pPr>
+          <a:r>
+            <a:rPr lang="de-DE" sz="1400" kern="1200" dirty="0">
+              <a:latin typeface="Arial" panose="020B0604020202020204" pitchFamily="34" charset="0"/>
+              <a:cs typeface="Arial" panose="020B0604020202020204" pitchFamily="34" charset="0"/>
+            </a:rPr>
+            <a:t>Halluzination</a:t>
+          </a:r>
+        </a:p>
+      </dsp:txBody>
+      <dsp:txXfrm>
+        <a:off x="384038" y="4000797"/>
+        <a:ext cx="1218973" cy="491521"/>
+      </dsp:txXfrm>
+    </dsp:sp>
+    <dsp:sp modelId="{0995C08A-5D82-954A-A733-41DB3EDB32FC}">
+      <dsp:nvSpPr>
+        <dsp:cNvPr id="0" name=""/>
+        <dsp:cNvSpPr/>
+      </dsp:nvSpPr>
+      <dsp:spPr>
+        <a:xfrm>
+          <a:off x="384038" y="4698757"/>
+          <a:ext cx="1218973" cy="491521"/>
+        </a:xfrm>
+        <a:prstGeom prst="rect">
+          <a:avLst/>
+        </a:prstGeom>
+        <a:gradFill rotWithShape="0">
+          <a:gsLst>
+            <a:gs pos="0">
+              <a:schemeClr val="accent1">
+                <a:hueOff val="0"/>
+                <a:satOff val="0"/>
+                <a:lumOff val="0"/>
+                <a:alphaOff val="0"/>
+                <a:lumMod val="110000"/>
+                <a:satMod val="105000"/>
+                <a:tint val="67000"/>
+              </a:schemeClr>
+            </a:gs>
+            <a:gs pos="50000">
+              <a:schemeClr val="accent1">
+                <a:hueOff val="0"/>
+                <a:satOff val="0"/>
+                <a:lumOff val="0"/>
+                <a:alphaOff val="0"/>
+                <a:lumMod val="105000"/>
+                <a:satMod val="103000"/>
+                <a:tint val="73000"/>
+              </a:schemeClr>
+            </a:gs>
+            <a:gs pos="100000">
+              <a:schemeClr val="accent1">
+                <a:hueOff val="0"/>
+                <a:satOff val="0"/>
+                <a:lumOff val="0"/>
+                <a:alphaOff val="0"/>
+                <a:lumMod val="105000"/>
+                <a:satMod val="109000"/>
+                <a:tint val="81000"/>
+              </a:schemeClr>
+            </a:gs>
+          </a:gsLst>
+          <a:lin ang="5400000" scaled="0"/>
+        </a:gradFill>
+        <a:ln>
+          <a:noFill/>
+        </a:ln>
+        <a:effectLst/>
+        <a:scene3d>
+          <a:camera prst="orthographicFront"/>
+          <a:lightRig rig="flat" dir="t"/>
+        </a:scene3d>
+        <a:sp3d prstMaterial="dkEdge">
+          <a:bevelT w="8200" h="38100"/>
+        </a:sp3d>
+      </dsp:spPr>
+      <dsp:style>
+        <a:lnRef idx="0">
+          <a:scrgbClr r="0" g="0" b="0"/>
+        </a:lnRef>
+        <a:fillRef idx="2">
+          <a:scrgbClr r="0" g="0" b="0"/>
+        </a:fillRef>
+        <a:effectRef idx="1">
+          <a:scrgbClr r="0" g="0" b="0"/>
+        </a:effectRef>
+        <a:fontRef idx="minor">
+          <a:schemeClr val="dk1"/>
+        </a:fontRef>
+      </dsp:style>
+      <dsp:txBody>
+        <a:bodyPr spcFirstLastPara="0" vert="horz" wrap="square" lIns="8890" tIns="8890" rIns="8890" bIns="8890" numCol="1" spcCol="1270" anchor="ctr" anchorCtr="0">
+          <a:noAutofit/>
+        </a:bodyPr>
+        <a:lstStyle/>
+        <a:p>
+          <a:pPr marL="0" lvl="0" indent="0" algn="ctr" defTabSz="622300">
+            <a:lnSpc>
+              <a:spcPct val="90000"/>
+            </a:lnSpc>
+            <a:spcBef>
+              <a:spcPct val="0"/>
+            </a:spcBef>
+            <a:spcAft>
+              <a:spcPct val="35000"/>
+            </a:spcAft>
+            <a:buNone/>
+          </a:pPr>
+          <a:r>
+            <a:rPr lang="de-DE" sz="1400" kern="1200" dirty="0">
+              <a:latin typeface="Arial" panose="020B0604020202020204" pitchFamily="34" charset="0"/>
+              <a:cs typeface="Arial" panose="020B0604020202020204" pitchFamily="34" charset="0"/>
+            </a:rPr>
+            <a:t>Phantasie</a:t>
+          </a:r>
+        </a:p>
+      </dsp:txBody>
+      <dsp:txXfrm>
+        <a:off x="384038" y="4698757"/>
+        <a:ext cx="1218973" cy="491521"/>
       </dsp:txXfrm>
     </dsp:sp>
     <dsp:sp modelId="{C63C7FD8-4C0C-9847-ACFF-47F5FFC243E0}">
@@ -4233,8 +5477,8 @@
       </dsp:nvSpPr>
       <dsp:spPr>
         <a:xfrm>
-          <a:off x="4249313" y="682945"/>
-          <a:ext cx="1443603" cy="651642"/>
+          <a:off x="3305969" y="961704"/>
+          <a:ext cx="1477543" cy="737302"/>
         </a:xfrm>
         <a:prstGeom prst="rect">
           <a:avLst/>
@@ -4304,12 +5548,12 @@
         </a:fontRef>
       </dsp:style>
       <dsp:txBody>
-        <a:bodyPr spcFirstLastPara="0" vert="horz" wrap="square" lIns="8890" tIns="8890" rIns="8890" bIns="8890" numCol="1" spcCol="1270" anchor="ctr" anchorCtr="0">
+        <a:bodyPr spcFirstLastPara="0" vert="horz" wrap="square" lIns="10160" tIns="10160" rIns="10160" bIns="10160" numCol="1" spcCol="1270" anchor="ctr" anchorCtr="0">
           <a:noAutofit/>
         </a:bodyPr>
         <a:lstStyle/>
         <a:p>
-          <a:pPr marL="0" lvl="0" indent="0" algn="ctr" defTabSz="622300">
+          <a:pPr marL="0" lvl="0" indent="0" algn="ctr" defTabSz="711200">
             <a:lnSpc>
               <a:spcPct val="90000"/>
             </a:lnSpc>
@@ -4322,7 +5566,7 @@
             <a:buNone/>
           </a:pPr>
           <a:r>
-            <a:rPr lang="de-DE" sz="1400" b="1" kern="1200" dirty="0">
+            <a:rPr lang="de-DE" sz="1600" b="1" kern="1200" dirty="0">
               <a:latin typeface="Arial" panose="020B0604020202020204" pitchFamily="34" charset="0"/>
               <a:cs typeface="Arial" panose="020B0604020202020204" pitchFamily="34" charset="0"/>
             </a:rPr>
@@ -4331,8 +5575,8 @@
         </a:p>
       </dsp:txBody>
       <dsp:txXfrm>
-        <a:off x="4249313" y="682945"/>
-        <a:ext cx="1443603" cy="651642"/>
+        <a:off x="3305969" y="961704"/>
+        <a:ext cx="1477543" cy="737302"/>
       </dsp:txXfrm>
     </dsp:sp>
     <dsp:sp modelId="{37D27F89-E199-EF44-BC0F-394F022C3C2B}">
@@ -4342,8 +5586,8 @@
       </dsp:nvSpPr>
       <dsp:spPr>
         <a:xfrm>
-          <a:off x="4610214" y="1535782"/>
-          <a:ext cx="1188001" cy="479032"/>
+          <a:off x="4037794" y="1905445"/>
+          <a:ext cx="1218973" cy="491521"/>
         </a:xfrm>
         <a:prstGeom prst="rect">
           <a:avLst/>
@@ -4440,8 +5684,8 @@
         </a:p>
       </dsp:txBody>
       <dsp:txXfrm>
-        <a:off x="4610214" y="1535782"/>
-        <a:ext cx="1188001" cy="479032"/>
+        <a:off x="4037794" y="1905445"/>
+        <a:ext cx="1218973" cy="491521"/>
       </dsp:txXfrm>
     </dsp:sp>
     <dsp:sp modelId="{EB464B47-F91C-CA45-937C-E0D8FAC578A6}">
@@ -4451,8 +5695,8 @@
       </dsp:nvSpPr>
       <dsp:spPr>
         <a:xfrm>
-          <a:off x="4610214" y="2216008"/>
-          <a:ext cx="1188001" cy="479032"/>
+          <a:off x="4037794" y="2603405"/>
+          <a:ext cx="1218973" cy="491521"/>
         </a:xfrm>
         <a:prstGeom prst="rect">
           <a:avLst/>
@@ -4549,8 +5793,8 @@
         </a:p>
       </dsp:txBody>
       <dsp:txXfrm>
-        <a:off x="4610214" y="2216008"/>
-        <a:ext cx="1188001" cy="479032"/>
+        <a:off x="4037794" y="2603405"/>
+        <a:ext cx="1218973" cy="491521"/>
       </dsp:txXfrm>
     </dsp:sp>
     <dsp:sp modelId="{D4FCB0AE-9F1D-E248-AC58-FAA8077D7A4B}">
@@ -4560,8 +5804,8 @@
       </dsp:nvSpPr>
       <dsp:spPr>
         <a:xfrm>
-          <a:off x="4610214" y="2896235"/>
-          <a:ext cx="1188001" cy="479032"/>
+          <a:off x="4037794" y="3301366"/>
+          <a:ext cx="1218973" cy="491521"/>
         </a:xfrm>
         <a:prstGeom prst="rect">
           <a:avLst/>
@@ -4658,8 +5902,8 @@
         </a:p>
       </dsp:txBody>
       <dsp:txXfrm>
-        <a:off x="4610214" y="2896235"/>
-        <a:ext cx="1188001" cy="479032"/>
+        <a:off x="4037794" y="3301366"/>
+        <a:ext cx="1218973" cy="491521"/>
       </dsp:txXfrm>
     </dsp:sp>
     <dsp:sp modelId="{28100B96-B724-C145-B80B-822CE678A450}">
@@ -4669,8 +5913,8 @@
       </dsp:nvSpPr>
       <dsp:spPr>
         <a:xfrm>
-          <a:off x="4610214" y="3576462"/>
-          <a:ext cx="1188001" cy="479032"/>
+          <a:off x="4037794" y="3999327"/>
+          <a:ext cx="1218973" cy="491521"/>
         </a:xfrm>
         <a:prstGeom prst="rect">
           <a:avLst/>
@@ -4767,8 +6011,8 @@
         </a:p>
       </dsp:txBody>
       <dsp:txXfrm>
-        <a:off x="4610214" y="3576462"/>
-        <a:ext cx="1188001" cy="479032"/>
+        <a:off x="4037794" y="3999327"/>
+        <a:ext cx="1218973" cy="491521"/>
       </dsp:txXfrm>
     </dsp:sp>
     <dsp:sp modelId="{AF83F2F5-89E5-1D4B-9406-F5FD04735725}">
@@ -4778,8 +6022,8 @@
       </dsp:nvSpPr>
       <dsp:spPr>
         <a:xfrm>
-          <a:off x="4610214" y="4256688"/>
-          <a:ext cx="1188001" cy="479032"/>
+          <a:off x="4037794" y="4697288"/>
+          <a:ext cx="1218973" cy="491521"/>
         </a:xfrm>
         <a:prstGeom prst="rect">
           <a:avLst/>
@@ -4876,8 +6120,8 @@
         </a:p>
       </dsp:txBody>
       <dsp:txXfrm>
-        <a:off x="4610214" y="4256688"/>
-        <a:ext cx="1188001" cy="479032"/>
+        <a:off x="4037794" y="4697288"/>
+        <a:ext cx="1218973" cy="491521"/>
       </dsp:txXfrm>
     </dsp:sp>
     <dsp:sp modelId="{2B158AD7-86CB-C24B-9DC2-2EC862AC1434}">
@@ -4887,8 +6131,8 @@
       </dsp:nvSpPr>
       <dsp:spPr>
         <a:xfrm>
-          <a:off x="4610214" y="4936915"/>
-          <a:ext cx="1188001" cy="479032"/>
+          <a:off x="4037794" y="5395248"/>
+          <a:ext cx="1218973" cy="491521"/>
         </a:xfrm>
         <a:prstGeom prst="rect">
           <a:avLst/>
@@ -4985,19 +6229,132 @@
         </a:p>
       </dsp:txBody>
       <dsp:txXfrm>
-        <a:off x="4610214" y="4936915"/>
-        <a:ext cx="1188001" cy="479032"/>
+        <a:off x="4037794" y="5395248"/>
+        <a:ext cx="1218973" cy="491521"/>
       </dsp:txXfrm>
     </dsp:sp>
-    <dsp:sp modelId="{16FAA5BA-5629-0747-816D-E9060D4B0A47}">
+    <dsp:sp modelId="{FB4C23C2-2672-0A48-893F-7610E4483791}">
       <dsp:nvSpPr>
         <dsp:cNvPr id="0" name=""/>
         <dsp:cNvSpPr/>
       </dsp:nvSpPr>
       <dsp:spPr>
         <a:xfrm>
-          <a:off x="5894111" y="682945"/>
-          <a:ext cx="1443603" cy="676801"/>
+          <a:off x="6946385" y="4819"/>
+          <a:ext cx="2216310" cy="748528"/>
+        </a:xfrm>
+        <a:prstGeom prst="rect">
+          <a:avLst/>
+        </a:prstGeom>
+        <a:gradFill rotWithShape="0">
+          <a:gsLst>
+            <a:gs pos="0">
+              <a:srgbClr val="FFC000">
+                <a:hueOff val="0"/>
+                <a:satOff val="0"/>
+                <a:lumOff val="0"/>
+                <a:alphaOff val="0"/>
+                <a:lumMod val="110000"/>
+                <a:satMod val="105000"/>
+                <a:tint val="67000"/>
+              </a:srgbClr>
+            </a:gs>
+            <a:gs pos="50000">
+              <a:srgbClr val="FFC000">
+                <a:hueOff val="0"/>
+                <a:satOff val="0"/>
+                <a:lumOff val="0"/>
+                <a:alphaOff val="0"/>
+                <a:lumMod val="105000"/>
+                <a:satMod val="103000"/>
+                <a:tint val="73000"/>
+              </a:srgbClr>
+            </a:gs>
+            <a:gs pos="100000">
+              <a:srgbClr val="FFC000">
+                <a:hueOff val="0"/>
+                <a:satOff val="0"/>
+                <a:lumOff val="0"/>
+                <a:alphaOff val="0"/>
+                <a:lumMod val="105000"/>
+                <a:satMod val="109000"/>
+                <a:tint val="81000"/>
+              </a:srgbClr>
+            </a:gs>
+          </a:gsLst>
+          <a:lin ang="5400000" scaled="0"/>
+        </a:gradFill>
+        <a:ln>
+          <a:noFill/>
+        </a:ln>
+        <a:effectLst/>
+        <a:scene3d>
+          <a:camera prst="orthographicFront"/>
+          <a:lightRig rig="flat" dir="t"/>
+        </a:scene3d>
+        <a:sp3d prstMaterial="dkEdge">
+          <a:bevelT w="8200" h="38100"/>
+        </a:sp3d>
+      </dsp:spPr>
+      <dsp:style>
+        <a:lnRef idx="0">
+          <a:scrgbClr r="0" g="0" b="0"/>
+        </a:lnRef>
+        <a:fillRef idx="2">
+          <a:scrgbClr r="0" g="0" b="0"/>
+        </a:fillRef>
+        <a:effectRef idx="1">
+          <a:scrgbClr r="0" g="0" b="0"/>
+        </a:effectRef>
+        <a:fontRef idx="minor">
+          <a:schemeClr val="dk1"/>
+        </a:fontRef>
+      </dsp:style>
+      <dsp:txBody>
+        <a:bodyPr spcFirstLastPara="0" vert="horz" wrap="square" lIns="11430" tIns="11430" rIns="11430" bIns="11430" numCol="1" spcCol="1270" anchor="ctr" anchorCtr="0">
+          <a:noAutofit/>
+        </a:bodyPr>
+        <a:lstStyle/>
+        <a:p>
+          <a:pPr marL="0" lvl="0" indent="0" algn="ctr" defTabSz="711200">
+            <a:lnSpc>
+              <a:spcPct val="90000"/>
+            </a:lnSpc>
+            <a:spcBef>
+              <a:spcPct val="0"/>
+            </a:spcBef>
+            <a:spcAft>
+              <a:spcPct val="35000"/>
+            </a:spcAft>
+            <a:buNone/>
+          </a:pPr>
+          <a:r>
+            <a:rPr lang="de-DE" sz="1600" b="1" kern="1200" dirty="0">
+              <a:solidFill>
+                <a:prstClr val="black"/>
+              </a:solidFill>
+              <a:latin typeface="Arial" panose="020B0604020202020204" pitchFamily="34" charset="0"/>
+              <a:ea typeface="+mn-ea"/>
+              <a:cs typeface="Arial" panose="020B0604020202020204" pitchFamily="34" charset="0"/>
+            </a:rPr>
+            <a:t>Subjektivität</a:t>
+          </a:r>
+        </a:p>
+      </dsp:txBody>
+      <dsp:txXfrm>
+        <a:off x="6946385" y="4819"/>
+        <a:ext cx="2216310" cy="748528"/>
+      </dsp:txXfrm>
+    </dsp:sp>
+    <dsp:sp modelId="{AD965710-D1C9-AC49-AF9B-DBD4CF5BED15}">
+      <dsp:nvSpPr>
+        <dsp:cNvPr id="0" name=""/>
+        <dsp:cNvSpPr/>
+      </dsp:nvSpPr>
+      <dsp:spPr>
+        <a:xfrm>
+          <a:off x="6349530" y="959787"/>
+          <a:ext cx="1497056" cy="748528"/>
         </a:xfrm>
         <a:prstGeom prst="rect">
           <a:avLst/>
@@ -5072,7 +6429,7 @@
         </a:bodyPr>
         <a:lstStyle/>
         <a:p>
-          <a:pPr marL="0" lvl="0" indent="0" algn="ctr" defTabSz="622300">
+          <a:pPr marL="0" lvl="0" indent="0" algn="ctr" defTabSz="711200">
             <a:lnSpc>
               <a:spcPct val="90000"/>
             </a:lnSpc>
@@ -5085,7 +6442,7 @@
             <a:buNone/>
           </a:pPr>
           <a:r>
-            <a:rPr lang="de-DE" sz="1400" b="1" kern="1200" dirty="0">
+            <a:rPr lang="de-DE" sz="1600" b="1" kern="1200" dirty="0">
               <a:solidFill>
                 <a:prstClr val="black"/>
               </a:solidFill>
@@ -5093,24 +6450,24 @@
               <a:ea typeface="+mn-ea"/>
               <a:cs typeface="Arial" panose="020B0604020202020204" pitchFamily="34" charset="0"/>
             </a:rPr>
-            <a:t>Imaginations-arten</a:t>
+            <a:t>Subjekt-verankerung</a:t>
           </a:r>
         </a:p>
       </dsp:txBody>
       <dsp:txXfrm>
-        <a:off x="5894111" y="682945"/>
-        <a:ext cx="1443603" cy="676801"/>
+        <a:off x="6349530" y="959787"/>
+        <a:ext cx="1497056" cy="748528"/>
       </dsp:txXfrm>
     </dsp:sp>
-    <dsp:sp modelId="{0EA78171-C799-AB4B-AFEC-14A9AFE5ACA9}">
+    <dsp:sp modelId="{F1515D7B-5DD4-864B-9574-62AFB73F5B6F}">
       <dsp:nvSpPr>
         <dsp:cNvPr id="0" name=""/>
         <dsp:cNvSpPr/>
       </dsp:nvSpPr>
       <dsp:spPr>
         <a:xfrm>
-          <a:off x="6255012" y="1560940"/>
-          <a:ext cx="1188001" cy="479032"/>
+          <a:off x="8053026" y="959787"/>
+          <a:ext cx="1706523" cy="748528"/>
         </a:xfrm>
         <a:prstGeom prst="rect">
           <a:avLst/>
@@ -5118,7 +6475,7 @@
         <a:gradFill rotWithShape="0">
           <a:gsLst>
             <a:gs pos="0">
-              <a:schemeClr val="accent1">
+              <a:srgbClr val="70AD47">
                 <a:hueOff val="0"/>
                 <a:satOff val="0"/>
                 <a:lumOff val="0"/>
@@ -5126,10 +6483,10 @@
                 <a:lumMod val="110000"/>
                 <a:satMod val="105000"/>
                 <a:tint val="67000"/>
-              </a:schemeClr>
+              </a:srgbClr>
             </a:gs>
             <a:gs pos="50000">
-              <a:schemeClr val="accent1">
+              <a:srgbClr val="70AD47">
                 <a:hueOff val="0"/>
                 <a:satOff val="0"/>
                 <a:lumOff val="0"/>
@@ -5137,10 +6494,10 @@
                 <a:lumMod val="105000"/>
                 <a:satMod val="103000"/>
                 <a:tint val="73000"/>
-              </a:schemeClr>
+              </a:srgbClr>
             </a:gs>
             <a:gs pos="100000">
-              <a:schemeClr val="accent1">
+              <a:srgbClr val="70AD47">
                 <a:hueOff val="0"/>
                 <a:satOff val="0"/>
                 <a:lumOff val="0"/>
@@ -5148,7 +6505,7 @@
                 <a:lumMod val="105000"/>
                 <a:satMod val="109000"/>
                 <a:tint val="81000"/>
-              </a:schemeClr>
+              </a:srgbClr>
             </a:gs>
           </a:gsLst>
           <a:lin ang="5400000" scaled="0"/>
@@ -5185,7 +6542,7 @@
         </a:bodyPr>
         <a:lstStyle/>
         <a:p>
-          <a:pPr marL="0" lvl="0" indent="0" algn="ctr" defTabSz="622300">
+          <a:pPr marL="0" lvl="0" indent="0" algn="ctr" defTabSz="711200">
             <a:lnSpc>
               <a:spcPct val="90000"/>
             </a:lnSpc>
@@ -5198,453 +6555,42 @@
             <a:buNone/>
           </a:pPr>
           <a:r>
-            <a:rPr lang="de-DE" sz="1400" kern="1200" dirty="0">
+            <a:rPr lang="de-DE" sz="1600" b="1" kern="1200" dirty="0">
+              <a:solidFill>
+                <a:prstClr val="black"/>
+              </a:solidFill>
               <a:latin typeface="Arial" panose="020B0604020202020204" pitchFamily="34" charset="0"/>
+              <a:ea typeface="+mn-ea"/>
               <a:cs typeface="Arial" panose="020B0604020202020204" pitchFamily="34" charset="0"/>
             </a:rPr>
-            <a:t>Flashback</a:t>
+            <a:t>Subjektive/ </a:t>
+          </a:r>
+          <a:br>
+            <a:rPr lang="de-DE" sz="1600" b="1" kern="1200" dirty="0">
+              <a:solidFill>
+                <a:prstClr val="black"/>
+              </a:solidFill>
+              <a:latin typeface="Arial" panose="020B0604020202020204" pitchFamily="34" charset="0"/>
+              <a:ea typeface="+mn-ea"/>
+              <a:cs typeface="Arial" panose="020B0604020202020204" pitchFamily="34" charset="0"/>
+            </a:rPr>
+          </a:br>
+          <a:r>
+            <a:rPr lang="de-DE" sz="1600" b="1" kern="1200" dirty="0">
+              <a:solidFill>
+                <a:prstClr val="black"/>
+              </a:solidFill>
+              <a:latin typeface="Arial" panose="020B0604020202020204" pitchFamily="34" charset="0"/>
+              <a:ea typeface="+mn-ea"/>
+              <a:cs typeface="Arial" panose="020B0604020202020204" pitchFamily="34" charset="0"/>
+            </a:rPr>
+            <a:t>nicht-subjektive Bilder</a:t>
           </a:r>
         </a:p>
       </dsp:txBody>
       <dsp:txXfrm>
-        <a:off x="6255012" y="1560940"/>
-        <a:ext cx="1188001" cy="479032"/>
-      </dsp:txXfrm>
-    </dsp:sp>
-    <dsp:sp modelId="{183398DA-EF91-6849-9B4F-8C318453C08E}">
-      <dsp:nvSpPr>
-        <dsp:cNvPr id="0" name=""/>
-        <dsp:cNvSpPr/>
-      </dsp:nvSpPr>
-      <dsp:spPr>
-        <a:xfrm>
-          <a:off x="6255012" y="2241167"/>
-          <a:ext cx="1188001" cy="479032"/>
-        </a:xfrm>
-        <a:prstGeom prst="rect">
-          <a:avLst/>
-        </a:prstGeom>
-        <a:gradFill rotWithShape="0">
-          <a:gsLst>
-            <a:gs pos="0">
-              <a:schemeClr val="accent1">
-                <a:hueOff val="0"/>
-                <a:satOff val="0"/>
-                <a:lumOff val="0"/>
-                <a:alphaOff val="0"/>
-                <a:lumMod val="110000"/>
-                <a:satMod val="105000"/>
-                <a:tint val="67000"/>
-              </a:schemeClr>
-            </a:gs>
-            <a:gs pos="50000">
-              <a:schemeClr val="accent1">
-                <a:hueOff val="0"/>
-                <a:satOff val="0"/>
-                <a:lumOff val="0"/>
-                <a:alphaOff val="0"/>
-                <a:lumMod val="105000"/>
-                <a:satMod val="103000"/>
-                <a:tint val="73000"/>
-              </a:schemeClr>
-            </a:gs>
-            <a:gs pos="100000">
-              <a:schemeClr val="accent1">
-                <a:hueOff val="0"/>
-                <a:satOff val="0"/>
-                <a:lumOff val="0"/>
-                <a:alphaOff val="0"/>
-                <a:lumMod val="105000"/>
-                <a:satMod val="109000"/>
-                <a:tint val="81000"/>
-              </a:schemeClr>
-            </a:gs>
-          </a:gsLst>
-          <a:lin ang="5400000" scaled="0"/>
-        </a:gradFill>
-        <a:ln>
-          <a:noFill/>
-        </a:ln>
-        <a:effectLst/>
-        <a:scene3d>
-          <a:camera prst="orthographicFront"/>
-          <a:lightRig rig="flat" dir="t"/>
-        </a:scene3d>
-        <a:sp3d prstMaterial="dkEdge">
-          <a:bevelT w="8200" h="38100"/>
-        </a:sp3d>
-      </dsp:spPr>
-      <dsp:style>
-        <a:lnRef idx="0">
-          <a:scrgbClr r="0" g="0" b="0"/>
-        </a:lnRef>
-        <a:fillRef idx="2">
-          <a:scrgbClr r="0" g="0" b="0"/>
-        </a:fillRef>
-        <a:effectRef idx="1">
-          <a:scrgbClr r="0" g="0" b="0"/>
-        </a:effectRef>
-        <a:fontRef idx="minor">
-          <a:schemeClr val="dk1"/>
-        </a:fontRef>
-      </dsp:style>
-      <dsp:txBody>
-        <a:bodyPr spcFirstLastPara="0" vert="horz" wrap="square" lIns="8890" tIns="8890" rIns="8890" bIns="8890" numCol="1" spcCol="1270" anchor="ctr" anchorCtr="0">
-          <a:noAutofit/>
-        </a:bodyPr>
-        <a:lstStyle/>
-        <a:p>
-          <a:pPr marL="0" lvl="0" indent="0" algn="ctr" defTabSz="622300">
-            <a:lnSpc>
-              <a:spcPct val="90000"/>
-            </a:lnSpc>
-            <a:spcBef>
-              <a:spcPct val="0"/>
-            </a:spcBef>
-            <a:spcAft>
-              <a:spcPct val="35000"/>
-            </a:spcAft>
-            <a:buNone/>
-          </a:pPr>
-          <a:r>
-            <a:rPr lang="de-DE" sz="1400" kern="1200" dirty="0">
-              <a:latin typeface="Arial" panose="020B0604020202020204" pitchFamily="34" charset="0"/>
-              <a:cs typeface="Arial" panose="020B0604020202020204" pitchFamily="34" charset="0"/>
-            </a:rPr>
-            <a:t>Traum</a:t>
-          </a:r>
-        </a:p>
-      </dsp:txBody>
-      <dsp:txXfrm>
-        <a:off x="6255012" y="2241167"/>
-        <a:ext cx="1188001" cy="479032"/>
-      </dsp:txXfrm>
-    </dsp:sp>
-    <dsp:sp modelId="{AE262B21-9D41-3245-AA83-3F088C761499}">
-      <dsp:nvSpPr>
-        <dsp:cNvPr id="0" name=""/>
-        <dsp:cNvSpPr/>
-      </dsp:nvSpPr>
-      <dsp:spPr>
-        <a:xfrm>
-          <a:off x="6255012" y="2921394"/>
-          <a:ext cx="1188001" cy="479032"/>
-        </a:xfrm>
-        <a:prstGeom prst="rect">
-          <a:avLst/>
-        </a:prstGeom>
-        <a:gradFill rotWithShape="0">
-          <a:gsLst>
-            <a:gs pos="0">
-              <a:schemeClr val="accent1">
-                <a:hueOff val="0"/>
-                <a:satOff val="0"/>
-                <a:lumOff val="0"/>
-                <a:alphaOff val="0"/>
-                <a:lumMod val="110000"/>
-                <a:satMod val="105000"/>
-                <a:tint val="67000"/>
-              </a:schemeClr>
-            </a:gs>
-            <a:gs pos="50000">
-              <a:schemeClr val="accent1">
-                <a:hueOff val="0"/>
-                <a:satOff val="0"/>
-                <a:lumOff val="0"/>
-                <a:alphaOff val="0"/>
-                <a:lumMod val="105000"/>
-                <a:satMod val="103000"/>
-                <a:tint val="73000"/>
-              </a:schemeClr>
-            </a:gs>
-            <a:gs pos="100000">
-              <a:schemeClr val="accent1">
-                <a:hueOff val="0"/>
-                <a:satOff val="0"/>
-                <a:lumOff val="0"/>
-                <a:alphaOff val="0"/>
-                <a:lumMod val="105000"/>
-                <a:satMod val="109000"/>
-                <a:tint val="81000"/>
-              </a:schemeClr>
-            </a:gs>
-          </a:gsLst>
-          <a:lin ang="5400000" scaled="0"/>
-        </a:gradFill>
-        <a:ln>
-          <a:noFill/>
-        </a:ln>
-        <a:effectLst/>
-        <a:scene3d>
-          <a:camera prst="orthographicFront"/>
-          <a:lightRig rig="flat" dir="t"/>
-        </a:scene3d>
-        <a:sp3d prstMaterial="dkEdge">
-          <a:bevelT w="8200" h="38100"/>
-        </a:sp3d>
-      </dsp:spPr>
-      <dsp:style>
-        <a:lnRef idx="0">
-          <a:scrgbClr r="0" g="0" b="0"/>
-        </a:lnRef>
-        <a:fillRef idx="2">
-          <a:scrgbClr r="0" g="0" b="0"/>
-        </a:fillRef>
-        <a:effectRef idx="1">
-          <a:scrgbClr r="0" g="0" b="0"/>
-        </a:effectRef>
-        <a:fontRef idx="minor">
-          <a:schemeClr val="dk1"/>
-        </a:fontRef>
-      </dsp:style>
-      <dsp:txBody>
-        <a:bodyPr spcFirstLastPara="0" vert="horz" wrap="square" lIns="8890" tIns="8890" rIns="8890" bIns="8890" numCol="1" spcCol="1270" anchor="ctr" anchorCtr="0">
-          <a:noAutofit/>
-        </a:bodyPr>
-        <a:lstStyle/>
-        <a:p>
-          <a:pPr marL="0" lvl="0" indent="0" algn="ctr" defTabSz="622300">
-            <a:lnSpc>
-              <a:spcPct val="90000"/>
-            </a:lnSpc>
-            <a:spcBef>
-              <a:spcPct val="0"/>
-            </a:spcBef>
-            <a:spcAft>
-              <a:spcPct val="35000"/>
-            </a:spcAft>
-            <a:buNone/>
-          </a:pPr>
-          <a:r>
-            <a:rPr lang="de-DE" sz="1400" kern="1200" dirty="0">
-              <a:latin typeface="Arial" panose="020B0604020202020204" pitchFamily="34" charset="0"/>
-              <a:cs typeface="Arial" panose="020B0604020202020204" pitchFamily="34" charset="0"/>
-            </a:rPr>
-            <a:t>Traum-erzählung</a:t>
-          </a:r>
-        </a:p>
-      </dsp:txBody>
-      <dsp:txXfrm>
-        <a:off x="6255012" y="2921394"/>
-        <a:ext cx="1188001" cy="479032"/>
-      </dsp:txXfrm>
-    </dsp:sp>
-    <dsp:sp modelId="{65044682-1F28-6F4C-9A56-685F852E4608}">
-      <dsp:nvSpPr>
-        <dsp:cNvPr id="0" name=""/>
-        <dsp:cNvSpPr/>
-      </dsp:nvSpPr>
-      <dsp:spPr>
-        <a:xfrm>
-          <a:off x="6255012" y="3601620"/>
-          <a:ext cx="1188001" cy="479032"/>
-        </a:xfrm>
-        <a:prstGeom prst="rect">
-          <a:avLst/>
-        </a:prstGeom>
-        <a:gradFill rotWithShape="0">
-          <a:gsLst>
-            <a:gs pos="0">
-              <a:schemeClr val="accent1">
-                <a:hueOff val="0"/>
-                <a:satOff val="0"/>
-                <a:lumOff val="0"/>
-                <a:alphaOff val="0"/>
-                <a:lumMod val="110000"/>
-                <a:satMod val="105000"/>
-                <a:tint val="67000"/>
-              </a:schemeClr>
-            </a:gs>
-            <a:gs pos="50000">
-              <a:schemeClr val="accent1">
-                <a:hueOff val="0"/>
-                <a:satOff val="0"/>
-                <a:lumOff val="0"/>
-                <a:alphaOff val="0"/>
-                <a:lumMod val="105000"/>
-                <a:satMod val="103000"/>
-                <a:tint val="73000"/>
-              </a:schemeClr>
-            </a:gs>
-            <a:gs pos="100000">
-              <a:schemeClr val="accent1">
-                <a:hueOff val="0"/>
-                <a:satOff val="0"/>
-                <a:lumOff val="0"/>
-                <a:alphaOff val="0"/>
-                <a:lumMod val="105000"/>
-                <a:satMod val="109000"/>
-                <a:tint val="81000"/>
-              </a:schemeClr>
-            </a:gs>
-          </a:gsLst>
-          <a:lin ang="5400000" scaled="0"/>
-        </a:gradFill>
-        <a:ln>
-          <a:noFill/>
-        </a:ln>
-        <a:effectLst/>
-        <a:scene3d>
-          <a:camera prst="orthographicFront"/>
-          <a:lightRig rig="flat" dir="t"/>
-        </a:scene3d>
-        <a:sp3d prstMaterial="dkEdge">
-          <a:bevelT w="8200" h="38100"/>
-        </a:sp3d>
-      </dsp:spPr>
-      <dsp:style>
-        <a:lnRef idx="0">
-          <a:scrgbClr r="0" g="0" b="0"/>
-        </a:lnRef>
-        <a:fillRef idx="2">
-          <a:scrgbClr r="0" g="0" b="0"/>
-        </a:fillRef>
-        <a:effectRef idx="1">
-          <a:scrgbClr r="0" g="0" b="0"/>
-        </a:effectRef>
-        <a:fontRef idx="minor">
-          <a:schemeClr val="dk1"/>
-        </a:fontRef>
-      </dsp:style>
-      <dsp:txBody>
-        <a:bodyPr spcFirstLastPara="0" vert="horz" wrap="square" lIns="8890" tIns="8890" rIns="8890" bIns="8890" numCol="1" spcCol="1270" anchor="ctr" anchorCtr="0">
-          <a:noAutofit/>
-        </a:bodyPr>
-        <a:lstStyle/>
-        <a:p>
-          <a:pPr marL="0" lvl="0" indent="0" algn="ctr" defTabSz="622300">
-            <a:lnSpc>
-              <a:spcPct val="90000"/>
-            </a:lnSpc>
-            <a:spcBef>
-              <a:spcPct val="0"/>
-            </a:spcBef>
-            <a:spcAft>
-              <a:spcPct val="35000"/>
-            </a:spcAft>
-            <a:buNone/>
-          </a:pPr>
-          <a:r>
-            <a:rPr lang="de-DE" sz="1400" kern="1200" dirty="0">
-              <a:latin typeface="Arial" panose="020B0604020202020204" pitchFamily="34" charset="0"/>
-              <a:cs typeface="Arial" panose="020B0604020202020204" pitchFamily="34" charset="0"/>
-            </a:rPr>
-            <a:t>Halluzination</a:t>
-          </a:r>
-        </a:p>
-      </dsp:txBody>
-      <dsp:txXfrm>
-        <a:off x="6255012" y="3601620"/>
-        <a:ext cx="1188001" cy="479032"/>
-      </dsp:txXfrm>
-    </dsp:sp>
-    <dsp:sp modelId="{0995C08A-5D82-954A-A733-41DB3EDB32FC}">
-      <dsp:nvSpPr>
-        <dsp:cNvPr id="0" name=""/>
-        <dsp:cNvSpPr/>
-      </dsp:nvSpPr>
-      <dsp:spPr>
-        <a:xfrm>
-          <a:off x="6255012" y="4281847"/>
-          <a:ext cx="1188001" cy="479032"/>
-        </a:xfrm>
-        <a:prstGeom prst="rect">
-          <a:avLst/>
-        </a:prstGeom>
-        <a:gradFill rotWithShape="0">
-          <a:gsLst>
-            <a:gs pos="0">
-              <a:schemeClr val="accent1">
-                <a:hueOff val="0"/>
-                <a:satOff val="0"/>
-                <a:lumOff val="0"/>
-                <a:alphaOff val="0"/>
-                <a:lumMod val="110000"/>
-                <a:satMod val="105000"/>
-                <a:tint val="67000"/>
-              </a:schemeClr>
-            </a:gs>
-            <a:gs pos="50000">
-              <a:schemeClr val="accent1">
-                <a:hueOff val="0"/>
-                <a:satOff val="0"/>
-                <a:lumOff val="0"/>
-                <a:alphaOff val="0"/>
-                <a:lumMod val="105000"/>
-                <a:satMod val="103000"/>
-                <a:tint val="73000"/>
-              </a:schemeClr>
-            </a:gs>
-            <a:gs pos="100000">
-              <a:schemeClr val="accent1">
-                <a:hueOff val="0"/>
-                <a:satOff val="0"/>
-                <a:lumOff val="0"/>
-                <a:alphaOff val="0"/>
-                <a:lumMod val="105000"/>
-                <a:satMod val="109000"/>
-                <a:tint val="81000"/>
-              </a:schemeClr>
-            </a:gs>
-          </a:gsLst>
-          <a:lin ang="5400000" scaled="0"/>
-        </a:gradFill>
-        <a:ln>
-          <a:noFill/>
-        </a:ln>
-        <a:effectLst/>
-        <a:scene3d>
-          <a:camera prst="orthographicFront"/>
-          <a:lightRig rig="flat" dir="t"/>
-        </a:scene3d>
-        <a:sp3d prstMaterial="dkEdge">
-          <a:bevelT w="8200" h="38100"/>
-        </a:sp3d>
-      </dsp:spPr>
-      <dsp:style>
-        <a:lnRef idx="0">
-          <a:scrgbClr r="0" g="0" b="0"/>
-        </a:lnRef>
-        <a:fillRef idx="2">
-          <a:scrgbClr r="0" g="0" b="0"/>
-        </a:fillRef>
-        <a:effectRef idx="1">
-          <a:scrgbClr r="0" g="0" b="0"/>
-        </a:effectRef>
-        <a:fontRef idx="minor">
-          <a:schemeClr val="dk1"/>
-        </a:fontRef>
-      </dsp:style>
-      <dsp:txBody>
-        <a:bodyPr spcFirstLastPara="0" vert="horz" wrap="square" lIns="8890" tIns="8890" rIns="8890" bIns="8890" numCol="1" spcCol="1270" anchor="ctr" anchorCtr="0">
-          <a:noAutofit/>
-        </a:bodyPr>
-        <a:lstStyle/>
-        <a:p>
-          <a:pPr marL="0" lvl="0" indent="0" algn="ctr" defTabSz="622300">
-            <a:lnSpc>
-              <a:spcPct val="90000"/>
-            </a:lnSpc>
-            <a:spcBef>
-              <a:spcPct val="0"/>
-            </a:spcBef>
-            <a:spcAft>
-              <a:spcPct val="35000"/>
-            </a:spcAft>
-            <a:buNone/>
-          </a:pPr>
-          <a:r>
-            <a:rPr lang="de-DE" sz="1400" kern="1200" dirty="0">
-              <a:latin typeface="Arial" panose="020B0604020202020204" pitchFamily="34" charset="0"/>
-              <a:cs typeface="Arial" panose="020B0604020202020204" pitchFamily="34" charset="0"/>
-            </a:rPr>
-            <a:t>Phantasie</a:t>
-          </a:r>
-        </a:p>
-      </dsp:txBody>
-      <dsp:txXfrm>
-        <a:off x="6255012" y="4281847"/>
-        <a:ext cx="1188001" cy="479032"/>
+        <a:off x="8053026" y="959787"/>
+        <a:ext cx="1706523" cy="748528"/>
       </dsp:txXfrm>
     </dsp:sp>
   </dsp:spTree>
@@ -10563,7 +11509,7 @@
           <a:p>
             <a:fld id="{8ED5C7B3-B1BA-4643-9D59-548390EDB417}" type="datetimeFigureOut">
               <a:rPr lang="de-DE" smtClean="0"/>
-              <a:t>10.06.18</a:t>
+              <a:t>13.06.18</a:t>
             </a:fld>
             <a:endParaRPr lang="de-DE"/>
           </a:p>
@@ -10736,7 +11682,7 @@
           <a:p>
             <a:fld id="{8ED5C7B3-B1BA-4643-9D59-548390EDB417}" type="datetimeFigureOut">
               <a:rPr lang="de-DE" smtClean="0"/>
-              <a:t>10.06.18</a:t>
+              <a:t>13.06.18</a:t>
             </a:fld>
             <a:endParaRPr lang="de-DE"/>
           </a:p>
@@ -10919,7 +11865,7 @@
           <a:p>
             <a:fld id="{8ED5C7B3-B1BA-4643-9D59-548390EDB417}" type="datetimeFigureOut">
               <a:rPr lang="de-DE" smtClean="0"/>
-              <a:t>10.06.18</a:t>
+              <a:t>13.06.18</a:t>
             </a:fld>
             <a:endParaRPr lang="de-DE"/>
           </a:p>
@@ -11092,7 +12038,7 @@
           <a:p>
             <a:fld id="{8ED5C7B3-B1BA-4643-9D59-548390EDB417}" type="datetimeFigureOut">
               <a:rPr lang="de-DE" smtClean="0"/>
-              <a:t>10.06.18</a:t>
+              <a:t>13.06.18</a:t>
             </a:fld>
             <a:endParaRPr lang="de-DE"/>
           </a:p>
@@ -11370,7 +12316,7 @@
           <a:p>
             <a:fld id="{8ED5C7B3-B1BA-4643-9D59-548390EDB417}" type="datetimeFigureOut">
               <a:rPr lang="de-DE" smtClean="0"/>
-              <a:t>10.06.18</a:t>
+              <a:t>13.06.18</a:t>
             </a:fld>
             <a:endParaRPr lang="de-DE"/>
           </a:p>
@@ -11585,7 +12531,7 @@
           <a:p>
             <a:fld id="{8ED5C7B3-B1BA-4643-9D59-548390EDB417}" type="datetimeFigureOut">
               <a:rPr lang="de-DE" smtClean="0"/>
-              <a:t>10.06.18</a:t>
+              <a:t>13.06.18</a:t>
             </a:fld>
             <a:endParaRPr lang="de-DE"/>
           </a:p>
@@ -11953,7 +12899,7 @@
           <a:p>
             <a:fld id="{8ED5C7B3-B1BA-4643-9D59-548390EDB417}" type="datetimeFigureOut">
               <a:rPr lang="de-DE" smtClean="0"/>
-              <a:t>10.06.18</a:t>
+              <a:t>13.06.18</a:t>
             </a:fld>
             <a:endParaRPr lang="de-DE"/>
           </a:p>
@@ -12094,7 +13040,7 @@
           <a:p>
             <a:fld id="{8ED5C7B3-B1BA-4643-9D59-548390EDB417}" type="datetimeFigureOut">
               <a:rPr lang="de-DE" smtClean="0"/>
-              <a:t>10.06.18</a:t>
+              <a:t>13.06.18</a:t>
             </a:fld>
             <a:endParaRPr lang="de-DE"/>
           </a:p>
@@ -12207,7 +13153,7 @@
           <a:p>
             <a:fld id="{8ED5C7B3-B1BA-4643-9D59-548390EDB417}" type="datetimeFigureOut">
               <a:rPr lang="de-DE" smtClean="0"/>
-              <a:t>10.06.18</a:t>
+              <a:t>13.06.18</a:t>
             </a:fld>
             <a:endParaRPr lang="de-DE"/>
           </a:p>
@@ -12496,7 +13442,7 @@
           <a:p>
             <a:fld id="{8ED5C7B3-B1BA-4643-9D59-548390EDB417}" type="datetimeFigureOut">
               <a:rPr lang="de-DE" smtClean="0"/>
-              <a:t>10.06.18</a:t>
+              <a:t>13.06.18</a:t>
             </a:fld>
             <a:endParaRPr lang="de-DE"/>
           </a:p>
@@ -12787,7 +13733,7 @@
           <a:p>
             <a:fld id="{8ED5C7B3-B1BA-4643-9D59-548390EDB417}" type="datetimeFigureOut">
               <a:rPr lang="de-DE" smtClean="0"/>
-              <a:t>10.06.18</a:t>
+              <a:t>13.06.18</a:t>
             </a:fld>
             <a:endParaRPr lang="de-DE"/>
           </a:p>
@@ -13003,7 +13949,7 @@
           <a:p>
             <a:fld id="{8ED5C7B3-B1BA-4643-9D59-548390EDB417}" type="datetimeFigureOut">
               <a:rPr lang="de-DE" smtClean="0"/>
-              <a:t>10.06.18</a:t>
+              <a:t>13.06.18</a:t>
             </a:fld>
             <a:endParaRPr lang="de-DE"/>
           </a:p>
@@ -13433,14 +14379,14 @@
           <p:nvPr>
             <p:extLst>
               <p:ext uri="{D42A27DB-BD31-4B8C-83A1-F6EECF244321}">
-                <p14:modId xmlns:p14="http://schemas.microsoft.com/office/powerpoint/2010/main" val="3214249361"/>
+                <p14:modId xmlns:p14="http://schemas.microsoft.com/office/powerpoint/2010/main" val="1373138516"/>
               </p:ext>
             </p:extLst>
           </p:nvPr>
         </p:nvGraphicFramePr>
         <p:xfrm>
-          <a:off x="269823" y="719666"/>
-          <a:ext cx="11692327" cy="5418667"/>
+          <a:off x="269823" y="246743"/>
+          <a:ext cx="11692327" cy="5891590"/>
         </p:xfrm>
         <a:graphic>
           <a:graphicData uri="http://schemas.openxmlformats.org/drawingml/2006/diagram">
